--- a/presentation/Presentation.pptx
+++ b/presentation/Presentation.pptx
@@ -5,7 +5,7 @@
     <p:sldMasterId id="2147483659" r:id="rId1"/>
   </p:sldMasterIdLst>
   <p:notesMasterIdLst>
-    <p:notesMasterId r:id="rId12"/>
+    <p:notesMasterId r:id="rId11"/>
   </p:notesMasterIdLst>
   <p:sldIdLst>
     <p:sldId id="256" r:id="rId2"/>
@@ -15,9 +15,8 @@
     <p:sldId id="259" r:id="rId6"/>
     <p:sldId id="260" r:id="rId7"/>
     <p:sldId id="261" r:id="rId8"/>
-    <p:sldId id="262" r:id="rId9"/>
-    <p:sldId id="263" r:id="rId10"/>
-    <p:sldId id="264" r:id="rId11"/>
+    <p:sldId id="266" r:id="rId9"/>
+    <p:sldId id="264" r:id="rId10"/>
   </p:sldIdLst>
   <p:sldSz cx="9144000" cy="5143500" type="screen16x9"/>
   <p:notesSz cx="6858000" cy="9144000"/>
@@ -1337,7 +1336,7 @@
   <p:cSld>
     <p:spTree>
       <p:nvGrpSpPr>
-        <p:cNvPr id="1" name="Shape 87"/>
+        <p:cNvPr id="1" name="Shape 81"/>
         <p:cNvGrpSpPr/>
         <p:nvPr/>
       </p:nvGrpSpPr>
@@ -1351,111 +1350,7 @@
       </p:grpSpPr>
       <p:sp>
         <p:nvSpPr>
-          <p:cNvPr id="88" name="Google Shape;88;g36ab5a8a21138d72_21:notes"/>
-          <p:cNvSpPr>
-            <a:spLocks noGrp="1" noRot="1" noChangeAspect="1"/>
-          </p:cNvSpPr>
-          <p:nvPr>
-            <p:ph type="sldImg" idx="2"/>
-          </p:nvPr>
-        </p:nvSpPr>
-        <p:spPr>
-          <a:xfrm>
-            <a:off x="381300" y="685800"/>
-            <a:ext cx="6096000" cy="3429000"/>
-          </a:xfrm>
-          <a:custGeom>
-            <a:avLst/>
-            <a:gdLst/>
-            <a:ahLst/>
-            <a:cxnLst/>
-            <a:rect l="l" t="t" r="r" b="b"/>
-            <a:pathLst>
-              <a:path w="120000" h="120000" extrusionOk="0">
-                <a:moveTo>
-                  <a:pt x="0" y="0"/>
-                </a:moveTo>
-                <a:lnTo>
-                  <a:pt x="120000" y="0"/>
-                </a:lnTo>
-                <a:lnTo>
-                  <a:pt x="120000" y="120000"/>
-                </a:lnTo>
-                <a:lnTo>
-                  <a:pt x="0" y="120000"/>
-                </a:lnTo>
-                <a:close/>
-              </a:path>
-            </a:pathLst>
-          </a:custGeom>
-        </p:spPr>
-      </p:sp>
-      <p:sp>
-        <p:nvSpPr>
-          <p:cNvPr id="89" name="Google Shape;89;g36ab5a8a21138d72_21:notes"/>
-          <p:cNvSpPr txBox="1">
-            <a:spLocks noGrp="1"/>
-          </p:cNvSpPr>
-          <p:nvPr>
-            <p:ph type="body" idx="1"/>
-          </p:nvPr>
-        </p:nvSpPr>
-        <p:spPr>
-          <a:xfrm>
-            <a:off x="685800" y="4343400"/>
-            <a:ext cx="5486400" cy="4114800"/>
-          </a:xfrm>
-          <a:prstGeom prst="rect">
-            <a:avLst/>
-          </a:prstGeom>
-        </p:spPr>
-        <p:txBody>
-          <a:bodyPr spcFirstLastPara="1" wrap="square" lIns="91425" tIns="91425" rIns="91425" bIns="91425" anchor="t" anchorCtr="0">
-            <a:noAutofit/>
-          </a:bodyPr>
-          <a:lstStyle/>
-          <a:p>
-            <a:pPr marL="0" lvl="0" indent="0" algn="l" rtl="0">
-              <a:spcBef>
-                <a:spcPts val="0"/>
-              </a:spcBef>
-              <a:spcAft>
-                <a:spcPts val="0"/>
-              </a:spcAft>
-              <a:buNone/>
-            </a:pPr>
-            <a:endParaRPr/>
-          </a:p>
-        </p:txBody>
-      </p:sp>
-    </p:spTree>
-  </p:cSld>
-  <p:clrMapOvr>
-    <a:masterClrMapping/>
-  </p:clrMapOvr>
-</p:notes>
-</file>
-
-<file path=ppt/notesSlides/notesSlide8.xml><?xml version="1.0" encoding="utf-8"?>
-<p:notes xmlns:a="http://schemas.openxmlformats.org/drawingml/2006/main" xmlns:r="http://schemas.openxmlformats.org/officeDocument/2006/relationships" xmlns:p="http://schemas.openxmlformats.org/presentationml/2006/main" showMasterSp="0" showMasterPhAnim="0">
-  <p:cSld>
-    <p:spTree>
-      <p:nvGrpSpPr>
-        <p:cNvPr id="1" name="Shape 93"/>
-        <p:cNvGrpSpPr/>
-        <p:nvPr/>
-      </p:nvGrpSpPr>
-      <p:grpSpPr>
-        <a:xfrm>
-          <a:off x="0" y="0"/>
-          <a:ext cx="0" cy="0"/>
-          <a:chOff x="0" y="0"/>
-          <a:chExt cx="0" cy="0"/>
-        </a:xfrm>
-      </p:grpSpPr>
-      <p:sp>
-        <p:nvSpPr>
-          <p:cNvPr id="94" name="Google Shape;94;g36ab5a8a21138d72_31:notes"/>
+          <p:cNvPr id="82" name="Google Shape;82;g36ab5a8a21138d72_26:notes"/>
           <p:cNvSpPr>
             <a:spLocks noGrp="1" noRot="1" noChangeAspect="1"/>
           </p:cNvSpPr>
@@ -1496,7 +1391,7 @@
       </p:sp>
       <p:sp>
         <p:nvSpPr>
-          <p:cNvPr id="95" name="Google Shape;95;g36ab5a8a21138d72_31:notes"/>
+          <p:cNvPr id="83" name="Google Shape;83;g36ab5a8a21138d72_26:notes"/>
           <p:cNvSpPr txBox="1">
             <a:spLocks noGrp="1"/>
           </p:cNvSpPr>
@@ -1533,6 +1428,11 @@
         </p:txBody>
       </p:sp>
     </p:spTree>
+    <p:extLst>
+      <p:ext uri="{BB962C8B-B14F-4D97-AF65-F5344CB8AC3E}">
+        <p14:creationId xmlns:p14="http://schemas.microsoft.com/office/powerpoint/2010/main" val="3170044299"/>
+      </p:ext>
+    </p:extLst>
   </p:cSld>
   <p:clrMapOvr>
     <a:masterClrMapping/>
@@ -1540,7 +1440,7 @@
 </p:notes>
 </file>
 
-<file path=ppt/notesSlides/notesSlide9.xml><?xml version="1.0" encoding="utf-8"?>
+<file path=ppt/notesSlides/notesSlide8.xml><?xml version="1.0" encoding="utf-8"?>
 <p:notes xmlns:a="http://schemas.openxmlformats.org/drawingml/2006/main" xmlns:r="http://schemas.openxmlformats.org/officeDocument/2006/relationships" xmlns:p="http://schemas.openxmlformats.org/presentationml/2006/main" showMasterSp="0" showMasterPhAnim="0">
   <p:cSld>
     <p:spTree>
@@ -6478,196 +6378,6 @@
 </p:sld>
 </file>
 
-<file path=ppt/slides/slide10.xml><?xml version="1.0" encoding="utf-8"?>
-<p:sld xmlns:a="http://schemas.openxmlformats.org/drawingml/2006/main" xmlns:r="http://schemas.openxmlformats.org/officeDocument/2006/relationships" xmlns:p="http://schemas.openxmlformats.org/presentationml/2006/main">
-  <p:cSld>
-    <p:spTree>
-      <p:nvGrpSpPr>
-        <p:cNvPr id="1" name="Shape 102"/>
-        <p:cNvGrpSpPr/>
-        <p:nvPr/>
-      </p:nvGrpSpPr>
-      <p:grpSpPr>
-        <a:xfrm>
-          <a:off x="0" y="0"/>
-          <a:ext cx="0" cy="0"/>
-          <a:chOff x="0" y="0"/>
-          <a:chExt cx="0" cy="0"/>
-        </a:xfrm>
-      </p:grpSpPr>
-      <p:sp>
-        <p:nvSpPr>
-          <p:cNvPr id="103" name="Google Shape;103;p21"/>
-          <p:cNvSpPr txBox="1">
-            <a:spLocks noGrp="1"/>
-          </p:cNvSpPr>
-          <p:nvPr>
-            <p:ph type="title"/>
-          </p:nvPr>
-        </p:nvSpPr>
-        <p:spPr>
-          <a:xfrm>
-            <a:off x="311700" y="445025"/>
-            <a:ext cx="8520600" cy="572700"/>
-          </a:xfrm>
-          <a:prstGeom prst="rect">
-            <a:avLst/>
-          </a:prstGeom>
-        </p:spPr>
-        <p:txBody>
-          <a:bodyPr spcFirstLastPara="1" wrap="square" lIns="91425" tIns="91425" rIns="91425" bIns="91425" anchor="t" anchorCtr="0">
-            <a:noAutofit/>
-          </a:bodyPr>
-          <a:lstStyle/>
-          <a:p>
-            <a:pPr marL="0" lvl="0" indent="0" algn="l" rtl="0">
-              <a:spcBef>
-                <a:spcPts val="0"/>
-              </a:spcBef>
-              <a:spcAft>
-                <a:spcPts val="0"/>
-              </a:spcAft>
-              <a:buNone/>
-            </a:pPr>
-            <a:r>
-              <a:rPr lang="en"/>
-              <a:t>References</a:t>
-            </a:r>
-            <a:endParaRPr/>
-          </a:p>
-        </p:txBody>
-      </p:sp>
-      <p:sp>
-        <p:nvSpPr>
-          <p:cNvPr id="104" name="Google Shape;104;p21"/>
-          <p:cNvSpPr txBox="1">
-            <a:spLocks noGrp="1"/>
-          </p:cNvSpPr>
-          <p:nvPr>
-            <p:ph type="body" idx="1"/>
-          </p:nvPr>
-        </p:nvSpPr>
-        <p:spPr>
-          <a:xfrm>
-            <a:off x="311700" y="1152475"/>
-            <a:ext cx="8520600" cy="3416400"/>
-          </a:xfrm>
-          <a:prstGeom prst="rect">
-            <a:avLst/>
-          </a:prstGeom>
-        </p:spPr>
-        <p:txBody>
-          <a:bodyPr spcFirstLastPara="1" wrap="square" lIns="91425" tIns="91425" rIns="91425" bIns="91425" anchor="t" anchorCtr="0">
-            <a:noAutofit/>
-          </a:bodyPr>
-          <a:lstStyle/>
-          <a:p>
-            <a:pPr marL="460375" lvl="0" indent="-460375">
-              <a:lnSpc>
-                <a:spcPct val="100000"/>
-              </a:lnSpc>
-              <a:spcBef>
-                <a:spcPts val="800"/>
-              </a:spcBef>
-              <a:buNone/>
-            </a:pPr>
-            <a:r>
-              <a:rPr lang="en" sz="1600" dirty="0"/>
-              <a:t>“Overview of </a:t>
-            </a:r>
-            <a:r>
-              <a:rPr lang="en-US" sz="1600" dirty="0"/>
-              <a:t>Bohmian Mechanics.”</a:t>
-            </a:r>
-            <a:r>
-              <a:rPr lang="en" sz="1600" dirty="0"/>
-              <a:t> </a:t>
-            </a:r>
-            <a:r>
-              <a:rPr lang="en-US" sz="1600" dirty="0"/>
-              <a:t>Xavier Oriols &amp; Jordi Mompart. 2013.</a:t>
-            </a:r>
-          </a:p>
-          <a:p>
-            <a:pPr marL="460375" lvl="0" indent="-460375">
-              <a:lnSpc>
-                <a:spcPct val="100000"/>
-              </a:lnSpc>
-              <a:spcBef>
-                <a:spcPts val="800"/>
-              </a:spcBef>
-              <a:buNone/>
-            </a:pPr>
-            <a:endParaRPr sz="1600" dirty="0"/>
-          </a:p>
-          <a:p>
-            <a:pPr marL="460375" lvl="0" indent="-460375" algn="l" rtl="0">
-              <a:lnSpc>
-                <a:spcPct val="100000"/>
-              </a:lnSpc>
-              <a:spcBef>
-                <a:spcPts val="800"/>
-              </a:spcBef>
-              <a:spcAft>
-                <a:spcPts val="0"/>
-              </a:spcAft>
-              <a:buClr>
-                <a:schemeClr val="dk1"/>
-              </a:buClr>
-              <a:buSzPts val="1100"/>
-              <a:buFont typeface="Arial"/>
-              <a:buNone/>
-            </a:pPr>
-            <a:r>
-              <a:rPr lang="en" sz="1600" dirty="0"/>
-              <a:t>“Bohmian mechanics without pilot waves.” Bill Poirier, J. Chem. Phys. 2010.</a:t>
-            </a:r>
-            <a:endParaRPr sz="1600" dirty="0"/>
-          </a:p>
-          <a:p>
-            <a:pPr marL="460375" lvl="0" indent="-460375" algn="l" rtl="0">
-              <a:lnSpc>
-                <a:spcPct val="100000"/>
-              </a:lnSpc>
-              <a:spcBef>
-                <a:spcPts val="800"/>
-              </a:spcBef>
-              <a:spcAft>
-                <a:spcPts val="0"/>
-              </a:spcAft>
-              <a:buNone/>
-            </a:pPr>
-            <a:endParaRPr lang="en" sz="1600" dirty="0"/>
-          </a:p>
-          <a:p>
-            <a:pPr marL="460375" lvl="0" indent="-460375" algn="l" rtl="0">
-              <a:lnSpc>
-                <a:spcPct val="100000"/>
-              </a:lnSpc>
-              <a:spcBef>
-                <a:spcPts val="800"/>
-              </a:spcBef>
-              <a:spcAft>
-                <a:spcPts val="0"/>
-              </a:spcAft>
-              <a:buNone/>
-            </a:pPr>
-            <a:r>
-              <a:rPr lang="en" sz="1600" dirty="0"/>
-              <a:t>“Communication: Quantum mechanics without wavefunctions.” Jeremy Schiff &amp; Bill Poirier. J. Chem. Phys. 2012</a:t>
-            </a:r>
-            <a:endParaRPr dirty="0"/>
-          </a:p>
-        </p:txBody>
-      </p:sp>
-    </p:spTree>
-  </p:cSld>
-  <p:clrMapOvr>
-    <a:masterClrMapping/>
-  </p:clrMapOvr>
-</p:sld>
-</file>
-
 <file path=ppt/slides/slide2.xml><?xml version="1.0" encoding="utf-8"?>
 <p:sld xmlns:a="http://schemas.openxmlformats.org/drawingml/2006/main" xmlns:r="http://schemas.openxmlformats.org/officeDocument/2006/relationships" xmlns:p="http://schemas.openxmlformats.org/presentationml/2006/main">
   <p:cSld>
@@ -6713,146 +6423,81 @@
           </a:p>
         </p:txBody>
       </p:sp>
-      <mc:AlternateContent xmlns:mc="http://schemas.openxmlformats.org/markup-compatibility/2006" xmlns:a14="http://schemas.microsoft.com/office/drawing/2010/main">
-        <mc:Choice Requires="a14">
-          <p:sp>
-            <p:nvSpPr>
-              <p:cNvPr id="4" name="TextBox 3">
-                <a:extLst>
-                  <a:ext uri="{FF2B5EF4-FFF2-40B4-BE49-F238E27FC236}">
-                    <a16:creationId xmlns:a16="http://schemas.microsoft.com/office/drawing/2014/main" id="{BC7FFF9B-EC8D-491B-8582-BD5A6519D923}"/>
-                  </a:ext>
-                </a:extLst>
-              </p:cNvPr>
-              <p:cNvSpPr txBox="1"/>
-              <p:nvPr/>
-            </p:nvSpPr>
-            <p:spPr>
-              <a:xfrm>
-                <a:off x="613862" y="1330036"/>
-                <a:ext cx="6579843" cy="2078646"/>
-              </a:xfrm>
-              <a:prstGeom prst="rect">
-                <a:avLst/>
-              </a:prstGeom>
-              <a:noFill/>
-            </p:spPr>
-            <p:txBody>
-              <a:bodyPr wrap="square" rtlCol="0">
-                <a:spAutoFit/>
-              </a:bodyPr>
-              <a:lstStyle/>
-              <a:p>
-                <a:pPr marL="285750" indent="-285750">
-                  <a:lnSpc>
-                    <a:spcPct val="200000"/>
-                  </a:lnSpc>
-                  <a:buFont typeface="Arial" panose="020B0604020202020204" pitchFamily="34" charset="0"/>
-                  <a:buChar char="•"/>
-                </a:pPr>
-                <a:r>
-                  <a:rPr lang="en-US" sz="1800" dirty="0"/>
-                  <a:t>Particles with position and momentum</a:t>
-                </a:r>
-              </a:p>
-              <a:p>
-                <a:pPr marL="285750" indent="-285750">
-                  <a:lnSpc>
-                    <a:spcPct val="200000"/>
-                  </a:lnSpc>
-                  <a:buFont typeface="Arial" panose="020B0604020202020204" pitchFamily="34" charset="0"/>
-                  <a:buChar char="•"/>
-                </a:pPr>
-                <a:r>
-                  <a:rPr lang="en-US" sz="1800" dirty="0"/>
-                  <a:t>Uncertainties from initial conditions</a:t>
-                </a:r>
-              </a:p>
-              <a:p>
-                <a:pPr marL="285750" indent="-285750">
-                  <a:lnSpc>
-                    <a:spcPct val="200000"/>
-                  </a:lnSpc>
-                  <a:buFont typeface="Arial" panose="020B0604020202020204" pitchFamily="34" charset="0"/>
-                  <a:buChar char="•"/>
-                </a:pPr>
-                <a:r>
-                  <a:rPr lang="en-US" sz="1800" dirty="0"/>
-                  <a:t>Equivalent to </a:t>
-                </a:r>
-                <a14:m>
-                  <m:oMath xmlns:m="http://schemas.openxmlformats.org/officeDocument/2006/math">
-                    <m:r>
-                      <m:rPr>
-                        <m:sty m:val="p"/>
-                      </m:rPr>
-                      <a:rPr lang="en-US" sz="1800">
-                        <a:latin typeface="Cambria Math" panose="02040503050406030204" pitchFamily="18" charset="0"/>
-                      </a:rPr>
-                      <m:t>Ψ</m:t>
-                    </m:r>
-                  </m:oMath>
-                </a14:m>
-                <a:r>
-                  <a:rPr lang="en-US" sz="1800" dirty="0"/>
-                  <a:t>; same predictions</a:t>
-                </a:r>
-              </a:p>
-              <a:p>
-                <a:pPr marL="285750" indent="-285750">
-                  <a:buFont typeface="Arial" panose="020B0604020202020204" pitchFamily="34" charset="0"/>
-                  <a:buChar char="•"/>
-                </a:pPr>
-                <a:endParaRPr lang="en-US" sz="1800" dirty="0"/>
-              </a:p>
-            </p:txBody>
-          </p:sp>
-        </mc:Choice>
-        <mc:Fallback xmlns="">
-          <p:sp>
-            <p:nvSpPr>
-              <p:cNvPr id="4" name="TextBox 3">
-                <a:extLst>
-                  <a:ext uri="{FF2B5EF4-FFF2-40B4-BE49-F238E27FC236}">
-                    <a16:creationId xmlns:a16="http://schemas.microsoft.com/office/drawing/2014/main" id="{BC7FFF9B-EC8D-491B-8582-BD5A6519D923}"/>
-                  </a:ext>
-                </a:extLst>
-              </p:cNvPr>
-              <p:cNvSpPr txBox="1">
-                <a:spLocks noRot="1" noChangeAspect="1" noMove="1" noResize="1" noEditPoints="1" noAdjustHandles="1" noChangeArrowheads="1" noChangeShapeType="1" noTextEdit="1"/>
-              </p:cNvSpPr>
-              <p:nvPr/>
-            </p:nvSpPr>
-            <p:spPr>
-              <a:xfrm>
-                <a:off x="613862" y="1330036"/>
-                <a:ext cx="6579843" cy="2078646"/>
-              </a:xfrm>
-              <a:prstGeom prst="rect">
-                <a:avLst/>
-              </a:prstGeom>
-              <a:blipFill>
-                <a:blip r:embed="rId2"/>
-                <a:stretch>
-                  <a:fillRect l="-649"/>
-                </a:stretch>
-              </a:blipFill>
-            </p:spPr>
-            <p:txBody>
-              <a:bodyPr/>
-              <a:lstStyle/>
-              <a:p>
-                <a:r>
-                  <a:rPr lang="en-US">
-                    <a:noFill/>
-                  </a:rPr>
-                  <a:t> </a:t>
-                </a:r>
-              </a:p>
-            </p:txBody>
-          </p:sp>
-        </mc:Fallback>
-      </mc:AlternateContent>
+      <p:sp>
+        <p:nvSpPr>
+          <p:cNvPr id="4" name="TextBox 3">
+            <a:extLst>
+              <a:ext uri="{FF2B5EF4-FFF2-40B4-BE49-F238E27FC236}">
+                <a16:creationId xmlns:a16="http://schemas.microsoft.com/office/drawing/2014/main" id="{BC7FFF9B-EC8D-491B-8582-BD5A6519D923}"/>
+              </a:ext>
+            </a:extLst>
+          </p:cNvPr>
+          <p:cNvSpPr txBox="1"/>
+          <p:nvPr/>
+        </p:nvSpPr>
+        <p:spPr>
+          <a:xfrm>
+            <a:off x="613862" y="1330036"/>
+            <a:ext cx="6579843" cy="2862322"/>
+          </a:xfrm>
+          <a:prstGeom prst="rect">
+            <a:avLst/>
+          </a:prstGeom>
+          <a:noFill/>
+        </p:spPr>
+        <p:txBody>
+          <a:bodyPr wrap="square" rtlCol="0">
+            <a:spAutoFit/>
+          </a:bodyPr>
+          <a:lstStyle/>
+          <a:p>
+            <a:pPr marL="285750" indent="-285750">
+              <a:lnSpc>
+                <a:spcPct val="300000"/>
+              </a:lnSpc>
+              <a:buFont typeface="Arial" panose="020B0604020202020204" pitchFamily="34" charset="0"/>
+              <a:buChar char="•"/>
+            </a:pPr>
+            <a:r>
+              <a:rPr lang="en-US" sz="1800" dirty="0"/>
+              <a:t>Particles with position and momentum</a:t>
+            </a:r>
+          </a:p>
+          <a:p>
+            <a:pPr marL="285750" indent="-285750">
+              <a:lnSpc>
+                <a:spcPct val="300000"/>
+              </a:lnSpc>
+              <a:buFont typeface="Arial" panose="020B0604020202020204" pitchFamily="34" charset="0"/>
+              <a:buChar char="•"/>
+            </a:pPr>
+            <a:r>
+              <a:rPr lang="en-US" sz="1800" dirty="0"/>
+              <a:t>Uncertainties from initial conditions</a:t>
+            </a:r>
+          </a:p>
+          <a:p>
+            <a:pPr marL="285750" indent="-285750">
+              <a:lnSpc>
+                <a:spcPct val="300000"/>
+              </a:lnSpc>
+              <a:buFont typeface="Arial" panose="020B0604020202020204" pitchFamily="34" charset="0"/>
+              <a:buChar char="•"/>
+            </a:pPr>
+            <a:r>
+              <a:rPr lang="en-US" sz="1800" dirty="0"/>
+              <a:t>Same predictions as Copenhagen QM</a:t>
+            </a:r>
+          </a:p>
+          <a:p>
+            <a:pPr marL="285750" indent="-285750">
+              <a:buFont typeface="Arial" panose="020B0604020202020204" pitchFamily="34" charset="0"/>
+              <a:buChar char="•"/>
+            </a:pPr>
+            <a:endParaRPr lang="en-US" sz="1800" dirty="0"/>
+          </a:p>
+        </p:txBody>
+      </p:sp>
     </p:spTree>
     <p:extLst>
       <p:ext uri="{BB962C8B-B14F-4D97-AF65-F5344CB8AC3E}">
@@ -7221,8 +6866,8 @@
           </p:sp>
         </mc:Fallback>
       </mc:AlternateContent>
-      <mc:AlternateContent xmlns:mc="http://schemas.openxmlformats.org/markup-compatibility/2006">
-        <mc:Choice xmlns:a14="http://schemas.microsoft.com/office/drawing/2010/main" Requires="a14">
+      <mc:AlternateContent xmlns:mc="http://schemas.openxmlformats.org/markup-compatibility/2006" xmlns:a14="http://schemas.microsoft.com/office/drawing/2010/main">
+        <mc:Choice Requires="a14">
           <p:sp>
             <p:nvSpPr>
               <p:cNvPr id="3" name="TextBox 2">
@@ -7419,7 +7064,7 @@
             </p:txBody>
           </p:sp>
         </mc:Choice>
-        <mc:Fallback>
+        <mc:Fallback xmlns="">
           <p:sp>
             <p:nvSpPr>
               <p:cNvPr id="3" name="TextBox 2">
@@ -7464,8 +7109,8 @@
           </p:sp>
         </mc:Fallback>
       </mc:AlternateContent>
-      <mc:AlternateContent xmlns:mc="http://schemas.openxmlformats.org/markup-compatibility/2006">
-        <mc:Choice xmlns:a14="http://schemas.microsoft.com/office/drawing/2010/main" Requires="a14">
+      <mc:AlternateContent xmlns:mc="http://schemas.openxmlformats.org/markup-compatibility/2006" xmlns:a14="http://schemas.microsoft.com/office/drawing/2010/main">
+        <mc:Choice Requires="a14">
           <p:sp>
             <p:nvSpPr>
               <p:cNvPr id="4" name="TextBox 3">
@@ -7555,7 +7200,7 @@
             </p:txBody>
           </p:sp>
         </mc:Choice>
-        <mc:Fallback>
+        <mc:Fallback xmlns="">
           <p:sp>
             <p:nvSpPr>
               <p:cNvPr id="4" name="TextBox 3">
@@ -7832,62 +7477,8 @@
               <a:buNone/>
             </a:pPr>
             <a:r>
-              <a:rPr lang="en"/>
+              <a:rPr lang="en" dirty="0"/>
               <a:t>Training an AI to predict trajectories</a:t>
-            </a:r>
-            <a:endParaRPr/>
-          </a:p>
-        </p:txBody>
-      </p:sp>
-      <p:sp>
-        <p:nvSpPr>
-          <p:cNvPr id="74" name="Google Shape;74;p16"/>
-          <p:cNvSpPr txBox="1">
-            <a:spLocks noGrp="1"/>
-          </p:cNvSpPr>
-          <p:nvPr>
-            <p:ph type="body" idx="1"/>
-          </p:nvPr>
-        </p:nvSpPr>
-        <p:spPr>
-          <a:xfrm>
-            <a:off x="4866143" y="1200361"/>
-            <a:ext cx="3743100" cy="3416400"/>
-          </a:xfrm>
-          <a:prstGeom prst="rect">
-            <a:avLst/>
-          </a:prstGeom>
-        </p:spPr>
-        <p:txBody>
-          <a:bodyPr spcFirstLastPara="1" wrap="square" lIns="91425" tIns="91425" rIns="91425" bIns="91425" anchor="t" anchorCtr="0">
-            <a:noAutofit/>
-          </a:bodyPr>
-          <a:lstStyle/>
-          <a:p>
-            <a:pPr marL="0" lvl="0" indent="0" algn="l" rtl="0">
-              <a:spcBef>
-                <a:spcPts val="0"/>
-              </a:spcBef>
-              <a:spcAft>
-                <a:spcPts val="0"/>
-              </a:spcAft>
-              <a:buNone/>
-            </a:pPr>
-            <a:endParaRPr dirty="0"/>
-          </a:p>
-          <a:p>
-            <a:pPr marL="0" lvl="0" indent="0" algn="ctr" rtl="0">
-              <a:spcBef>
-                <a:spcPts val="1600"/>
-              </a:spcBef>
-              <a:spcAft>
-                <a:spcPts val="1600"/>
-              </a:spcAft>
-              <a:buNone/>
-            </a:pPr>
-            <a:r>
-              <a:rPr lang="en" dirty="0"/>
-              <a:t>Example animation of predicted trajectories</a:t>
             </a:r>
             <a:endParaRPr dirty="0"/>
           </a:p>
@@ -7895,10 +7486,10 @@
       </p:sp>
       <p:pic>
         <p:nvPicPr>
-          <p:cNvPr id="7" name="Picture 6">
+          <p:cNvPr id="14" name="Picture 13" descr="A close up of a logo&#10;&#10;Description automatically generated">
             <a:extLst>
               <a:ext uri="{FF2B5EF4-FFF2-40B4-BE49-F238E27FC236}">
-                <a16:creationId xmlns:a16="http://schemas.microsoft.com/office/drawing/2014/main" id="{14F7627E-AE9B-40F9-8792-3B64A147E80E}"/>
+                <a16:creationId xmlns:a16="http://schemas.microsoft.com/office/drawing/2014/main" id="{89E157AB-36A2-4D54-ABD1-22F2AF9B5EB8}"/>
               </a:ext>
             </a:extLst>
           </p:cNvPr>
@@ -7909,19 +7500,120 @@
         </p:nvPicPr>
         <p:blipFill rotWithShape="1">
           <a:blip r:embed="rId3"/>
-          <a:srcRect l="7003" t="8912" r="7653" b="3691"/>
+          <a:srcRect l="6618" t="10277" r="8547" b="5306"/>
           <a:stretch/>
         </p:blipFill>
         <p:spPr>
           <a:xfrm>
-            <a:off x="166255" y="1494504"/>
-            <a:ext cx="4314977" cy="3314089"/>
+            <a:off x="4716060" y="1828800"/>
+            <a:ext cx="3983231" cy="2971275"/>
           </a:xfrm>
           <a:prstGeom prst="rect">
             <a:avLst/>
           </a:prstGeom>
         </p:spPr>
       </p:pic>
+      <p:pic>
+        <p:nvPicPr>
+          <p:cNvPr id="16" name="Picture 15" descr="A close up of a logo&#10;&#10;Description automatically generated">
+            <a:extLst>
+              <a:ext uri="{FF2B5EF4-FFF2-40B4-BE49-F238E27FC236}">
+                <a16:creationId xmlns:a16="http://schemas.microsoft.com/office/drawing/2014/main" id="{0CC65554-E5FA-4382-8F21-72B745CCD0B3}"/>
+              </a:ext>
+            </a:extLst>
+          </p:cNvPr>
+          <p:cNvPicPr>
+            <a:picLocks noChangeAspect="1"/>
+          </p:cNvPicPr>
+          <p:nvPr/>
+        </p:nvPicPr>
+        <p:blipFill rotWithShape="1">
+          <a:blip r:embed="rId4"/>
+          <a:srcRect l="6676" t="10277" r="7664" b="5306"/>
+          <a:stretch/>
+        </p:blipFill>
+        <p:spPr>
+          <a:xfrm>
+            <a:off x="311700" y="1828800"/>
+            <a:ext cx="4021987" cy="2971275"/>
+          </a:xfrm>
+          <a:prstGeom prst="rect">
+            <a:avLst/>
+          </a:prstGeom>
+        </p:spPr>
+      </p:pic>
+      <p:sp>
+        <p:nvSpPr>
+          <p:cNvPr id="17" name="TextBox 16">
+            <a:extLst>
+              <a:ext uri="{FF2B5EF4-FFF2-40B4-BE49-F238E27FC236}">
+                <a16:creationId xmlns:a16="http://schemas.microsoft.com/office/drawing/2014/main" id="{D5CEAA92-1BA0-41ED-8DCF-0B0DA2D3717E}"/>
+              </a:ext>
+            </a:extLst>
+          </p:cNvPr>
+          <p:cNvSpPr txBox="1"/>
+          <p:nvPr/>
+        </p:nvSpPr>
+        <p:spPr>
+          <a:xfrm>
+            <a:off x="1079500" y="1569938"/>
+            <a:ext cx="2736850" cy="338554"/>
+          </a:xfrm>
+          <a:prstGeom prst="rect">
+            <a:avLst/>
+          </a:prstGeom>
+          <a:noFill/>
+        </p:spPr>
+        <p:txBody>
+          <a:bodyPr wrap="square" rtlCol="0">
+            <a:spAutoFit/>
+          </a:bodyPr>
+          <a:lstStyle/>
+          <a:p>
+            <a:pPr algn="ctr"/>
+            <a:r>
+              <a:rPr lang="en-US" sz="1600" b="1" dirty="0"/>
+              <a:t>True trajectories</a:t>
+            </a:r>
+          </a:p>
+        </p:txBody>
+      </p:sp>
+      <p:sp>
+        <p:nvSpPr>
+          <p:cNvPr id="20" name="TextBox 19">
+            <a:extLst>
+              <a:ext uri="{FF2B5EF4-FFF2-40B4-BE49-F238E27FC236}">
+                <a16:creationId xmlns:a16="http://schemas.microsoft.com/office/drawing/2014/main" id="{880ECCE9-5D3D-4349-99BA-27E91855FCCC}"/>
+              </a:ext>
+            </a:extLst>
+          </p:cNvPr>
+          <p:cNvSpPr txBox="1"/>
+          <p:nvPr/>
+        </p:nvSpPr>
+        <p:spPr>
+          <a:xfrm>
+            <a:off x="5518150" y="1569938"/>
+            <a:ext cx="2736850" cy="338554"/>
+          </a:xfrm>
+          <a:prstGeom prst="rect">
+            <a:avLst/>
+          </a:prstGeom>
+          <a:noFill/>
+        </p:spPr>
+        <p:txBody>
+          <a:bodyPr wrap="square" rtlCol="0">
+            <a:spAutoFit/>
+          </a:bodyPr>
+          <a:lstStyle/>
+          <a:p>
+            <a:pPr algn="ctr"/>
+            <a:r>
+              <a:rPr lang="en-US" sz="1600" b="1" dirty="0"/>
+              <a:t>AI-predicted trajectories</a:t>
+            </a:r>
+          </a:p>
+        </p:txBody>
+      </p:sp>
     </p:spTree>
   </p:cSld>
   <p:clrMapOvr>
@@ -8277,8 +7969,8 @@
             </p:nvSpPr>
             <p:spPr>
               <a:xfrm>
-                <a:off x="4830972" y="603338"/>
-                <a:ext cx="3411415" cy="295594"/>
+                <a:off x="4508056" y="607124"/>
+                <a:ext cx="3411415" cy="328680"/>
               </a:xfrm>
               <a:prstGeom prst="rect">
                 <a:avLst/>
@@ -8302,7 +7994,7 @@
                         <m:rPr>
                           <m:sty m:val="p"/>
                         </m:rPr>
-                        <a:rPr lang="en-US" sz="1800">
+                        <a:rPr lang="en-US" sz="2000">
                           <a:latin typeface="Cambria Math" panose="02040503050406030204" pitchFamily="18" charset="0"/>
                         </a:rPr>
                         <m:t>Ψ</m:t>
@@ -8310,26 +8002,26 @@
                       <m:d>
                         <m:dPr>
                           <m:ctrlPr>
-                            <a:rPr lang="en-US" sz="1800" b="0" i="1" smtClean="0">
+                            <a:rPr lang="en-US" sz="2000" b="0" i="1" smtClean="0">
                               <a:latin typeface="Cambria Math" panose="02040503050406030204" pitchFamily="18" charset="0"/>
                             </a:rPr>
                           </m:ctrlPr>
                         </m:dPr>
                         <m:e>
                           <m:r>
-                            <a:rPr lang="en-US" sz="1800" b="0" i="1" smtClean="0">
+                            <a:rPr lang="en-US" sz="2000" b="0" i="1" smtClean="0">
                               <a:latin typeface="Cambria Math" panose="02040503050406030204" pitchFamily="18" charset="0"/>
                             </a:rPr>
                             <m:t>𝑡</m:t>
                           </m:r>
                           <m:r>
-                            <a:rPr lang="en-US" sz="1800" b="0" i="1" smtClean="0">
+                            <a:rPr lang="en-US" sz="2000" b="0" i="1" smtClean="0">
                               <a:latin typeface="Cambria Math" panose="02040503050406030204" pitchFamily="18" charset="0"/>
                             </a:rPr>
                             <m:t>, </m:t>
                           </m:r>
                           <m:r>
-                            <a:rPr lang="en-US" sz="1800" b="0" i="1" smtClean="0">
+                            <a:rPr lang="en-US" sz="2000" b="0" i="1" smtClean="0">
                               <a:latin typeface="Cambria Math" panose="02040503050406030204" pitchFamily="18" charset="0"/>
                             </a:rPr>
                             <m:t>𝑥</m:t>
@@ -8337,13 +8029,13 @@
                         </m:e>
                       </m:d>
                       <m:r>
-                        <a:rPr lang="en-US" sz="1800" b="0" i="1" smtClean="0">
+                        <a:rPr lang="en-US" sz="2000" b="0" i="1" smtClean="0">
                           <a:latin typeface="Cambria Math" panose="02040503050406030204" pitchFamily="18" charset="0"/>
                         </a:rPr>
                         <m:t>=</m:t>
                       </m:r>
                       <m:r>
-                        <a:rPr lang="en-US" sz="1800" b="0" i="1" smtClean="0">
+                        <a:rPr lang="en-US" sz="2000" b="0" i="1" smtClean="0">
                           <a:latin typeface="Cambria Math" panose="02040503050406030204" pitchFamily="18" charset="0"/>
                         </a:rPr>
                         <m:t>𝑅</m:t>
@@ -8351,26 +8043,26 @@
                       <m:d>
                         <m:dPr>
                           <m:ctrlPr>
-                            <a:rPr lang="en-US" sz="1800" b="0" i="1" smtClean="0">
+                            <a:rPr lang="en-US" sz="2000" b="0" i="1" smtClean="0">
                               <a:latin typeface="Cambria Math" panose="02040503050406030204" pitchFamily="18" charset="0"/>
                             </a:rPr>
                           </m:ctrlPr>
                         </m:dPr>
                         <m:e>
                           <m:r>
-                            <a:rPr lang="en-US" sz="1800" b="0" i="1" smtClean="0">
+                            <a:rPr lang="en-US" sz="2000" b="0" i="1" smtClean="0">
                               <a:latin typeface="Cambria Math" panose="02040503050406030204" pitchFamily="18" charset="0"/>
                             </a:rPr>
                             <m:t>𝑡</m:t>
                           </m:r>
                           <m:r>
-                            <a:rPr lang="en-US" sz="1800" b="0" i="1" smtClean="0">
+                            <a:rPr lang="en-US" sz="2000" b="0" i="1" smtClean="0">
                               <a:latin typeface="Cambria Math" panose="02040503050406030204" pitchFamily="18" charset="0"/>
                             </a:rPr>
                             <m:t>, </m:t>
                           </m:r>
                           <m:r>
-                            <a:rPr lang="en-US" sz="1800" b="0" i="1" smtClean="0">
+                            <a:rPr lang="en-US" sz="2000" b="0" i="1" smtClean="0">
                               <a:latin typeface="Cambria Math" panose="02040503050406030204" pitchFamily="18" charset="0"/>
                             </a:rPr>
                             <m:t>𝑥</m:t>
@@ -8380,14 +8072,14 @@
                       <m:sSup>
                         <m:sSupPr>
                           <m:ctrlPr>
-                            <a:rPr lang="en-US" sz="1800" b="0" i="1" smtClean="0">
+                            <a:rPr lang="en-US" sz="2000" b="0" i="1" smtClean="0">
                               <a:latin typeface="Cambria Math" panose="02040503050406030204" pitchFamily="18" charset="0"/>
                             </a:rPr>
                           </m:ctrlPr>
                         </m:sSupPr>
                         <m:e>
                           <m:r>
-                            <a:rPr lang="en-US" sz="1800" b="0" i="1" smtClean="0">
+                            <a:rPr lang="en-US" sz="2000" b="0" i="1" smtClean="0">
                               <a:latin typeface="Cambria Math" panose="02040503050406030204" pitchFamily="18" charset="0"/>
                             </a:rPr>
                             <m:t>𝑒</m:t>
@@ -8398,14 +8090,14 @@
                             <m:fPr>
                               <m:type m:val="lin"/>
                               <m:ctrlPr>
-                                <a:rPr lang="en-US" sz="1800" b="0" i="1" smtClean="0">
+                                <a:rPr lang="en-US" sz="2000" b="0" i="1" smtClean="0">
                                   <a:latin typeface="Cambria Math" panose="02040503050406030204" pitchFamily="18" charset="0"/>
                                 </a:rPr>
                               </m:ctrlPr>
                             </m:fPr>
                             <m:num>
                               <m:r>
-                                <a:rPr lang="en-US" sz="1800" i="1">
+                                <a:rPr lang="en-US" sz="2000" i="1">
                                   <a:latin typeface="Cambria Math" panose="02040503050406030204" pitchFamily="18" charset="0"/>
                                 </a:rPr>
                                 <m:t>𝑖𝑆</m:t>
@@ -8413,26 +8105,26 @@
                               <m:d>
                                 <m:dPr>
                                   <m:ctrlPr>
-                                    <a:rPr lang="en-US" sz="1800" i="1">
+                                    <a:rPr lang="en-US" sz="2000" i="1">
                                       <a:latin typeface="Cambria Math" panose="02040503050406030204" pitchFamily="18" charset="0"/>
                                     </a:rPr>
                                   </m:ctrlPr>
                                 </m:dPr>
                                 <m:e>
                                   <m:r>
-                                    <a:rPr lang="en-US" sz="1800" i="1">
+                                    <a:rPr lang="en-US" sz="2000" i="1">
                                       <a:latin typeface="Cambria Math" panose="02040503050406030204" pitchFamily="18" charset="0"/>
                                     </a:rPr>
                                     <m:t>𝑡</m:t>
                                   </m:r>
                                   <m:r>
-                                    <a:rPr lang="en-US" sz="1800" i="1">
+                                    <a:rPr lang="en-US" sz="2000" i="1">
                                       <a:latin typeface="Cambria Math" panose="02040503050406030204" pitchFamily="18" charset="0"/>
                                     </a:rPr>
                                     <m:t>, </m:t>
                                   </m:r>
                                   <m:r>
-                                    <a:rPr lang="en-US" sz="1800" i="1">
+                                    <a:rPr lang="en-US" sz="2000" i="1">
                                       <a:latin typeface="Cambria Math" panose="02040503050406030204" pitchFamily="18" charset="0"/>
                                     </a:rPr>
                                     <m:t>𝑥</m:t>
@@ -8442,7 +8134,7 @@
                             </m:num>
                             <m:den>
                               <m:r>
-                                <a:rPr lang="en-US" sz="1800" b="0" i="1" smtClean="0">
+                                <a:rPr lang="en-US" sz="2000" b="0" i="1" smtClean="0">
                                   <a:latin typeface="Cambria Math" panose="02040503050406030204" pitchFamily="18" charset="0"/>
                                 </a:rPr>
                                 <m:t>ℏ</m:t>
@@ -8454,7 +8146,7 @@
                     </m:oMath>
                   </m:oMathPara>
                 </a14:m>
-                <a:endParaRPr lang="en-US" sz="1800" dirty="0"/>
+                <a:endParaRPr lang="en-US" sz="2000" dirty="0"/>
               </a:p>
             </p:txBody>
           </p:sp>
@@ -8476,8 +8168,8 @@
             </p:nvSpPr>
             <p:spPr>
               <a:xfrm>
-                <a:off x="4830972" y="603338"/>
-                <a:ext cx="3411415" cy="295594"/>
+                <a:off x="4508056" y="607124"/>
+                <a:ext cx="3411415" cy="328680"/>
               </a:xfrm>
               <a:prstGeom prst="rect">
                 <a:avLst/>
@@ -8485,7 +8177,7 @@
               <a:blipFill>
                 <a:blip r:embed="rId4"/>
                 <a:stretch>
-                  <a:fillRect t="-118750" b="-147917"/>
+                  <a:fillRect t="-120370" r="-4472" b="-144444"/>
                 </a:stretch>
               </a:blipFill>
             </p:spPr>
@@ -8504,8 +8196,8 @@
           </p:sp>
         </mc:Fallback>
       </mc:AlternateContent>
-      <mc:AlternateContent xmlns:mc="http://schemas.openxmlformats.org/markup-compatibility/2006">
-        <mc:Choice xmlns:a14="http://schemas.microsoft.com/office/drawing/2010/main" Requires="a14">
+      <mc:AlternateContent xmlns:mc="http://schemas.openxmlformats.org/markup-compatibility/2006" xmlns:a14="http://schemas.microsoft.com/office/drawing/2010/main">
+        <mc:Choice Requires="a14">
           <p:sp>
             <p:nvSpPr>
               <p:cNvPr id="9" name="TextBox 8">
@@ -8744,7 +8436,7 @@
             </p:txBody>
           </p:sp>
         </mc:Choice>
-        <mc:Fallback>
+        <mc:Fallback xmlns="">
           <p:sp>
             <p:nvSpPr>
               <p:cNvPr id="9" name="TextBox 8">
@@ -8824,8 +8516,8 @@
           </a:p>
         </p:txBody>
       </p:sp>
-      <mc:AlternateContent xmlns:mc="http://schemas.openxmlformats.org/markup-compatibility/2006">
-        <mc:Choice xmlns:a14="http://schemas.microsoft.com/office/drawing/2010/main" Requires="a14">
+      <mc:AlternateContent xmlns:mc="http://schemas.openxmlformats.org/markup-compatibility/2006" xmlns:a14="http://schemas.microsoft.com/office/drawing/2010/main">
+        <mc:Choice Requires="a14">
           <p:sp>
             <p:nvSpPr>
               <p:cNvPr id="11" name="TextBox 10">
@@ -9013,7 +8705,7 @@
             </p:txBody>
           </p:sp>
         </mc:Choice>
-        <mc:Fallback>
+        <mc:Fallback xmlns="">
           <p:sp>
             <p:nvSpPr>
               <p:cNvPr id="11" name="TextBox 10">
@@ -9098,6 +8790,260 @@
   <p:clrMapOvr>
     <a:masterClrMapping/>
   </p:clrMapOvr>
+  <p:timing>
+    <p:tnLst>
+      <p:par>
+        <p:cTn id="1" dur="indefinite" restart="never" nodeType="tmRoot">
+          <p:childTnLst>
+            <p:seq concurrent="1" nextAc="seek">
+              <p:cTn id="2" dur="indefinite" nodeType="mainSeq">
+                <p:childTnLst>
+                  <p:par>
+                    <p:cTn id="3" fill="hold">
+                      <p:stCondLst>
+                        <p:cond delay="indefinite"/>
+                      </p:stCondLst>
+                      <p:childTnLst>
+                        <p:par>
+                          <p:cTn id="4" fill="hold">
+                            <p:stCondLst>
+                              <p:cond delay="0"/>
+                            </p:stCondLst>
+                            <p:childTnLst>
+                              <p:par>
+                                <p:cTn id="5" presetID="1" presetClass="entr" presetSubtype="0" fill="hold" grpId="0" nodeType="clickEffect">
+                                  <p:stCondLst>
+                                    <p:cond delay="0"/>
+                                  </p:stCondLst>
+                                  <p:childTnLst>
+                                    <p:set>
+                                      <p:cBhvr>
+                                        <p:cTn id="6" dur="1" fill="hold">
+                                          <p:stCondLst>
+                                            <p:cond delay="0"/>
+                                          </p:stCondLst>
+                                        </p:cTn>
+                                        <p:tgtEl>
+                                          <p:spTgt spid="5"/>
+                                        </p:tgtEl>
+                                        <p:attrNameLst>
+                                          <p:attrName>style.visibility</p:attrName>
+                                        </p:attrNameLst>
+                                      </p:cBhvr>
+                                      <p:to>
+                                        <p:strVal val="visible"/>
+                                      </p:to>
+                                    </p:set>
+                                  </p:childTnLst>
+                                </p:cTn>
+                              </p:par>
+                              <p:par>
+                                <p:cTn id="7" presetID="1" presetClass="entr" presetSubtype="0" fill="hold" grpId="0" nodeType="withEffect">
+                                  <p:stCondLst>
+                                    <p:cond delay="0"/>
+                                  </p:stCondLst>
+                                  <p:childTnLst>
+                                    <p:set>
+                                      <p:cBhvr>
+                                        <p:cTn id="8" dur="1" fill="hold">
+                                          <p:stCondLst>
+                                            <p:cond delay="0"/>
+                                          </p:stCondLst>
+                                        </p:cTn>
+                                        <p:tgtEl>
+                                          <p:spTgt spid="4"/>
+                                        </p:tgtEl>
+                                        <p:attrNameLst>
+                                          <p:attrName>style.visibility</p:attrName>
+                                        </p:attrNameLst>
+                                      </p:cBhvr>
+                                      <p:to>
+                                        <p:strVal val="visible"/>
+                                      </p:to>
+                                    </p:set>
+                                  </p:childTnLst>
+                                </p:cTn>
+                              </p:par>
+                            </p:childTnLst>
+                          </p:cTn>
+                        </p:par>
+                      </p:childTnLst>
+                    </p:cTn>
+                  </p:par>
+                  <p:par>
+                    <p:cTn id="9" fill="hold">
+                      <p:stCondLst>
+                        <p:cond delay="indefinite"/>
+                      </p:stCondLst>
+                      <p:childTnLst>
+                        <p:par>
+                          <p:cTn id="10" fill="hold">
+                            <p:stCondLst>
+                              <p:cond delay="0"/>
+                            </p:stCondLst>
+                            <p:childTnLst>
+                              <p:par>
+                                <p:cTn id="11" presetID="1" presetClass="entr" presetSubtype="0" fill="hold" grpId="0" nodeType="clickEffect">
+                                  <p:stCondLst>
+                                    <p:cond delay="0"/>
+                                  </p:stCondLst>
+                                  <p:childTnLst>
+                                    <p:set>
+                                      <p:cBhvr>
+                                        <p:cTn id="12" dur="1" fill="hold">
+                                          <p:stCondLst>
+                                            <p:cond delay="0"/>
+                                          </p:stCondLst>
+                                        </p:cTn>
+                                        <p:tgtEl>
+                                          <p:spTgt spid="10"/>
+                                        </p:tgtEl>
+                                        <p:attrNameLst>
+                                          <p:attrName>style.visibility</p:attrName>
+                                        </p:attrNameLst>
+                                      </p:cBhvr>
+                                      <p:to>
+                                        <p:strVal val="visible"/>
+                                      </p:to>
+                                    </p:set>
+                                  </p:childTnLst>
+                                </p:cTn>
+                              </p:par>
+                              <p:par>
+                                <p:cTn id="13" presetID="1" presetClass="entr" presetSubtype="0" fill="hold" grpId="0" nodeType="withEffect">
+                                  <p:stCondLst>
+                                    <p:cond delay="0"/>
+                                  </p:stCondLst>
+                                  <p:childTnLst>
+                                    <p:set>
+                                      <p:cBhvr>
+                                        <p:cTn id="14" dur="1" fill="hold">
+                                          <p:stCondLst>
+                                            <p:cond delay="0"/>
+                                          </p:stCondLst>
+                                        </p:cTn>
+                                        <p:tgtEl>
+                                          <p:spTgt spid="9"/>
+                                        </p:tgtEl>
+                                        <p:attrNameLst>
+                                          <p:attrName>style.visibility</p:attrName>
+                                        </p:attrNameLst>
+                                      </p:cBhvr>
+                                      <p:to>
+                                        <p:strVal val="visible"/>
+                                      </p:to>
+                                    </p:set>
+                                  </p:childTnLst>
+                                </p:cTn>
+                              </p:par>
+                            </p:childTnLst>
+                          </p:cTn>
+                        </p:par>
+                      </p:childTnLst>
+                    </p:cTn>
+                  </p:par>
+                  <p:par>
+                    <p:cTn id="15" fill="hold">
+                      <p:stCondLst>
+                        <p:cond delay="indefinite"/>
+                      </p:stCondLst>
+                      <p:childTnLst>
+                        <p:par>
+                          <p:cTn id="16" fill="hold">
+                            <p:stCondLst>
+                              <p:cond delay="0"/>
+                            </p:stCondLst>
+                            <p:childTnLst>
+                              <p:par>
+                                <p:cTn id="17" presetID="1" presetClass="entr" presetSubtype="0" fill="hold" grpId="0" nodeType="clickEffect">
+                                  <p:stCondLst>
+                                    <p:cond delay="0"/>
+                                  </p:stCondLst>
+                                  <p:childTnLst>
+                                    <p:set>
+                                      <p:cBhvr>
+                                        <p:cTn id="18" dur="1" fill="hold">
+                                          <p:stCondLst>
+                                            <p:cond delay="0"/>
+                                          </p:stCondLst>
+                                        </p:cTn>
+                                        <p:tgtEl>
+                                          <p:spTgt spid="12"/>
+                                        </p:tgtEl>
+                                        <p:attrNameLst>
+                                          <p:attrName>style.visibility</p:attrName>
+                                        </p:attrNameLst>
+                                      </p:cBhvr>
+                                      <p:to>
+                                        <p:strVal val="visible"/>
+                                      </p:to>
+                                    </p:set>
+                                  </p:childTnLst>
+                                </p:cTn>
+                              </p:par>
+                              <p:par>
+                                <p:cTn id="19" presetID="1" presetClass="entr" presetSubtype="0" fill="hold" grpId="0" nodeType="withEffect">
+                                  <p:stCondLst>
+                                    <p:cond delay="0"/>
+                                  </p:stCondLst>
+                                  <p:childTnLst>
+                                    <p:set>
+                                      <p:cBhvr>
+                                        <p:cTn id="20" dur="1" fill="hold">
+                                          <p:stCondLst>
+                                            <p:cond delay="0"/>
+                                          </p:stCondLst>
+                                        </p:cTn>
+                                        <p:tgtEl>
+                                          <p:spTgt spid="11"/>
+                                        </p:tgtEl>
+                                        <p:attrNameLst>
+                                          <p:attrName>style.visibility</p:attrName>
+                                        </p:attrNameLst>
+                                      </p:cBhvr>
+                                      <p:to>
+                                        <p:strVal val="visible"/>
+                                      </p:to>
+                                    </p:set>
+                                  </p:childTnLst>
+                                </p:cTn>
+                              </p:par>
+                            </p:childTnLst>
+                          </p:cTn>
+                        </p:par>
+                      </p:childTnLst>
+                    </p:cTn>
+                  </p:par>
+                </p:childTnLst>
+              </p:cTn>
+              <p:prevCondLst>
+                <p:cond evt="onPrev" delay="0">
+                  <p:tgtEl>
+                    <p:sldTgt/>
+                  </p:tgtEl>
+                </p:cond>
+              </p:prevCondLst>
+              <p:nextCondLst>
+                <p:cond evt="onNext" delay="0">
+                  <p:tgtEl>
+                    <p:sldTgt/>
+                  </p:tgtEl>
+                </p:cond>
+              </p:nextCondLst>
+            </p:seq>
+          </p:childTnLst>
+        </p:cTn>
+      </p:par>
+    </p:tnLst>
+    <p:bldLst>
+      <p:bldP spid="4" grpId="0"/>
+      <p:bldP spid="5" grpId="0"/>
+      <p:bldP spid="9" grpId="0"/>
+      <p:bldP spid="10" grpId="0"/>
+      <p:bldP spid="11" grpId="0"/>
+      <p:bldP spid="12" grpId="0"/>
+    </p:bldLst>
+  </p:timing>
 </p:sld>
 </file>
 
@@ -9184,14 +9130,14 @@
           </a:p>
         </p:txBody>
       </p:sp>
-      <mc:AlternateContent xmlns:mc="http://schemas.openxmlformats.org/markup-compatibility/2006" xmlns:a14="http://schemas.microsoft.com/office/drawing/2010/main">
-        <mc:Choice Requires="a14">
+      <mc:AlternateContent xmlns:mc="http://schemas.openxmlformats.org/markup-compatibility/2006">
+        <mc:Choice xmlns:a14="http://schemas.microsoft.com/office/drawing/2010/main" Requires="a14">
           <p:sp>
             <p:nvSpPr>
-              <p:cNvPr id="4" name="TextBox 3">
+              <p:cNvPr id="5" name="TextBox 4">
                 <a:extLst>
                   <a:ext uri="{FF2B5EF4-FFF2-40B4-BE49-F238E27FC236}">
-                    <a16:creationId xmlns:a16="http://schemas.microsoft.com/office/drawing/2014/main" id="{0CF4D278-EFD6-431F-AA1F-10E2A2048061}"/>
+                    <a16:creationId xmlns:a16="http://schemas.microsoft.com/office/drawing/2014/main" id="{E72EEBB3-9BAC-4DC4-AAB6-75D9CDC4D6B9}"/>
                   </a:ext>
                 </a:extLst>
               </p:cNvPr>
@@ -9200,8 +9146,8 @@
             </p:nvSpPr>
             <p:spPr>
               <a:xfrm>
-                <a:off x="399650" y="1400373"/>
-                <a:ext cx="3574473" cy="400110"/>
+                <a:off x="793173" y="2173376"/>
+                <a:ext cx="7557654" cy="1046890"/>
               </a:xfrm>
               <a:prstGeom prst="rect">
                 <a:avLst/>
@@ -9214,7 +9160,1167 @@
               </a:bodyPr>
               <a:lstStyle/>
               <a:p>
-                <a:pPr algn="ctr"/>
+                <a:pPr/>
+                <a14:m>
+                  <m:oMathPara xmlns:m="http://schemas.openxmlformats.org/officeDocument/2006/math">
+                    <m:oMathParaPr>
+                      <m:jc m:val="center"/>
+                    </m:oMathParaPr>
+                    <m:oMath xmlns:m="http://schemas.openxmlformats.org/officeDocument/2006/math">
+                      <m:r>
+                        <a:rPr lang="en-US" sz="2400" b="0" i="1" smtClean="0">
+                          <a:latin typeface="Cambria Math" panose="02040503050406030204" pitchFamily="18" charset="0"/>
+                        </a:rPr>
+                        <m:t>ℒ</m:t>
+                      </m:r>
+                      <m:r>
+                        <a:rPr lang="en-US" sz="2400" b="0" i="1" smtClean="0">
+                          <a:latin typeface="Cambria Math" panose="02040503050406030204" pitchFamily="18" charset="0"/>
+                        </a:rPr>
+                        <m:t>=</m:t>
+                      </m:r>
+                      <m:f>
+                        <m:fPr>
+                          <m:ctrlPr>
+                            <a:rPr lang="en-US" sz="2400" i="1">
+                              <a:latin typeface="Cambria Math" panose="02040503050406030204" pitchFamily="18" charset="0"/>
+                            </a:rPr>
+                          </m:ctrlPr>
+                        </m:fPr>
+                        <m:num>
+                          <m:r>
+                            <a:rPr lang="en-US" sz="2400" i="1">
+                              <a:latin typeface="Cambria Math" panose="02040503050406030204" pitchFamily="18" charset="0"/>
+                            </a:rPr>
+                            <m:t>1</m:t>
+                          </m:r>
+                        </m:num>
+                        <m:den>
+                          <m:r>
+                            <a:rPr lang="en-US" sz="2400" i="1">
+                              <a:latin typeface="Cambria Math" panose="02040503050406030204" pitchFamily="18" charset="0"/>
+                            </a:rPr>
+                            <m:t>2</m:t>
+                          </m:r>
+                        </m:den>
+                      </m:f>
+                      <m:r>
+                        <a:rPr lang="en-US" sz="2400" i="1">
+                          <a:latin typeface="Cambria Math" panose="02040503050406030204" pitchFamily="18" charset="0"/>
+                        </a:rPr>
+                        <m:t>𝑚</m:t>
+                      </m:r>
+                      <m:sSup>
+                        <m:sSupPr>
+                          <m:ctrlPr>
+                            <a:rPr lang="en-US" sz="2400" i="1">
+                              <a:latin typeface="Cambria Math" panose="02040503050406030204" pitchFamily="18" charset="0"/>
+                            </a:rPr>
+                          </m:ctrlPr>
+                        </m:sSupPr>
+                        <m:e>
+                          <m:acc>
+                            <m:accPr>
+                              <m:chr m:val="̇"/>
+                              <m:ctrlPr>
+                                <a:rPr lang="en-US" sz="2400" i="1">
+                                  <a:latin typeface="Cambria Math" panose="02040503050406030204" pitchFamily="18" charset="0"/>
+                                </a:rPr>
+                              </m:ctrlPr>
+                            </m:accPr>
+                            <m:e>
+                              <m:r>
+                                <a:rPr lang="en-US" sz="2400" i="1">
+                                  <a:latin typeface="Cambria Math" panose="02040503050406030204" pitchFamily="18" charset="0"/>
+                                </a:rPr>
+                                <m:t>𝑥</m:t>
+                              </m:r>
+                            </m:e>
+                          </m:acc>
+                        </m:e>
+                        <m:sup>
+                          <m:r>
+                            <a:rPr lang="en-US" sz="2400" i="1">
+                              <a:latin typeface="Cambria Math" panose="02040503050406030204" pitchFamily="18" charset="0"/>
+                            </a:rPr>
+                            <m:t>2</m:t>
+                          </m:r>
+                        </m:sup>
+                      </m:sSup>
+                      <m:r>
+                        <a:rPr lang="en-US" sz="2400" i="1">
+                          <a:latin typeface="Cambria Math" panose="02040503050406030204" pitchFamily="18" charset="0"/>
+                        </a:rPr>
+                        <m:t>−</m:t>
+                      </m:r>
+                      <m:r>
+                        <a:rPr lang="en-US" sz="2400" i="1">
+                          <a:latin typeface="Cambria Math" panose="02040503050406030204" pitchFamily="18" charset="0"/>
+                        </a:rPr>
+                        <m:t>𝑉</m:t>
+                      </m:r>
+                      <m:d>
+                        <m:dPr>
+                          <m:ctrlPr>
+                            <a:rPr lang="en-US" sz="2400" i="1">
+                              <a:latin typeface="Cambria Math" panose="02040503050406030204" pitchFamily="18" charset="0"/>
+                            </a:rPr>
+                          </m:ctrlPr>
+                        </m:dPr>
+                        <m:e>
+                          <m:r>
+                            <a:rPr lang="en-US" sz="2400" i="1">
+                              <a:latin typeface="Cambria Math" panose="02040503050406030204" pitchFamily="18" charset="0"/>
+                            </a:rPr>
+                            <m:t>𝑥</m:t>
+                          </m:r>
+                        </m:e>
+                      </m:d>
+                      <m:r>
+                        <a:rPr lang="en-US" sz="2400" b="0" i="1" smtClean="0">
+                          <a:latin typeface="Cambria Math" panose="02040503050406030204" pitchFamily="18" charset="0"/>
+                        </a:rPr>
+                        <m:t>−</m:t>
+                      </m:r>
+                      <m:f>
+                        <m:fPr>
+                          <m:ctrlPr>
+                            <a:rPr lang="en-US" sz="2400" b="0" i="1" smtClean="0">
+                              <a:latin typeface="Cambria Math" panose="02040503050406030204" pitchFamily="18" charset="0"/>
+                            </a:rPr>
+                          </m:ctrlPr>
+                        </m:fPr>
+                        <m:num>
+                          <m:sSup>
+                            <m:sSupPr>
+                              <m:ctrlPr>
+                                <a:rPr lang="en-US" sz="2400" b="0" i="1" smtClean="0">
+                                  <a:latin typeface="Cambria Math" panose="02040503050406030204" pitchFamily="18" charset="0"/>
+                                </a:rPr>
+                              </m:ctrlPr>
+                            </m:sSupPr>
+                            <m:e>
+                              <m:r>
+                                <a:rPr lang="en-US" sz="2400" b="0" i="1" smtClean="0">
+                                  <a:latin typeface="Cambria Math" panose="02040503050406030204" pitchFamily="18" charset="0"/>
+                                </a:rPr>
+                                <m:t>ℏ</m:t>
+                              </m:r>
+                            </m:e>
+                            <m:sup>
+                              <m:r>
+                                <a:rPr lang="en-US" sz="2400" b="0" i="1" smtClean="0">
+                                  <a:latin typeface="Cambria Math" panose="02040503050406030204" pitchFamily="18" charset="0"/>
+                                </a:rPr>
+                                <m:t>2</m:t>
+                              </m:r>
+                            </m:sup>
+                          </m:sSup>
+                        </m:num>
+                        <m:den>
+                          <m:r>
+                            <a:rPr lang="en-US" sz="2400" b="0" i="1" smtClean="0">
+                              <a:latin typeface="Cambria Math" panose="02040503050406030204" pitchFamily="18" charset="0"/>
+                            </a:rPr>
+                            <m:t>2</m:t>
+                          </m:r>
+                          <m:r>
+                            <a:rPr lang="en-US" sz="2400" b="0" i="1" smtClean="0">
+                              <a:latin typeface="Cambria Math" panose="02040503050406030204" pitchFamily="18" charset="0"/>
+                            </a:rPr>
+                            <m:t>𝑚</m:t>
+                          </m:r>
+                        </m:den>
+                      </m:f>
+                      <m:d>
+                        <m:dPr>
+                          <m:ctrlPr>
+                            <a:rPr lang="en-US" sz="2400" b="0" i="1" smtClean="0">
+                              <a:latin typeface="Cambria Math" panose="02040503050406030204" pitchFamily="18" charset="0"/>
+                            </a:rPr>
+                          </m:ctrlPr>
+                        </m:dPr>
+                        <m:e>
+                          <m:f>
+                            <m:fPr>
+                              <m:ctrlPr>
+                                <a:rPr lang="en-US" sz="2400" b="0" i="1" smtClean="0">
+                                  <a:latin typeface="Cambria Math" panose="02040503050406030204" pitchFamily="18" charset="0"/>
+                                </a:rPr>
+                              </m:ctrlPr>
+                            </m:fPr>
+                            <m:num>
+                              <m:sSup>
+                                <m:sSupPr>
+                                  <m:ctrlPr>
+                                    <a:rPr lang="en-US" sz="2400" b="0" i="1" smtClean="0">
+                                      <a:latin typeface="Cambria Math" panose="02040503050406030204" pitchFamily="18" charset="0"/>
+                                    </a:rPr>
+                                  </m:ctrlPr>
+                                </m:sSupPr>
+                                <m:e>
+                                  <m:r>
+                                    <a:rPr lang="en-US" sz="2400" b="0" i="1" smtClean="0">
+                                      <a:latin typeface="Cambria Math" panose="02040503050406030204" pitchFamily="18" charset="0"/>
+                                    </a:rPr>
+                                    <m:t>𝑥</m:t>
+                                  </m:r>
+                                </m:e>
+                                <m:sup>
+                                  <m:r>
+                                    <a:rPr lang="en-US" sz="2400" b="0" i="1" smtClean="0">
+                                      <a:latin typeface="Cambria Math" panose="02040503050406030204" pitchFamily="18" charset="0"/>
+                                    </a:rPr>
+                                    <m:t>′</m:t>
+                                  </m:r>
+                                  <m:r>
+                                    <a:rPr lang="en-US" sz="2400" b="0" i="1" smtClean="0">
+                                      <a:latin typeface="Cambria Math" panose="02040503050406030204" pitchFamily="18" charset="0"/>
+                                    </a:rPr>
+                                    <m:t>′′</m:t>
+                                  </m:r>
+                                </m:sup>
+                              </m:sSup>
+                            </m:num>
+                            <m:den>
+                              <m:sSup>
+                                <m:sSupPr>
+                                  <m:ctrlPr>
+                                    <a:rPr lang="en-US" sz="2400" b="0" i="1" smtClean="0">
+                                      <a:latin typeface="Cambria Math" panose="02040503050406030204" pitchFamily="18" charset="0"/>
+                                    </a:rPr>
+                                  </m:ctrlPr>
+                                </m:sSupPr>
+                                <m:e>
+                                  <m:sSup>
+                                    <m:sSupPr>
+                                      <m:ctrlPr>
+                                        <a:rPr lang="en-US" sz="2400" b="0" i="1" smtClean="0">
+                                          <a:latin typeface="Cambria Math" panose="02040503050406030204" pitchFamily="18" charset="0"/>
+                                        </a:rPr>
+                                      </m:ctrlPr>
+                                    </m:sSupPr>
+                                    <m:e>
+                                      <m:r>
+                                        <a:rPr lang="en-US" sz="2400" b="0" i="1" smtClean="0">
+                                          <a:latin typeface="Cambria Math" panose="02040503050406030204" pitchFamily="18" charset="0"/>
+                                        </a:rPr>
+                                        <m:t>𝑥</m:t>
+                                      </m:r>
+                                    </m:e>
+                                    <m:sup>
+                                      <m:r>
+                                        <a:rPr lang="en-US" sz="2400" b="0" i="1" smtClean="0">
+                                          <a:latin typeface="Cambria Math" panose="02040503050406030204" pitchFamily="18" charset="0"/>
+                                        </a:rPr>
+                                        <m:t>′</m:t>
+                                      </m:r>
+                                    </m:sup>
+                                  </m:sSup>
+                                </m:e>
+                                <m:sup>
+                                  <m:r>
+                                    <a:rPr lang="en-US" sz="2400" b="0" i="1" smtClean="0">
+                                      <a:latin typeface="Cambria Math" panose="02040503050406030204" pitchFamily="18" charset="0"/>
+                                    </a:rPr>
+                                    <m:t>3</m:t>
+                                  </m:r>
+                                </m:sup>
+                              </m:sSup>
+                            </m:den>
+                          </m:f>
+                          <m:r>
+                            <a:rPr lang="en-US" sz="2400" b="0" i="1" smtClean="0">
+                              <a:latin typeface="Cambria Math" panose="02040503050406030204" pitchFamily="18" charset="0"/>
+                            </a:rPr>
+                            <m:t>−</m:t>
+                          </m:r>
+                          <m:f>
+                            <m:fPr>
+                              <m:ctrlPr>
+                                <a:rPr lang="en-US" sz="2400" b="0" i="1" smtClean="0">
+                                  <a:latin typeface="Cambria Math" panose="02040503050406030204" pitchFamily="18" charset="0"/>
+                                </a:rPr>
+                              </m:ctrlPr>
+                            </m:fPr>
+                            <m:num>
+                              <m:r>
+                                <a:rPr lang="en-US" sz="2400" b="0" i="1" smtClean="0">
+                                  <a:latin typeface="Cambria Math" panose="02040503050406030204" pitchFamily="18" charset="0"/>
+                                </a:rPr>
+                                <m:t>5</m:t>
+                              </m:r>
+                            </m:num>
+                            <m:den>
+                              <m:r>
+                                <a:rPr lang="en-US" sz="2400" b="0" i="1" smtClean="0">
+                                  <a:latin typeface="Cambria Math" panose="02040503050406030204" pitchFamily="18" charset="0"/>
+                                </a:rPr>
+                                <m:t>2</m:t>
+                              </m:r>
+                            </m:den>
+                          </m:f>
+                          <m:f>
+                            <m:fPr>
+                              <m:ctrlPr>
+                                <a:rPr lang="en-US" sz="2400" b="0" i="1" smtClean="0">
+                                  <a:latin typeface="Cambria Math" panose="02040503050406030204" pitchFamily="18" charset="0"/>
+                                </a:rPr>
+                              </m:ctrlPr>
+                            </m:fPr>
+                            <m:num>
+                              <m:sSup>
+                                <m:sSupPr>
+                                  <m:ctrlPr>
+                                    <a:rPr lang="en-US" sz="2400" b="0" i="1" smtClean="0">
+                                      <a:latin typeface="Cambria Math" panose="02040503050406030204" pitchFamily="18" charset="0"/>
+                                    </a:rPr>
+                                  </m:ctrlPr>
+                                </m:sSupPr>
+                                <m:e>
+                                  <m:sSup>
+                                    <m:sSupPr>
+                                      <m:ctrlPr>
+                                        <a:rPr lang="en-US" sz="2400" b="0" i="1" smtClean="0">
+                                          <a:latin typeface="Cambria Math" panose="02040503050406030204" pitchFamily="18" charset="0"/>
+                                        </a:rPr>
+                                      </m:ctrlPr>
+                                    </m:sSupPr>
+                                    <m:e>
+                                      <m:r>
+                                        <a:rPr lang="en-US" sz="2400" b="0" i="1" smtClean="0">
+                                          <a:latin typeface="Cambria Math" panose="02040503050406030204" pitchFamily="18" charset="0"/>
+                                        </a:rPr>
+                                        <m:t>𝑥</m:t>
+                                      </m:r>
+                                    </m:e>
+                                    <m:sup>
+                                      <m:r>
+                                        <a:rPr lang="en-US" sz="2400" b="0" i="1" smtClean="0">
+                                          <a:latin typeface="Cambria Math" panose="02040503050406030204" pitchFamily="18" charset="0"/>
+                                        </a:rPr>
+                                        <m:t>′</m:t>
+                                      </m:r>
+                                      <m:r>
+                                        <a:rPr lang="en-US" sz="2400" b="0" i="1" smtClean="0">
+                                          <a:latin typeface="Cambria Math" panose="02040503050406030204" pitchFamily="18" charset="0"/>
+                                        </a:rPr>
+                                        <m:t>′</m:t>
+                                      </m:r>
+                                    </m:sup>
+                                  </m:sSup>
+                                </m:e>
+                                <m:sup>
+                                  <m:r>
+                                    <a:rPr lang="en-US" sz="2400" b="0" i="1" smtClean="0">
+                                      <a:latin typeface="Cambria Math" panose="02040503050406030204" pitchFamily="18" charset="0"/>
+                                    </a:rPr>
+                                    <m:t>2</m:t>
+                                  </m:r>
+                                </m:sup>
+                              </m:sSup>
+                            </m:num>
+                            <m:den>
+                              <m:sSup>
+                                <m:sSupPr>
+                                  <m:ctrlPr>
+                                    <a:rPr lang="en-US" sz="2400" b="0" i="1" smtClean="0">
+                                      <a:latin typeface="Cambria Math" panose="02040503050406030204" pitchFamily="18" charset="0"/>
+                                    </a:rPr>
+                                  </m:ctrlPr>
+                                </m:sSupPr>
+                                <m:e>
+                                  <m:sSup>
+                                    <m:sSupPr>
+                                      <m:ctrlPr>
+                                        <a:rPr lang="en-US" sz="2400" b="0" i="1" smtClean="0">
+                                          <a:latin typeface="Cambria Math" panose="02040503050406030204" pitchFamily="18" charset="0"/>
+                                        </a:rPr>
+                                      </m:ctrlPr>
+                                    </m:sSupPr>
+                                    <m:e>
+                                      <m:r>
+                                        <a:rPr lang="en-US" sz="2400" b="0" i="1" smtClean="0">
+                                          <a:latin typeface="Cambria Math" panose="02040503050406030204" pitchFamily="18" charset="0"/>
+                                        </a:rPr>
+                                        <m:t>𝑥</m:t>
+                                      </m:r>
+                                    </m:e>
+                                    <m:sup>
+                                      <m:r>
+                                        <a:rPr lang="en-US" sz="2400" b="0" i="1" smtClean="0">
+                                          <a:latin typeface="Cambria Math" panose="02040503050406030204" pitchFamily="18" charset="0"/>
+                                        </a:rPr>
+                                        <m:t>′</m:t>
+                                      </m:r>
+                                    </m:sup>
+                                  </m:sSup>
+                                </m:e>
+                                <m:sup>
+                                  <m:r>
+                                    <a:rPr lang="en-US" sz="2400" b="0" i="1" smtClean="0">
+                                      <a:latin typeface="Cambria Math" panose="02040503050406030204" pitchFamily="18" charset="0"/>
+                                    </a:rPr>
+                                    <m:t>4</m:t>
+                                  </m:r>
+                                </m:sup>
+                              </m:sSup>
+                            </m:den>
+                          </m:f>
+                        </m:e>
+                      </m:d>
+                    </m:oMath>
+                  </m:oMathPara>
+                </a14:m>
+                <a:endParaRPr lang="en-US" sz="2400" b="0" i="1" dirty="0">
+                  <a:latin typeface="Cambria Math" panose="02040503050406030204" pitchFamily="18" charset="0"/>
+                </a:endParaRPr>
+              </a:p>
+            </p:txBody>
+          </p:sp>
+        </mc:Choice>
+        <mc:Fallback>
+          <p:sp>
+            <p:nvSpPr>
+              <p:cNvPr id="5" name="TextBox 4">
+                <a:extLst>
+                  <a:ext uri="{FF2B5EF4-FFF2-40B4-BE49-F238E27FC236}">
+                    <a16:creationId xmlns:a16="http://schemas.microsoft.com/office/drawing/2014/main" id="{E72EEBB3-9BAC-4DC4-AAB6-75D9CDC4D6B9}"/>
+                  </a:ext>
+                </a:extLst>
+              </p:cNvPr>
+              <p:cNvSpPr txBox="1">
+                <a:spLocks noRot="1" noChangeAspect="1" noMove="1" noResize="1" noEditPoints="1" noAdjustHandles="1" noChangeArrowheads="1" noChangeShapeType="1" noTextEdit="1"/>
+              </p:cNvSpPr>
+              <p:nvPr/>
+            </p:nvSpPr>
+            <p:spPr>
+              <a:xfrm>
+                <a:off x="793173" y="2173376"/>
+                <a:ext cx="7557654" cy="1046890"/>
+              </a:xfrm>
+              <a:prstGeom prst="rect">
+                <a:avLst/>
+              </a:prstGeom>
+              <a:blipFill>
+                <a:blip r:embed="rId3"/>
+                <a:stretch>
+                  <a:fillRect/>
+                </a:stretch>
+              </a:blipFill>
+            </p:spPr>
+            <p:txBody>
+              <a:bodyPr/>
+              <a:lstStyle/>
+              <a:p>
+                <a:r>
+                  <a:rPr lang="en-US">
+                    <a:noFill/>
+                  </a:rPr>
+                  <a:t> </a:t>
+                </a:r>
+              </a:p>
+            </p:txBody>
+          </p:sp>
+        </mc:Fallback>
+      </mc:AlternateContent>
+      <mc:AlternateContent xmlns:mc="http://schemas.openxmlformats.org/markup-compatibility/2006">
+        <mc:Choice xmlns:a14="http://schemas.microsoft.com/office/drawing/2010/main" Requires="a14">
+          <p:sp>
+            <p:nvSpPr>
+              <p:cNvPr id="8" name="TextBox 7">
+                <a:extLst>
+                  <a:ext uri="{FF2B5EF4-FFF2-40B4-BE49-F238E27FC236}">
+                    <a16:creationId xmlns:a16="http://schemas.microsoft.com/office/drawing/2014/main" id="{71F6546E-EF89-45E9-893A-3B4A0342DD74}"/>
+                  </a:ext>
+                </a:extLst>
+              </p:cNvPr>
+              <p:cNvSpPr txBox="1"/>
+              <p:nvPr/>
+            </p:nvSpPr>
+            <p:spPr>
+              <a:xfrm>
+                <a:off x="64770" y="3525645"/>
+                <a:ext cx="9014460" cy="925703"/>
+              </a:xfrm>
+              <a:prstGeom prst="rect">
+                <a:avLst/>
+              </a:prstGeom>
+              <a:noFill/>
+            </p:spPr>
+            <p:txBody>
+              <a:bodyPr wrap="square" rtlCol="0">
+                <a:spAutoFit/>
+              </a:bodyPr>
+              <a:lstStyle/>
+              <a:p>
+                <a:pPr/>
+                <a14:m>
+                  <m:oMathPara xmlns:m="http://schemas.openxmlformats.org/officeDocument/2006/math">
+                    <m:oMathParaPr>
+                      <m:jc m:val="center"/>
+                    </m:oMathParaPr>
+                    <m:oMath xmlns:m="http://schemas.openxmlformats.org/officeDocument/2006/math">
+                      <m:f>
+                        <m:fPr>
+                          <m:ctrlPr>
+                            <a:rPr lang="en-US" sz="2400" b="0" i="1" smtClean="0">
+                              <a:latin typeface="Cambria Math" panose="02040503050406030204" pitchFamily="18" charset="0"/>
+                            </a:rPr>
+                          </m:ctrlPr>
+                        </m:fPr>
+                        <m:num>
+                          <m:r>
+                            <a:rPr lang="en-US" sz="2400" b="0" i="1" smtClean="0">
+                              <a:latin typeface="Cambria Math" panose="02040503050406030204" pitchFamily="18" charset="0"/>
+                            </a:rPr>
+                            <m:t>𝜕</m:t>
+                          </m:r>
+                          <m:r>
+                            <a:rPr lang="en-US" sz="2400" b="0" i="1" smtClean="0">
+                              <a:latin typeface="Cambria Math" panose="02040503050406030204" pitchFamily="18" charset="0"/>
+                            </a:rPr>
+                            <m:t>ℒ</m:t>
+                          </m:r>
+                        </m:num>
+                        <m:den>
+                          <m:r>
+                            <a:rPr lang="en-US" sz="2400" b="0" i="1" smtClean="0">
+                              <a:latin typeface="Cambria Math" panose="02040503050406030204" pitchFamily="18" charset="0"/>
+                            </a:rPr>
+                            <m:t>𝜕</m:t>
+                          </m:r>
+                          <m:r>
+                            <a:rPr lang="en-US" sz="2400" b="0" i="1" smtClean="0">
+                              <a:latin typeface="Cambria Math" panose="02040503050406030204" pitchFamily="18" charset="0"/>
+                            </a:rPr>
+                            <m:t>𝑥</m:t>
+                          </m:r>
+                        </m:den>
+                      </m:f>
+                      <m:r>
+                        <a:rPr lang="en-US" sz="2400" b="0" i="1" smtClean="0">
+                          <a:latin typeface="Cambria Math" panose="02040503050406030204" pitchFamily="18" charset="0"/>
+                        </a:rPr>
+                        <m:t>−</m:t>
+                      </m:r>
+                      <m:f>
+                        <m:fPr>
+                          <m:ctrlPr>
+                            <a:rPr lang="en-US" sz="2400" b="0" smtClean="0">
+                              <a:latin typeface="Cambria Math" panose="02040503050406030204" pitchFamily="18" charset="0"/>
+                            </a:rPr>
+                          </m:ctrlPr>
+                        </m:fPr>
+                        <m:num>
+                          <m:r>
+                            <m:rPr>
+                              <m:sty m:val="p"/>
+                            </m:rPr>
+                            <a:rPr lang="en-US" sz="2400" b="0" i="0" smtClean="0">
+                              <a:latin typeface="Cambria Math" panose="02040503050406030204" pitchFamily="18" charset="0"/>
+                            </a:rPr>
+                            <m:t>d</m:t>
+                          </m:r>
+                        </m:num>
+                        <m:den>
+                          <m:r>
+                            <m:rPr>
+                              <m:sty m:val="p"/>
+                            </m:rPr>
+                            <a:rPr lang="en-US" sz="2400" b="0" i="0" smtClean="0">
+                              <a:latin typeface="Cambria Math" panose="02040503050406030204" pitchFamily="18" charset="0"/>
+                            </a:rPr>
+                            <m:t>d</m:t>
+                          </m:r>
+                          <m:r>
+                            <m:rPr>
+                              <m:sty m:val="p"/>
+                            </m:rPr>
+                            <a:rPr lang="en-US" sz="2400" i="0">
+                              <a:latin typeface="Cambria Math" panose="02040503050406030204" pitchFamily="18" charset="0"/>
+                            </a:rPr>
+                            <m:t>t</m:t>
+                          </m:r>
+                        </m:den>
+                      </m:f>
+                      <m:d>
+                        <m:dPr>
+                          <m:begChr m:val="["/>
+                          <m:endChr m:val="]"/>
+                          <m:ctrlPr>
+                            <a:rPr lang="en-US" sz="2400" b="0" i="0" smtClean="0">
+                              <a:latin typeface="Cambria Math" panose="02040503050406030204" pitchFamily="18" charset="0"/>
+                            </a:rPr>
+                          </m:ctrlPr>
+                        </m:dPr>
+                        <m:e>
+                          <m:f>
+                            <m:fPr>
+                              <m:ctrlPr>
+                                <a:rPr lang="en-US" sz="2400" i="1" smtClean="0">
+                                  <a:latin typeface="Cambria Math" panose="02040503050406030204" pitchFamily="18" charset="0"/>
+                                </a:rPr>
+                              </m:ctrlPr>
+                            </m:fPr>
+                            <m:num>
+                              <m:r>
+                                <a:rPr lang="en-US" sz="2400" i="1">
+                                  <a:latin typeface="Cambria Math" panose="02040503050406030204" pitchFamily="18" charset="0"/>
+                                </a:rPr>
+                                <m:t>𝜕</m:t>
+                              </m:r>
+                              <m:r>
+                                <a:rPr lang="en-US" sz="2400" i="1">
+                                  <a:latin typeface="Cambria Math" panose="02040503050406030204" pitchFamily="18" charset="0"/>
+                                </a:rPr>
+                                <m:t>ℒ</m:t>
+                              </m:r>
+                            </m:num>
+                            <m:den>
+                              <m:r>
+                                <a:rPr lang="en-US" sz="2400" i="1">
+                                  <a:latin typeface="Cambria Math" panose="02040503050406030204" pitchFamily="18" charset="0"/>
+                                </a:rPr>
+                                <m:t>𝜕</m:t>
+                              </m:r>
+                              <m:acc>
+                                <m:accPr>
+                                  <m:chr m:val="̇"/>
+                                  <m:ctrlPr>
+                                    <a:rPr lang="en-US" sz="2400" b="0" i="1" smtClean="0">
+                                      <a:latin typeface="Cambria Math" panose="02040503050406030204" pitchFamily="18" charset="0"/>
+                                    </a:rPr>
+                                  </m:ctrlPr>
+                                </m:accPr>
+                                <m:e>
+                                  <m:r>
+                                    <a:rPr lang="en-US" sz="2400" i="1">
+                                      <a:latin typeface="Cambria Math" panose="02040503050406030204" pitchFamily="18" charset="0"/>
+                                    </a:rPr>
+                                    <m:t>𝑥</m:t>
+                                  </m:r>
+                                </m:e>
+                              </m:acc>
+                            </m:den>
+                          </m:f>
+                        </m:e>
+                      </m:d>
+                      <m:r>
+                        <a:rPr lang="en-US" sz="2400" b="0" i="1" smtClean="0">
+                          <a:latin typeface="Cambria Math" panose="02040503050406030204" pitchFamily="18" charset="0"/>
+                        </a:rPr>
+                        <m:t>−</m:t>
+                      </m:r>
+                      <m:f>
+                        <m:fPr>
+                          <m:ctrlPr>
+                            <a:rPr lang="en-US" sz="2400">
+                              <a:latin typeface="Cambria Math" panose="02040503050406030204" pitchFamily="18" charset="0"/>
+                            </a:rPr>
+                          </m:ctrlPr>
+                        </m:fPr>
+                        <m:num>
+                          <m:r>
+                            <m:rPr>
+                              <m:sty m:val="p"/>
+                            </m:rPr>
+                            <a:rPr lang="en-US" sz="2400" b="0" i="0" smtClean="0">
+                              <a:latin typeface="Cambria Math" panose="02040503050406030204" pitchFamily="18" charset="0"/>
+                            </a:rPr>
+                            <m:t>d</m:t>
+                          </m:r>
+                        </m:num>
+                        <m:den>
+                          <m:r>
+                            <m:rPr>
+                              <m:sty m:val="p"/>
+                            </m:rPr>
+                            <a:rPr lang="en-US" sz="2400" b="0" i="0" smtClean="0">
+                              <a:latin typeface="Cambria Math" panose="02040503050406030204" pitchFamily="18" charset="0"/>
+                            </a:rPr>
+                            <m:t>dC</m:t>
+                          </m:r>
+                        </m:den>
+                      </m:f>
+                      <m:d>
+                        <m:dPr>
+                          <m:begChr m:val="["/>
+                          <m:endChr m:val="]"/>
+                          <m:ctrlPr>
+                            <a:rPr lang="en-US" sz="2400" b="0" i="0" smtClean="0">
+                              <a:latin typeface="Cambria Math" panose="02040503050406030204" pitchFamily="18" charset="0"/>
+                            </a:rPr>
+                          </m:ctrlPr>
+                        </m:dPr>
+                        <m:e>
+                          <m:f>
+                            <m:fPr>
+                              <m:ctrlPr>
+                                <a:rPr lang="en-US" sz="2400" i="1">
+                                  <a:latin typeface="Cambria Math" panose="02040503050406030204" pitchFamily="18" charset="0"/>
+                                </a:rPr>
+                              </m:ctrlPr>
+                            </m:fPr>
+                            <m:num>
+                              <m:r>
+                                <a:rPr lang="en-US" sz="2400" i="1">
+                                  <a:latin typeface="Cambria Math" panose="02040503050406030204" pitchFamily="18" charset="0"/>
+                                </a:rPr>
+                                <m:t>𝜕</m:t>
+                              </m:r>
+                              <m:r>
+                                <a:rPr lang="en-US" sz="2400" i="1">
+                                  <a:latin typeface="Cambria Math" panose="02040503050406030204" pitchFamily="18" charset="0"/>
+                                </a:rPr>
+                                <m:t>ℒ</m:t>
+                              </m:r>
+                            </m:num>
+                            <m:den>
+                              <m:r>
+                                <a:rPr lang="en-US" sz="2400" i="1">
+                                  <a:latin typeface="Cambria Math" panose="02040503050406030204" pitchFamily="18" charset="0"/>
+                                </a:rPr>
+                                <m:t>𝜕</m:t>
+                              </m:r>
+                              <m:sSup>
+                                <m:sSupPr>
+                                  <m:ctrlPr>
+                                    <a:rPr lang="en-US" sz="2400" b="0" i="1" smtClean="0">
+                                      <a:latin typeface="Cambria Math" panose="02040503050406030204" pitchFamily="18" charset="0"/>
+                                    </a:rPr>
+                                  </m:ctrlPr>
+                                </m:sSupPr>
+                                <m:e>
+                                  <m:r>
+                                    <a:rPr lang="en-US" sz="2400" b="0" i="1" smtClean="0">
+                                      <a:latin typeface="Cambria Math" panose="02040503050406030204" pitchFamily="18" charset="0"/>
+                                    </a:rPr>
+                                    <m:t>𝑥</m:t>
+                                  </m:r>
+                                </m:e>
+                                <m:sup>
+                                  <m:r>
+                                    <a:rPr lang="en-US" sz="2400" b="0" i="1" smtClean="0">
+                                      <a:latin typeface="Cambria Math" panose="02040503050406030204" pitchFamily="18" charset="0"/>
+                                    </a:rPr>
+                                    <m:t>′</m:t>
+                                  </m:r>
+                                </m:sup>
+                              </m:sSup>
+                            </m:den>
+                          </m:f>
+                        </m:e>
+                      </m:d>
+                      <m:r>
+                        <a:rPr lang="en-US" sz="2400" b="0" i="1" smtClean="0">
+                          <a:latin typeface="Cambria Math" panose="02040503050406030204" pitchFamily="18" charset="0"/>
+                        </a:rPr>
+                        <m:t>+</m:t>
+                      </m:r>
+                      <m:f>
+                        <m:fPr>
+                          <m:ctrlPr>
+                            <a:rPr lang="en-US" sz="2400">
+                              <a:latin typeface="Cambria Math" panose="02040503050406030204" pitchFamily="18" charset="0"/>
+                            </a:rPr>
+                          </m:ctrlPr>
+                        </m:fPr>
+                        <m:num>
+                          <m:sSup>
+                            <m:sSupPr>
+                              <m:ctrlPr>
+                                <a:rPr lang="en-US" sz="2400" b="0" smtClean="0">
+                                  <a:latin typeface="Cambria Math" panose="02040503050406030204" pitchFamily="18" charset="0"/>
+                                </a:rPr>
+                              </m:ctrlPr>
+                            </m:sSupPr>
+                            <m:e>
+                              <m:r>
+                                <m:rPr>
+                                  <m:sty m:val="p"/>
+                                </m:rPr>
+                                <a:rPr lang="en-US" sz="2400" i="0">
+                                  <a:latin typeface="Cambria Math" panose="02040503050406030204" pitchFamily="18" charset="0"/>
+                                </a:rPr>
+                                <m:t>d</m:t>
+                              </m:r>
+                            </m:e>
+                            <m:sup>
+                              <m:r>
+                                <a:rPr lang="en-US" sz="2400" b="0" i="0" smtClean="0">
+                                  <a:latin typeface="Cambria Math" panose="02040503050406030204" pitchFamily="18" charset="0"/>
+                                </a:rPr>
+                                <m:t>2</m:t>
+                              </m:r>
+                            </m:sup>
+                          </m:sSup>
+                        </m:num>
+                        <m:den>
+                          <m:r>
+                            <m:rPr>
+                              <m:sty m:val="p"/>
+                            </m:rPr>
+                            <a:rPr lang="en-US" sz="2400" i="0">
+                              <a:latin typeface="Cambria Math" panose="02040503050406030204" pitchFamily="18" charset="0"/>
+                            </a:rPr>
+                            <m:t>d</m:t>
+                          </m:r>
+                          <m:sSup>
+                            <m:sSupPr>
+                              <m:ctrlPr>
+                                <a:rPr lang="en-US" sz="2400" b="0" smtClean="0">
+                                  <a:latin typeface="Cambria Math" panose="02040503050406030204" pitchFamily="18" charset="0"/>
+                                </a:rPr>
+                              </m:ctrlPr>
+                            </m:sSupPr>
+                            <m:e>
+                              <m:r>
+                                <m:rPr>
+                                  <m:sty m:val="p"/>
+                                </m:rPr>
+                                <a:rPr lang="en-US" sz="2400" i="0">
+                                  <a:latin typeface="Cambria Math" panose="02040503050406030204" pitchFamily="18" charset="0"/>
+                                </a:rPr>
+                                <m:t>C</m:t>
+                              </m:r>
+                            </m:e>
+                            <m:sup>
+                              <m:r>
+                                <a:rPr lang="en-US" sz="2400" b="0" i="0" smtClean="0">
+                                  <a:latin typeface="Cambria Math" panose="02040503050406030204" pitchFamily="18" charset="0"/>
+                                </a:rPr>
+                                <m:t>2</m:t>
+                              </m:r>
+                            </m:sup>
+                          </m:sSup>
+                        </m:den>
+                      </m:f>
+                      <m:d>
+                        <m:dPr>
+                          <m:begChr m:val="["/>
+                          <m:endChr m:val="]"/>
+                          <m:ctrlPr>
+                            <a:rPr lang="en-US" sz="2400" b="0" i="0" smtClean="0">
+                              <a:latin typeface="Cambria Math" panose="02040503050406030204" pitchFamily="18" charset="0"/>
+                            </a:rPr>
+                          </m:ctrlPr>
+                        </m:dPr>
+                        <m:e>
+                          <m:f>
+                            <m:fPr>
+                              <m:ctrlPr>
+                                <a:rPr lang="en-US" sz="2400" i="1">
+                                  <a:latin typeface="Cambria Math" panose="02040503050406030204" pitchFamily="18" charset="0"/>
+                                </a:rPr>
+                              </m:ctrlPr>
+                            </m:fPr>
+                            <m:num>
+                              <m:r>
+                                <a:rPr lang="en-US" sz="2400" i="1">
+                                  <a:latin typeface="Cambria Math" panose="02040503050406030204" pitchFamily="18" charset="0"/>
+                                </a:rPr>
+                                <m:t>𝜕</m:t>
+                              </m:r>
+                              <m:r>
+                                <a:rPr lang="en-US" sz="2400" i="1">
+                                  <a:latin typeface="Cambria Math" panose="02040503050406030204" pitchFamily="18" charset="0"/>
+                                </a:rPr>
+                                <m:t>ℒ</m:t>
+                              </m:r>
+                            </m:num>
+                            <m:den>
+                              <m:r>
+                                <a:rPr lang="en-US" sz="2400" i="1">
+                                  <a:latin typeface="Cambria Math" panose="02040503050406030204" pitchFamily="18" charset="0"/>
+                                </a:rPr>
+                                <m:t>𝜕</m:t>
+                              </m:r>
+                              <m:sSup>
+                                <m:sSupPr>
+                                  <m:ctrlPr>
+                                    <a:rPr lang="en-US" sz="2400" i="1">
+                                      <a:latin typeface="Cambria Math" panose="02040503050406030204" pitchFamily="18" charset="0"/>
+                                    </a:rPr>
+                                  </m:ctrlPr>
+                                </m:sSupPr>
+                                <m:e>
+                                  <m:r>
+                                    <a:rPr lang="en-US" sz="2400" i="1">
+                                      <a:latin typeface="Cambria Math" panose="02040503050406030204" pitchFamily="18" charset="0"/>
+                                    </a:rPr>
+                                    <m:t>𝑥</m:t>
+                                  </m:r>
+                                </m:e>
+                                <m:sup>
+                                  <m:r>
+                                    <a:rPr lang="en-US" sz="2400" b="0" i="1" smtClean="0">
+                                      <a:latin typeface="Cambria Math" panose="02040503050406030204" pitchFamily="18" charset="0"/>
+                                    </a:rPr>
+                                    <m:t>′</m:t>
+                                  </m:r>
+                                  <m:r>
+                                    <a:rPr lang="en-US" sz="2400" i="1">
+                                      <a:latin typeface="Cambria Math" panose="02040503050406030204" pitchFamily="18" charset="0"/>
+                                    </a:rPr>
+                                    <m:t>′</m:t>
+                                  </m:r>
+                                </m:sup>
+                              </m:sSup>
+                            </m:den>
+                          </m:f>
+                        </m:e>
+                      </m:d>
+                      <m:r>
+                        <a:rPr lang="en-US" sz="2400" b="0" i="1" smtClean="0">
+                          <a:latin typeface="Cambria Math" panose="02040503050406030204" pitchFamily="18" charset="0"/>
+                        </a:rPr>
+                        <m:t>−</m:t>
+                      </m:r>
+                      <m:f>
+                        <m:fPr>
+                          <m:ctrlPr>
+                            <a:rPr lang="en-US" sz="2400">
+                              <a:latin typeface="Cambria Math" panose="02040503050406030204" pitchFamily="18" charset="0"/>
+                            </a:rPr>
+                          </m:ctrlPr>
+                        </m:fPr>
+                        <m:num>
+                          <m:sSup>
+                            <m:sSupPr>
+                              <m:ctrlPr>
+                                <a:rPr lang="en-US" sz="2400" b="0" smtClean="0">
+                                  <a:latin typeface="Cambria Math" panose="02040503050406030204" pitchFamily="18" charset="0"/>
+                                </a:rPr>
+                              </m:ctrlPr>
+                            </m:sSupPr>
+                            <m:e>
+                              <m:r>
+                                <m:rPr>
+                                  <m:sty m:val="p"/>
+                                </m:rPr>
+                                <a:rPr lang="en-US" sz="2400" i="0">
+                                  <a:latin typeface="Cambria Math" panose="02040503050406030204" pitchFamily="18" charset="0"/>
+                                </a:rPr>
+                                <m:t>d</m:t>
+                              </m:r>
+                            </m:e>
+                            <m:sup>
+                              <m:r>
+                                <a:rPr lang="en-US" sz="2400" b="0" i="0" smtClean="0">
+                                  <a:latin typeface="Cambria Math" panose="02040503050406030204" pitchFamily="18" charset="0"/>
+                                </a:rPr>
+                                <m:t>3</m:t>
+                              </m:r>
+                            </m:sup>
+                          </m:sSup>
+                        </m:num>
+                        <m:den>
+                          <m:r>
+                            <m:rPr>
+                              <m:sty m:val="p"/>
+                            </m:rPr>
+                            <a:rPr lang="en-US" sz="2400" i="0">
+                              <a:latin typeface="Cambria Math" panose="02040503050406030204" pitchFamily="18" charset="0"/>
+                            </a:rPr>
+                            <m:t>d</m:t>
+                          </m:r>
+                          <m:sSup>
+                            <m:sSupPr>
+                              <m:ctrlPr>
+                                <a:rPr lang="en-US" sz="2400" b="0" smtClean="0">
+                                  <a:latin typeface="Cambria Math" panose="02040503050406030204" pitchFamily="18" charset="0"/>
+                                </a:rPr>
+                              </m:ctrlPr>
+                            </m:sSupPr>
+                            <m:e>
+                              <m:r>
+                                <m:rPr>
+                                  <m:sty m:val="p"/>
+                                </m:rPr>
+                                <a:rPr lang="en-US" sz="2400" i="0">
+                                  <a:latin typeface="Cambria Math" panose="02040503050406030204" pitchFamily="18" charset="0"/>
+                                </a:rPr>
+                                <m:t>C</m:t>
+                              </m:r>
+                            </m:e>
+                            <m:sup>
+                              <m:r>
+                                <a:rPr lang="en-US" sz="2400" b="0" i="0" smtClean="0">
+                                  <a:latin typeface="Cambria Math" panose="02040503050406030204" pitchFamily="18" charset="0"/>
+                                </a:rPr>
+                                <m:t>3</m:t>
+                              </m:r>
+                            </m:sup>
+                          </m:sSup>
+                        </m:den>
+                      </m:f>
+                      <m:d>
+                        <m:dPr>
+                          <m:begChr m:val="["/>
+                          <m:endChr m:val="]"/>
+                          <m:ctrlPr>
+                            <a:rPr lang="en-US" sz="2400" b="0" i="1" smtClean="0">
+                              <a:latin typeface="Cambria Math" panose="02040503050406030204" pitchFamily="18" charset="0"/>
+                            </a:rPr>
+                          </m:ctrlPr>
+                        </m:dPr>
+                        <m:e>
+                          <m:f>
+                            <m:fPr>
+                              <m:ctrlPr>
+                                <a:rPr lang="en-US" sz="2400" i="1">
+                                  <a:latin typeface="Cambria Math" panose="02040503050406030204" pitchFamily="18" charset="0"/>
+                                </a:rPr>
+                              </m:ctrlPr>
+                            </m:fPr>
+                            <m:num>
+                              <m:r>
+                                <a:rPr lang="en-US" sz="2400" i="1">
+                                  <a:latin typeface="Cambria Math" panose="02040503050406030204" pitchFamily="18" charset="0"/>
+                                </a:rPr>
+                                <m:t>𝜕</m:t>
+                              </m:r>
+                              <m:r>
+                                <a:rPr lang="en-US" sz="2400" i="1">
+                                  <a:latin typeface="Cambria Math" panose="02040503050406030204" pitchFamily="18" charset="0"/>
+                                </a:rPr>
+                                <m:t>ℒ</m:t>
+                              </m:r>
+                            </m:num>
+                            <m:den>
+                              <m:r>
+                                <a:rPr lang="en-US" sz="2400" i="1">
+                                  <a:latin typeface="Cambria Math" panose="02040503050406030204" pitchFamily="18" charset="0"/>
+                                </a:rPr>
+                                <m:t>𝜕</m:t>
+                              </m:r>
+                              <m:sSup>
+                                <m:sSupPr>
+                                  <m:ctrlPr>
+                                    <a:rPr lang="en-US" sz="2400" i="1">
+                                      <a:latin typeface="Cambria Math" panose="02040503050406030204" pitchFamily="18" charset="0"/>
+                                    </a:rPr>
+                                  </m:ctrlPr>
+                                </m:sSupPr>
+                                <m:e>
+                                  <m:r>
+                                    <a:rPr lang="en-US" sz="2400" i="1">
+                                      <a:latin typeface="Cambria Math" panose="02040503050406030204" pitchFamily="18" charset="0"/>
+                                    </a:rPr>
+                                    <m:t>𝑥</m:t>
+                                  </m:r>
+                                </m:e>
+                                <m:sup>
+                                  <m:r>
+                                    <a:rPr lang="en-US" sz="2400" b="0" i="1" smtClean="0">
+                                      <a:latin typeface="Cambria Math" panose="02040503050406030204" pitchFamily="18" charset="0"/>
+                                    </a:rPr>
+                                    <m:t>′′</m:t>
+                                  </m:r>
+                                  <m:r>
+                                    <a:rPr lang="en-US" sz="2400" i="1">
+                                      <a:latin typeface="Cambria Math" panose="02040503050406030204" pitchFamily="18" charset="0"/>
+                                    </a:rPr>
+                                    <m:t>′</m:t>
+                                  </m:r>
+                                </m:sup>
+                              </m:sSup>
+                            </m:den>
+                          </m:f>
+                        </m:e>
+                      </m:d>
+                      <m:r>
+                        <a:rPr lang="en-US" sz="2400" b="0" i="1" smtClean="0">
+                          <a:latin typeface="Cambria Math" panose="02040503050406030204" pitchFamily="18" charset="0"/>
+                        </a:rPr>
+                        <m:t>=0</m:t>
+                      </m:r>
+                    </m:oMath>
+                  </m:oMathPara>
+                </a14:m>
+                <a:endParaRPr lang="en-US" sz="2400" b="0" i="1" dirty="0">
+                  <a:latin typeface="Cambria Math" panose="02040503050406030204" pitchFamily="18" charset="0"/>
+                </a:endParaRPr>
+              </a:p>
+            </p:txBody>
+          </p:sp>
+        </mc:Choice>
+        <mc:Fallback>
+          <p:sp>
+            <p:nvSpPr>
+              <p:cNvPr id="8" name="TextBox 7">
+                <a:extLst>
+                  <a:ext uri="{FF2B5EF4-FFF2-40B4-BE49-F238E27FC236}">
+                    <a16:creationId xmlns:a16="http://schemas.microsoft.com/office/drawing/2014/main" id="{71F6546E-EF89-45E9-893A-3B4A0342DD74}"/>
+                  </a:ext>
+                </a:extLst>
+              </p:cNvPr>
+              <p:cNvSpPr txBox="1">
+                <a:spLocks noRot="1" noChangeAspect="1" noMove="1" noResize="1" noEditPoints="1" noAdjustHandles="1" noChangeArrowheads="1" noChangeShapeType="1" noTextEdit="1"/>
+              </p:cNvSpPr>
+              <p:nvPr/>
+            </p:nvSpPr>
+            <p:spPr>
+              <a:xfrm>
+                <a:off x="64770" y="3525645"/>
+                <a:ext cx="9014460" cy="925703"/>
+              </a:xfrm>
+              <a:prstGeom prst="rect">
+                <a:avLst/>
+              </a:prstGeom>
+              <a:blipFill>
+                <a:blip r:embed="rId4"/>
+                <a:stretch>
+                  <a:fillRect/>
+                </a:stretch>
+              </a:blipFill>
+            </p:spPr>
+            <p:txBody>
+              <a:bodyPr/>
+              <a:lstStyle/>
+              <a:p>
+                <a:r>
+                  <a:rPr lang="en-US">
+                    <a:noFill/>
+                  </a:rPr>
+                  <a:t> </a:t>
+                </a:r>
+              </a:p>
+            </p:txBody>
+          </p:sp>
+        </mc:Fallback>
+      </mc:AlternateContent>
+      <mc:AlternateContent xmlns:mc="http://schemas.openxmlformats.org/markup-compatibility/2006">
+        <mc:Choice xmlns:a14="http://schemas.microsoft.com/office/drawing/2010/main" Requires="a14">
+          <p:sp>
+            <p:nvSpPr>
+              <p:cNvPr id="9" name="TextBox 8">
+                <a:extLst>
+                  <a:ext uri="{FF2B5EF4-FFF2-40B4-BE49-F238E27FC236}">
+                    <a16:creationId xmlns:a16="http://schemas.microsoft.com/office/drawing/2014/main" id="{745A15A1-A3A9-4525-83B5-61EB232E966A}"/>
+                  </a:ext>
+                </a:extLst>
+              </p:cNvPr>
+              <p:cNvSpPr txBox="1"/>
+              <p:nvPr/>
+            </p:nvSpPr>
+            <p:spPr>
+              <a:xfrm>
+                <a:off x="421587" y="1323104"/>
+                <a:ext cx="6782777" cy="544893"/>
+              </a:xfrm>
+              <a:prstGeom prst="rect">
+                <a:avLst/>
+              </a:prstGeom>
+              <a:noFill/>
+            </p:spPr>
+            <p:txBody>
+              <a:bodyPr wrap="square" rtlCol="0">
+                <a:spAutoFit/>
+              </a:bodyPr>
+              <a:lstStyle/>
+              <a:p>
                 <a:r>
                   <a:rPr lang="en-US" sz="2000" dirty="0"/>
                   <a:t>Solve directly for </a:t>
@@ -9270,18 +10376,181 @@
                     </m:d>
                   </m:oMath>
                 </a14:m>
-                <a:endParaRPr lang="en-US" sz="2000" dirty="0"/>
+                <a:r>
+                  <a:rPr lang="en-US" sz="2000" dirty="0"/>
+                  <a:t> with  </a:t>
+                </a:r>
+                <a14:m>
+                  <m:oMath xmlns:m="http://schemas.openxmlformats.org/officeDocument/2006/math">
+                    <m:acc>
+                      <m:accPr>
+                        <m:chr m:val="̇"/>
+                        <m:ctrlPr>
+                          <a:rPr lang="en-US" sz="2000" i="1">
+                            <a:latin typeface="Cambria Math" panose="02040503050406030204" pitchFamily="18" charset="0"/>
+                          </a:rPr>
+                        </m:ctrlPr>
+                      </m:accPr>
+                      <m:e>
+                        <m:r>
+                          <a:rPr lang="en-US" sz="2000" i="1">
+                            <a:latin typeface="Cambria Math" panose="02040503050406030204" pitchFamily="18" charset="0"/>
+                          </a:rPr>
+                          <m:t>𝑥</m:t>
+                        </m:r>
+                      </m:e>
+                    </m:acc>
+                    <m:r>
+                      <a:rPr lang="en-US" sz="2000" i="1">
+                        <a:latin typeface="Cambria Math" panose="02040503050406030204" pitchFamily="18" charset="0"/>
+                        <a:ea typeface="Cambria Math" panose="02040503050406030204" pitchFamily="18" charset="0"/>
+                      </a:rPr>
+                      <m:t>≡</m:t>
+                    </m:r>
+                    <m:f>
+                      <m:fPr>
+                        <m:ctrlPr>
+                          <a:rPr lang="en-US" sz="2000" i="1">
+                            <a:latin typeface="Cambria Math" panose="02040503050406030204" pitchFamily="18" charset="0"/>
+                            <a:ea typeface="Cambria Math" panose="02040503050406030204" pitchFamily="18" charset="0"/>
+                          </a:rPr>
+                        </m:ctrlPr>
+                      </m:fPr>
+                      <m:num>
+                        <m:r>
+                          <a:rPr lang="en-US" sz="2000" i="1">
+                            <a:latin typeface="Cambria Math" panose="02040503050406030204" pitchFamily="18" charset="0"/>
+                            <a:ea typeface="Cambria Math" panose="02040503050406030204" pitchFamily="18" charset="0"/>
+                          </a:rPr>
+                          <m:t>𝜕</m:t>
+                        </m:r>
+                        <m:r>
+                          <a:rPr lang="en-US" sz="2000" i="1">
+                            <a:latin typeface="Cambria Math" panose="02040503050406030204" pitchFamily="18" charset="0"/>
+                            <a:ea typeface="Cambria Math" panose="02040503050406030204" pitchFamily="18" charset="0"/>
+                          </a:rPr>
+                          <m:t>𝑥</m:t>
+                        </m:r>
+                      </m:num>
+                      <m:den>
+                        <m:r>
+                          <a:rPr lang="en-US" sz="2000" i="1">
+                            <a:latin typeface="Cambria Math" panose="02040503050406030204" pitchFamily="18" charset="0"/>
+                            <a:ea typeface="Cambria Math" panose="02040503050406030204" pitchFamily="18" charset="0"/>
+                          </a:rPr>
+                          <m:t>𝜕</m:t>
+                        </m:r>
+                        <m:r>
+                          <a:rPr lang="en-US" sz="2000" i="1">
+                            <a:latin typeface="Cambria Math" panose="02040503050406030204" pitchFamily="18" charset="0"/>
+                            <a:ea typeface="Cambria Math" panose="02040503050406030204" pitchFamily="18" charset="0"/>
+                          </a:rPr>
+                          <m:t>𝑡</m:t>
+                        </m:r>
+                      </m:den>
+                    </m:f>
+                  </m:oMath>
+                </a14:m>
+                <a:r>
+                  <a:rPr lang="en-US" sz="2000" dirty="0"/>
+                  <a:t>   and  </a:t>
+                </a:r>
+                <a14:m>
+                  <m:oMath xmlns:m="http://schemas.openxmlformats.org/officeDocument/2006/math">
+                    <m:sSup>
+                      <m:sSupPr>
+                        <m:ctrlPr>
+                          <a:rPr lang="en-US" sz="2000" b="0" i="1" dirty="0" smtClean="0">
+                            <a:latin typeface="Cambria Math" panose="02040503050406030204" pitchFamily="18" charset="0"/>
+                            <a:ea typeface="Cambria Math" panose="02040503050406030204" pitchFamily="18" charset="0"/>
+                          </a:rPr>
+                        </m:ctrlPr>
+                      </m:sSupPr>
+                      <m:e>
+                        <m:r>
+                          <a:rPr lang="en-US" sz="2000" i="1" dirty="0">
+                            <a:latin typeface="Cambria Math" panose="02040503050406030204" pitchFamily="18" charset="0"/>
+                            <a:ea typeface="Cambria Math" panose="02040503050406030204" pitchFamily="18" charset="0"/>
+                          </a:rPr>
+                          <m:t>𝑥</m:t>
+                        </m:r>
+                      </m:e>
+                      <m:sup>
+                        <m:r>
+                          <a:rPr lang="en-US" sz="2000" b="0" i="1" dirty="0" smtClean="0">
+                            <a:latin typeface="Cambria Math" panose="02040503050406030204" pitchFamily="18" charset="0"/>
+                            <a:ea typeface="Cambria Math" panose="02040503050406030204" pitchFamily="18" charset="0"/>
+                          </a:rPr>
+                          <m:t>′</m:t>
+                        </m:r>
+                      </m:sup>
+                    </m:sSup>
+                    <m:r>
+                      <a:rPr lang="en-US" sz="2000" i="1">
+                        <a:latin typeface="Cambria Math" panose="02040503050406030204" pitchFamily="18" charset="0"/>
+                        <a:ea typeface="Cambria Math" panose="02040503050406030204" pitchFamily="18" charset="0"/>
+                      </a:rPr>
+                      <m:t>≡</m:t>
+                    </m:r>
+                    <m:f>
+                      <m:fPr>
+                        <m:ctrlPr>
+                          <a:rPr lang="en-US" sz="2000" i="1">
+                            <a:latin typeface="Cambria Math" panose="02040503050406030204" pitchFamily="18" charset="0"/>
+                            <a:ea typeface="Cambria Math" panose="02040503050406030204" pitchFamily="18" charset="0"/>
+                          </a:rPr>
+                        </m:ctrlPr>
+                      </m:fPr>
+                      <m:num>
+                        <m:r>
+                          <a:rPr lang="en-US" sz="2000" i="1">
+                            <a:latin typeface="Cambria Math" panose="02040503050406030204" pitchFamily="18" charset="0"/>
+                            <a:ea typeface="Cambria Math" panose="02040503050406030204" pitchFamily="18" charset="0"/>
+                          </a:rPr>
+                          <m:t>𝜕</m:t>
+                        </m:r>
+                        <m:r>
+                          <a:rPr lang="en-US" sz="2000" i="1">
+                            <a:latin typeface="Cambria Math" panose="02040503050406030204" pitchFamily="18" charset="0"/>
+                            <a:ea typeface="Cambria Math" panose="02040503050406030204" pitchFamily="18" charset="0"/>
+                          </a:rPr>
+                          <m:t>𝑥</m:t>
+                        </m:r>
+                      </m:num>
+                      <m:den>
+                        <m:r>
+                          <a:rPr lang="en-US" sz="2000" i="1">
+                            <a:latin typeface="Cambria Math" panose="02040503050406030204" pitchFamily="18" charset="0"/>
+                            <a:ea typeface="Cambria Math" panose="02040503050406030204" pitchFamily="18" charset="0"/>
+                          </a:rPr>
+                          <m:t>𝜕</m:t>
+                        </m:r>
+                        <m:r>
+                          <a:rPr lang="en-US" sz="2000" b="0" i="1" smtClean="0">
+                            <a:latin typeface="Cambria Math" panose="02040503050406030204" pitchFamily="18" charset="0"/>
+                            <a:ea typeface="Cambria Math" panose="02040503050406030204" pitchFamily="18" charset="0"/>
+                          </a:rPr>
+                          <m:t>𝐶</m:t>
+                        </m:r>
+                      </m:den>
+                    </m:f>
+                  </m:oMath>
+                </a14:m>
+                <a:r>
+                  <a:rPr lang="en-US" sz="2000" dirty="0"/>
+                  <a:t> </a:t>
+                </a:r>
               </a:p>
             </p:txBody>
           </p:sp>
         </mc:Choice>
-        <mc:Fallback xmlns="">
+        <mc:Fallback>
           <p:sp>
             <p:nvSpPr>
-              <p:cNvPr id="4" name="TextBox 3">
+              <p:cNvPr id="9" name="TextBox 8">
                 <a:extLst>
                   <a:ext uri="{FF2B5EF4-FFF2-40B4-BE49-F238E27FC236}">
-                    <a16:creationId xmlns:a16="http://schemas.microsoft.com/office/drawing/2014/main" id="{0CF4D278-EFD6-431F-AA1F-10E2A2048061}"/>
+                    <a16:creationId xmlns:a16="http://schemas.microsoft.com/office/drawing/2014/main" id="{745A15A1-A3A9-4525-83B5-61EB232E966A}"/>
                   </a:ext>
                 </a:extLst>
               </p:cNvPr>
@@ -9292,16 +10561,16 @@
             </p:nvSpPr>
             <p:spPr>
               <a:xfrm>
-                <a:off x="399650" y="1400373"/>
-                <a:ext cx="3574473" cy="400110"/>
+                <a:off x="421587" y="1323104"/>
+                <a:ext cx="6782777" cy="544893"/>
               </a:xfrm>
               <a:prstGeom prst="rect">
                 <a:avLst/>
               </a:prstGeom>
               <a:blipFill>
-                <a:blip r:embed="rId3"/>
+                <a:blip r:embed="rId5"/>
                 <a:stretch>
-                  <a:fillRect t="-7692" b="-29231"/>
+                  <a:fillRect l="-898" b="-6742"/>
                 </a:stretch>
               </a:blipFill>
             </p:spPr>
@@ -9325,6 +10594,130 @@
   <p:clrMapOvr>
     <a:masterClrMapping/>
   </p:clrMapOvr>
+  <p:timing>
+    <p:tnLst>
+      <p:par>
+        <p:cTn id="1" dur="indefinite" restart="never" nodeType="tmRoot">
+          <p:childTnLst>
+            <p:seq concurrent="1" nextAc="seek">
+              <p:cTn id="2" dur="indefinite" nodeType="mainSeq">
+                <p:childTnLst>
+                  <p:par>
+                    <p:cTn id="3" fill="hold">
+                      <p:stCondLst>
+                        <p:cond delay="indefinite"/>
+                      </p:stCondLst>
+                      <p:childTnLst>
+                        <p:par>
+                          <p:cTn id="4" fill="hold">
+                            <p:stCondLst>
+                              <p:cond delay="0"/>
+                            </p:stCondLst>
+                            <p:childTnLst>
+                              <p:par>
+                                <p:cTn id="5" presetID="1" presetClass="entr" presetSubtype="0" fill="hold" grpId="0" nodeType="clickEffect">
+                                  <p:stCondLst>
+                                    <p:cond delay="0"/>
+                                  </p:stCondLst>
+                                  <p:childTnLst>
+                                    <p:set>
+                                      <p:cBhvr>
+                                        <p:cTn id="6" dur="1" fill="hold">
+                                          <p:stCondLst>
+                                            <p:cond delay="0"/>
+                                          </p:stCondLst>
+                                        </p:cTn>
+                                        <p:tgtEl>
+                                          <p:spTgt spid="5"/>
+                                        </p:tgtEl>
+                                        <p:attrNameLst>
+                                          <p:attrName>style.visibility</p:attrName>
+                                        </p:attrNameLst>
+                                      </p:cBhvr>
+                                      <p:to>
+                                        <p:strVal val="visible"/>
+                                      </p:to>
+                                    </p:set>
+                                  </p:childTnLst>
+                                </p:cTn>
+                              </p:par>
+                            </p:childTnLst>
+                          </p:cTn>
+                        </p:par>
+                      </p:childTnLst>
+                    </p:cTn>
+                  </p:par>
+                  <p:par>
+                    <p:cTn id="7" fill="hold">
+                      <p:stCondLst>
+                        <p:cond delay="indefinite"/>
+                      </p:stCondLst>
+                      <p:childTnLst>
+                        <p:par>
+                          <p:cTn id="8" fill="hold">
+                            <p:stCondLst>
+                              <p:cond delay="0"/>
+                            </p:stCondLst>
+                            <p:childTnLst>
+                              <p:par>
+                                <p:cTn id="9" presetID="1" presetClass="entr" presetSubtype="0" fill="hold" grpId="0" nodeType="clickEffect">
+                                  <p:stCondLst>
+                                    <p:cond delay="0"/>
+                                  </p:stCondLst>
+                                  <p:childTnLst>
+                                    <p:set>
+                                      <p:cBhvr>
+                                        <p:cTn id="10" dur="1" fill="hold">
+                                          <p:stCondLst>
+                                            <p:cond delay="0"/>
+                                          </p:stCondLst>
+                                        </p:cTn>
+                                        <p:tgtEl>
+                                          <p:spTgt spid="8"/>
+                                        </p:tgtEl>
+                                        <p:attrNameLst>
+                                          <p:attrName>style.visibility</p:attrName>
+                                        </p:attrNameLst>
+                                      </p:cBhvr>
+                                      <p:to>
+                                        <p:strVal val="visible"/>
+                                      </p:to>
+                                    </p:set>
+                                  </p:childTnLst>
+                                </p:cTn>
+                              </p:par>
+                            </p:childTnLst>
+                          </p:cTn>
+                        </p:par>
+                      </p:childTnLst>
+                    </p:cTn>
+                  </p:par>
+                </p:childTnLst>
+              </p:cTn>
+              <p:prevCondLst>
+                <p:cond evt="onPrev" delay="0">
+                  <p:tgtEl>
+                    <p:sldTgt/>
+                  </p:tgtEl>
+                </p:cond>
+              </p:prevCondLst>
+              <p:nextCondLst>
+                <p:cond evt="onNext" delay="0">
+                  <p:tgtEl>
+                    <p:sldTgt/>
+                  </p:tgtEl>
+                </p:cond>
+              </p:nextCondLst>
+            </p:seq>
+          </p:childTnLst>
+        </p:cTn>
+      </p:par>
+    </p:tnLst>
+    <p:bldLst>
+      <p:bldP spid="5" grpId="0"/>
+      <p:bldP spid="8" grpId="0"/>
+    </p:bldLst>
+  </p:timing>
 </p:sld>
 </file>
 
@@ -9333,7 +10726,7 @@
   <p:cSld>
     <p:spTree>
       <p:nvGrpSpPr>
-        <p:cNvPr id="1" name="Shape 90"/>
+        <p:cNvPr id="1" name="Shape 84"/>
         <p:cNvGrpSpPr/>
         <p:nvPr/>
       </p:nvGrpSpPr>
@@ -9347,7 +10740,7 @@
       </p:grpSpPr>
       <p:sp>
         <p:nvSpPr>
-          <p:cNvPr id="91" name="Google Shape;91;p19"/>
+          <p:cNvPr id="85" name="Google Shape;85;p18"/>
           <p:cNvSpPr txBox="1">
             <a:spLocks noGrp="1"/>
           </p:cNvSpPr>
@@ -9380,104 +10773,802 @@
               <a:buNone/>
             </a:pPr>
             <a:r>
-              <a:rPr lang="en"/>
-              <a:t>Bill Poirier’s trajectory-based approach</a:t>
+              <a:rPr lang="en" dirty="0"/>
+              <a:t>Bill Poirier’s </a:t>
             </a:r>
-            <a:endParaRPr/>
+            <a:r>
+              <a:rPr lang="en-US" dirty="0"/>
+              <a:t>t</a:t>
+            </a:r>
+            <a:r>
+              <a:rPr lang="en" dirty="0"/>
+              <a:t>rajectory-</a:t>
+            </a:r>
+            <a:r>
+              <a:rPr lang="en-US" dirty="0"/>
+              <a:t>b</a:t>
+            </a:r>
+            <a:r>
+              <a:rPr lang="en" dirty="0"/>
+              <a:t>ased </a:t>
+            </a:r>
+            <a:r>
+              <a:rPr lang="en-US" dirty="0"/>
+              <a:t>a</a:t>
+            </a:r>
+            <a:r>
+              <a:rPr lang="en" dirty="0"/>
+              <a:t>pproach</a:t>
+            </a:r>
+            <a:endParaRPr dirty="0"/>
           </a:p>
         </p:txBody>
       </p:sp>
-      <p:sp>
-        <p:nvSpPr>
-          <p:cNvPr id="92" name="Google Shape;92;p19"/>
-          <p:cNvSpPr txBox="1">
-            <a:spLocks noGrp="1"/>
-          </p:cNvSpPr>
-          <p:nvPr>
-            <p:ph type="body" idx="1"/>
-          </p:nvPr>
-        </p:nvSpPr>
-        <p:spPr>
-          <a:xfrm>
-            <a:off x="311700" y="1152475"/>
-            <a:ext cx="8520600" cy="3170100"/>
-          </a:xfrm>
-          <a:prstGeom prst="rect">
-            <a:avLst/>
-          </a:prstGeom>
-        </p:spPr>
-        <p:txBody>
-          <a:bodyPr spcFirstLastPara="1" wrap="square" lIns="91425" tIns="91425" rIns="91425" bIns="91425" anchor="t" anchorCtr="0">
-            <a:noAutofit/>
-          </a:bodyPr>
-          <a:lstStyle/>
-          <a:p>
-            <a:pPr marL="0" lvl="0" indent="0" algn="l" rtl="0">
-              <a:spcBef>
-                <a:spcPts val="0"/>
-              </a:spcBef>
-              <a:spcAft>
-                <a:spcPts val="0"/>
-              </a:spcAft>
-              <a:buNone/>
-            </a:pPr>
-            <a:r>
-              <a:rPr lang="en"/>
-              <a:t>x = function of t and C</a:t>
-            </a:r>
-            <a:endParaRPr/>
-          </a:p>
-          <a:p>
-            <a:pPr marL="0" lvl="0" indent="0" algn="l" rtl="0">
-              <a:spcBef>
-                <a:spcPts val="1600"/>
-              </a:spcBef>
-              <a:spcAft>
-                <a:spcPts val="0"/>
-              </a:spcAft>
-              <a:buNone/>
-            </a:pPr>
-            <a:r>
-              <a:rPr lang="en"/>
-              <a:t>Rho = 1/x’</a:t>
-            </a:r>
-            <a:endParaRPr/>
-          </a:p>
-          <a:p>
-            <a:pPr marL="0" lvl="0" indent="0" algn="l" rtl="0">
-              <a:spcBef>
-                <a:spcPts val="1600"/>
-              </a:spcBef>
-              <a:spcAft>
-                <a:spcPts val="0"/>
-              </a:spcAft>
-              <a:buNone/>
-            </a:pPr>
-            <a:endParaRPr/>
-          </a:p>
-          <a:p>
-            <a:pPr marL="0" lvl="0" indent="0" algn="ctr" rtl="0">
-              <a:spcBef>
-                <a:spcPts val="1600"/>
-              </a:spcBef>
-              <a:spcAft>
-                <a:spcPts val="1600"/>
-              </a:spcAft>
-              <a:buNone/>
-            </a:pPr>
-            <a:r>
-              <a:rPr lang="en"/>
-              <a:t>ma - F + (ugly term to the right) = 0</a:t>
-            </a:r>
-            <a:endParaRPr/>
-          </a:p>
-        </p:txBody>
-      </p:sp>
+      <mc:AlternateContent xmlns:mc="http://schemas.openxmlformats.org/markup-compatibility/2006">
+        <mc:Choice xmlns:a14="http://schemas.microsoft.com/office/drawing/2010/main" Requires="a14">
+          <p:sp>
+            <p:nvSpPr>
+              <p:cNvPr id="5" name="TextBox 4">
+                <a:extLst>
+                  <a:ext uri="{FF2B5EF4-FFF2-40B4-BE49-F238E27FC236}">
+                    <a16:creationId xmlns:a16="http://schemas.microsoft.com/office/drawing/2014/main" id="{E72EEBB3-9BAC-4DC4-AAB6-75D9CDC4D6B9}"/>
+                  </a:ext>
+                </a:extLst>
+              </p:cNvPr>
+              <p:cNvSpPr txBox="1"/>
+              <p:nvPr/>
+            </p:nvSpPr>
+            <p:spPr>
+              <a:xfrm>
+                <a:off x="942975" y="2048305"/>
+                <a:ext cx="7258050" cy="1046890"/>
+              </a:xfrm>
+              <a:prstGeom prst="rect">
+                <a:avLst/>
+              </a:prstGeom>
+              <a:noFill/>
+            </p:spPr>
+            <p:txBody>
+              <a:bodyPr wrap="square" rtlCol="0">
+                <a:spAutoFit/>
+              </a:bodyPr>
+              <a:lstStyle/>
+              <a:p>
+                <a:pPr/>
+                <a14:m>
+                  <m:oMathPara xmlns:m="http://schemas.openxmlformats.org/officeDocument/2006/math">
+                    <m:oMathParaPr>
+                      <m:jc m:val="center"/>
+                    </m:oMathParaPr>
+                    <m:oMath xmlns:m="http://schemas.openxmlformats.org/officeDocument/2006/math">
+                      <m:r>
+                        <a:rPr lang="en-US" sz="2400" b="0" i="1" smtClean="0">
+                          <a:latin typeface="Cambria Math" panose="02040503050406030204" pitchFamily="18" charset="0"/>
+                        </a:rPr>
+                        <m:t>𝑚</m:t>
+                      </m:r>
+                      <m:acc>
+                        <m:accPr>
+                          <m:chr m:val="̈"/>
+                          <m:ctrlPr>
+                            <a:rPr lang="en-US" sz="2400" b="0" i="1" smtClean="0">
+                              <a:latin typeface="Cambria Math" panose="02040503050406030204" pitchFamily="18" charset="0"/>
+                            </a:rPr>
+                          </m:ctrlPr>
+                        </m:accPr>
+                        <m:e>
+                          <m:r>
+                            <a:rPr lang="en-US" sz="2400" b="0" i="1" smtClean="0">
+                              <a:latin typeface="Cambria Math" panose="02040503050406030204" pitchFamily="18" charset="0"/>
+                            </a:rPr>
+                            <m:t>𝑥</m:t>
+                          </m:r>
+                        </m:e>
+                      </m:acc>
+                      <m:r>
+                        <a:rPr lang="en-US" sz="2400" b="0" i="1" smtClean="0">
+                          <a:latin typeface="Cambria Math" panose="02040503050406030204" pitchFamily="18" charset="0"/>
+                        </a:rPr>
+                        <m:t> + </m:t>
+                      </m:r>
+                      <m:f>
+                        <m:fPr>
+                          <m:ctrlPr>
+                            <a:rPr lang="en-US" sz="2400" b="0" i="1" smtClean="0">
+                              <a:latin typeface="Cambria Math" panose="02040503050406030204" pitchFamily="18" charset="0"/>
+                            </a:rPr>
+                          </m:ctrlPr>
+                        </m:fPr>
+                        <m:num>
+                          <m:r>
+                            <a:rPr lang="en-US" sz="2400" b="0" i="1" smtClean="0">
+                              <a:latin typeface="Cambria Math" panose="02040503050406030204" pitchFamily="18" charset="0"/>
+                            </a:rPr>
+                            <m:t>𝜕</m:t>
+                          </m:r>
+                          <m:r>
+                            <a:rPr lang="en-US" sz="2400" b="0" i="1" smtClean="0">
+                              <a:latin typeface="Cambria Math" panose="02040503050406030204" pitchFamily="18" charset="0"/>
+                            </a:rPr>
+                            <m:t>𝑉</m:t>
+                          </m:r>
+                        </m:num>
+                        <m:den>
+                          <m:r>
+                            <a:rPr lang="en-US" sz="2400" b="0" i="1" smtClean="0">
+                              <a:latin typeface="Cambria Math" panose="02040503050406030204" pitchFamily="18" charset="0"/>
+                            </a:rPr>
+                            <m:t>𝜕</m:t>
+                          </m:r>
+                          <m:r>
+                            <a:rPr lang="en-US" sz="2400" b="0" i="1" smtClean="0">
+                              <a:latin typeface="Cambria Math" panose="02040503050406030204" pitchFamily="18" charset="0"/>
+                            </a:rPr>
+                            <m:t>𝑥</m:t>
+                          </m:r>
+                        </m:den>
+                      </m:f>
+                      <m:r>
+                        <a:rPr lang="en-US" sz="2400" b="0" i="1" smtClean="0">
+                          <a:latin typeface="Cambria Math" panose="02040503050406030204" pitchFamily="18" charset="0"/>
+                        </a:rPr>
+                        <m:t> +</m:t>
+                      </m:r>
+                      <m:f>
+                        <m:fPr>
+                          <m:ctrlPr>
+                            <a:rPr lang="en-US" sz="2400" i="1">
+                              <a:latin typeface="Cambria Math" panose="02040503050406030204" pitchFamily="18" charset="0"/>
+                            </a:rPr>
+                          </m:ctrlPr>
+                        </m:fPr>
+                        <m:num>
+                          <m:sSup>
+                            <m:sSupPr>
+                              <m:ctrlPr>
+                                <a:rPr lang="en-US" sz="2400" i="1">
+                                  <a:latin typeface="Cambria Math" panose="02040503050406030204" pitchFamily="18" charset="0"/>
+                                </a:rPr>
+                              </m:ctrlPr>
+                            </m:sSupPr>
+                            <m:e>
+                              <m:r>
+                                <a:rPr lang="en-US" sz="2400" i="1">
+                                  <a:latin typeface="Cambria Math" panose="02040503050406030204" pitchFamily="18" charset="0"/>
+                                </a:rPr>
+                                <m:t>ℏ</m:t>
+                              </m:r>
+                            </m:e>
+                            <m:sup>
+                              <m:r>
+                                <a:rPr lang="en-US" sz="2400" i="1">
+                                  <a:latin typeface="Cambria Math" panose="02040503050406030204" pitchFamily="18" charset="0"/>
+                                </a:rPr>
+                                <m:t>2</m:t>
+                              </m:r>
+                            </m:sup>
+                          </m:sSup>
+                        </m:num>
+                        <m:den>
+                          <m:r>
+                            <a:rPr lang="en-US" sz="2400" i="1">
+                              <a:latin typeface="Cambria Math" panose="02040503050406030204" pitchFamily="18" charset="0"/>
+                            </a:rPr>
+                            <m:t>2</m:t>
+                          </m:r>
+                          <m:r>
+                            <a:rPr lang="en-US" sz="2400" i="1">
+                              <a:latin typeface="Cambria Math" panose="02040503050406030204" pitchFamily="18" charset="0"/>
+                            </a:rPr>
+                            <m:t>𝑚</m:t>
+                          </m:r>
+                        </m:den>
+                      </m:f>
+                      <m:d>
+                        <m:dPr>
+                          <m:ctrlPr>
+                            <a:rPr lang="en-US" sz="2400" i="1">
+                              <a:latin typeface="Cambria Math" panose="02040503050406030204" pitchFamily="18" charset="0"/>
+                            </a:rPr>
+                          </m:ctrlPr>
+                        </m:dPr>
+                        <m:e>
+                          <m:f>
+                            <m:fPr>
+                              <m:ctrlPr>
+                                <a:rPr lang="en-US" sz="2400" i="1">
+                                  <a:latin typeface="Cambria Math" panose="02040503050406030204" pitchFamily="18" charset="0"/>
+                                </a:rPr>
+                              </m:ctrlPr>
+                            </m:fPr>
+                            <m:num>
+                              <m:sSup>
+                                <m:sSupPr>
+                                  <m:ctrlPr>
+                                    <a:rPr lang="en-US" sz="2400" i="1">
+                                      <a:latin typeface="Cambria Math" panose="02040503050406030204" pitchFamily="18" charset="0"/>
+                                    </a:rPr>
+                                  </m:ctrlPr>
+                                </m:sSupPr>
+                                <m:e>
+                                  <m:r>
+                                    <a:rPr lang="en-US" sz="2400" i="1">
+                                      <a:latin typeface="Cambria Math" panose="02040503050406030204" pitchFamily="18" charset="0"/>
+                                    </a:rPr>
+                                    <m:t>𝑥</m:t>
+                                  </m:r>
+                                </m:e>
+                                <m:sup>
+                                  <m:r>
+                                    <a:rPr lang="en-US" sz="2400" i="1">
+                                      <a:latin typeface="Cambria Math" panose="02040503050406030204" pitchFamily="18" charset="0"/>
+                                    </a:rPr>
+                                    <m:t>′′′′</m:t>
+                                  </m:r>
+                                </m:sup>
+                              </m:sSup>
+                            </m:num>
+                            <m:den>
+                              <m:sSup>
+                                <m:sSupPr>
+                                  <m:ctrlPr>
+                                    <a:rPr lang="en-US" sz="2400" i="1">
+                                      <a:latin typeface="Cambria Math" panose="02040503050406030204" pitchFamily="18" charset="0"/>
+                                    </a:rPr>
+                                  </m:ctrlPr>
+                                </m:sSupPr>
+                                <m:e>
+                                  <m:sSup>
+                                    <m:sSupPr>
+                                      <m:ctrlPr>
+                                        <a:rPr lang="en-US" sz="2400" i="1">
+                                          <a:latin typeface="Cambria Math" panose="02040503050406030204" pitchFamily="18" charset="0"/>
+                                        </a:rPr>
+                                      </m:ctrlPr>
+                                    </m:sSupPr>
+                                    <m:e>
+                                      <m:r>
+                                        <a:rPr lang="en-US" sz="2400" i="1">
+                                          <a:latin typeface="Cambria Math" panose="02040503050406030204" pitchFamily="18" charset="0"/>
+                                        </a:rPr>
+                                        <m:t>𝑥</m:t>
+                                      </m:r>
+                                    </m:e>
+                                    <m:sup>
+                                      <m:r>
+                                        <a:rPr lang="en-US" sz="2400" i="1">
+                                          <a:latin typeface="Cambria Math" panose="02040503050406030204" pitchFamily="18" charset="0"/>
+                                        </a:rPr>
+                                        <m:t>′</m:t>
+                                      </m:r>
+                                    </m:sup>
+                                  </m:sSup>
+                                </m:e>
+                                <m:sup>
+                                  <m:r>
+                                    <a:rPr lang="en-US" sz="2400" i="1">
+                                      <a:latin typeface="Cambria Math" panose="02040503050406030204" pitchFamily="18" charset="0"/>
+                                    </a:rPr>
+                                    <m:t>4</m:t>
+                                  </m:r>
+                                </m:sup>
+                              </m:sSup>
+                            </m:den>
+                          </m:f>
+                          <m:r>
+                            <a:rPr lang="en-US" sz="2400" i="1">
+                              <a:latin typeface="Cambria Math" panose="02040503050406030204" pitchFamily="18" charset="0"/>
+                            </a:rPr>
+                            <m:t>−8</m:t>
+                          </m:r>
+                          <m:f>
+                            <m:fPr>
+                              <m:ctrlPr>
+                                <a:rPr lang="en-US" sz="2400" i="1">
+                                  <a:latin typeface="Cambria Math" panose="02040503050406030204" pitchFamily="18" charset="0"/>
+                                </a:rPr>
+                              </m:ctrlPr>
+                            </m:fPr>
+                            <m:num>
+                              <m:sSup>
+                                <m:sSupPr>
+                                  <m:ctrlPr>
+                                    <a:rPr lang="en-US" sz="2400" i="1">
+                                      <a:latin typeface="Cambria Math" panose="02040503050406030204" pitchFamily="18" charset="0"/>
+                                    </a:rPr>
+                                  </m:ctrlPr>
+                                </m:sSupPr>
+                                <m:e>
+                                  <m:r>
+                                    <a:rPr lang="en-US" sz="2400" i="1">
+                                      <a:latin typeface="Cambria Math" panose="02040503050406030204" pitchFamily="18" charset="0"/>
+                                    </a:rPr>
+                                    <m:t>𝑥</m:t>
+                                  </m:r>
+                                </m:e>
+                                <m:sup>
+                                  <m:r>
+                                    <a:rPr lang="en-US" sz="2400" i="1">
+                                      <a:latin typeface="Cambria Math" panose="02040503050406030204" pitchFamily="18" charset="0"/>
+                                    </a:rPr>
+                                    <m:t>′′</m:t>
+                                  </m:r>
+                                </m:sup>
+                              </m:sSup>
+                              <m:sSup>
+                                <m:sSupPr>
+                                  <m:ctrlPr>
+                                    <a:rPr lang="en-US" sz="2400" i="1">
+                                      <a:latin typeface="Cambria Math" panose="02040503050406030204" pitchFamily="18" charset="0"/>
+                                    </a:rPr>
+                                  </m:ctrlPr>
+                                </m:sSupPr>
+                                <m:e>
+                                  <m:r>
+                                    <a:rPr lang="en-US" sz="2400" i="1">
+                                      <a:latin typeface="Cambria Math" panose="02040503050406030204" pitchFamily="18" charset="0"/>
+                                    </a:rPr>
+                                    <m:t>𝑥</m:t>
+                                  </m:r>
+                                </m:e>
+                                <m:sup>
+                                  <m:r>
+                                    <a:rPr lang="en-US" sz="2400" i="1">
+                                      <a:latin typeface="Cambria Math" panose="02040503050406030204" pitchFamily="18" charset="0"/>
+                                    </a:rPr>
+                                    <m:t>′′′</m:t>
+                                  </m:r>
+                                </m:sup>
+                              </m:sSup>
+                            </m:num>
+                            <m:den>
+                              <m:sSup>
+                                <m:sSupPr>
+                                  <m:ctrlPr>
+                                    <a:rPr lang="en-US" sz="2400" i="1">
+                                      <a:latin typeface="Cambria Math" panose="02040503050406030204" pitchFamily="18" charset="0"/>
+                                    </a:rPr>
+                                  </m:ctrlPr>
+                                </m:sSupPr>
+                                <m:e>
+                                  <m:sSup>
+                                    <m:sSupPr>
+                                      <m:ctrlPr>
+                                        <a:rPr lang="en-US" sz="2400" i="1">
+                                          <a:latin typeface="Cambria Math" panose="02040503050406030204" pitchFamily="18" charset="0"/>
+                                        </a:rPr>
+                                      </m:ctrlPr>
+                                    </m:sSupPr>
+                                    <m:e>
+                                      <m:r>
+                                        <a:rPr lang="en-US" sz="2400" i="1">
+                                          <a:latin typeface="Cambria Math" panose="02040503050406030204" pitchFamily="18" charset="0"/>
+                                        </a:rPr>
+                                        <m:t>𝑥</m:t>
+                                      </m:r>
+                                    </m:e>
+                                    <m:sup>
+                                      <m:r>
+                                        <a:rPr lang="en-US" sz="2400" i="1">
+                                          <a:latin typeface="Cambria Math" panose="02040503050406030204" pitchFamily="18" charset="0"/>
+                                        </a:rPr>
+                                        <m:t>′</m:t>
+                                      </m:r>
+                                    </m:sup>
+                                  </m:sSup>
+                                </m:e>
+                                <m:sup>
+                                  <m:r>
+                                    <a:rPr lang="en-US" sz="2400" i="1">
+                                      <a:latin typeface="Cambria Math" panose="02040503050406030204" pitchFamily="18" charset="0"/>
+                                    </a:rPr>
+                                    <m:t>5</m:t>
+                                  </m:r>
+                                </m:sup>
+                              </m:sSup>
+                            </m:den>
+                          </m:f>
+                          <m:r>
+                            <a:rPr lang="en-US" sz="2400" i="1">
+                              <a:latin typeface="Cambria Math" panose="02040503050406030204" pitchFamily="18" charset="0"/>
+                            </a:rPr>
+                            <m:t>+10</m:t>
+                          </m:r>
+                          <m:f>
+                            <m:fPr>
+                              <m:ctrlPr>
+                                <a:rPr lang="en-US" sz="2400" i="1">
+                                  <a:latin typeface="Cambria Math" panose="02040503050406030204" pitchFamily="18" charset="0"/>
+                                </a:rPr>
+                              </m:ctrlPr>
+                            </m:fPr>
+                            <m:num>
+                              <m:sSup>
+                                <m:sSupPr>
+                                  <m:ctrlPr>
+                                    <a:rPr lang="en-US" sz="2400" i="1">
+                                      <a:latin typeface="Cambria Math" panose="02040503050406030204" pitchFamily="18" charset="0"/>
+                                    </a:rPr>
+                                  </m:ctrlPr>
+                                </m:sSupPr>
+                                <m:e>
+                                  <m:sSup>
+                                    <m:sSupPr>
+                                      <m:ctrlPr>
+                                        <a:rPr lang="en-US" sz="2400" i="1">
+                                          <a:latin typeface="Cambria Math" panose="02040503050406030204" pitchFamily="18" charset="0"/>
+                                        </a:rPr>
+                                      </m:ctrlPr>
+                                    </m:sSupPr>
+                                    <m:e>
+                                      <m:r>
+                                        <a:rPr lang="en-US" sz="2400" i="1">
+                                          <a:latin typeface="Cambria Math" panose="02040503050406030204" pitchFamily="18" charset="0"/>
+                                        </a:rPr>
+                                        <m:t>𝑥</m:t>
+                                      </m:r>
+                                    </m:e>
+                                    <m:sup>
+                                      <m:r>
+                                        <a:rPr lang="en-US" sz="2400" i="1">
+                                          <a:latin typeface="Cambria Math" panose="02040503050406030204" pitchFamily="18" charset="0"/>
+                                        </a:rPr>
+                                        <m:t>′′</m:t>
+                                      </m:r>
+                                    </m:sup>
+                                  </m:sSup>
+                                </m:e>
+                                <m:sup>
+                                  <m:r>
+                                    <a:rPr lang="en-US" sz="2400" i="1">
+                                      <a:latin typeface="Cambria Math" panose="02040503050406030204" pitchFamily="18" charset="0"/>
+                                    </a:rPr>
+                                    <m:t>3</m:t>
+                                  </m:r>
+                                </m:sup>
+                              </m:sSup>
+                            </m:num>
+                            <m:den>
+                              <m:sSup>
+                                <m:sSupPr>
+                                  <m:ctrlPr>
+                                    <a:rPr lang="en-US" sz="2400" i="1">
+                                      <a:latin typeface="Cambria Math" panose="02040503050406030204" pitchFamily="18" charset="0"/>
+                                    </a:rPr>
+                                  </m:ctrlPr>
+                                </m:sSupPr>
+                                <m:e>
+                                  <m:sSup>
+                                    <m:sSupPr>
+                                      <m:ctrlPr>
+                                        <a:rPr lang="en-US" sz="2400" i="1">
+                                          <a:latin typeface="Cambria Math" panose="02040503050406030204" pitchFamily="18" charset="0"/>
+                                        </a:rPr>
+                                      </m:ctrlPr>
+                                    </m:sSupPr>
+                                    <m:e>
+                                      <m:r>
+                                        <a:rPr lang="en-US" sz="2400" i="1">
+                                          <a:latin typeface="Cambria Math" panose="02040503050406030204" pitchFamily="18" charset="0"/>
+                                        </a:rPr>
+                                        <m:t>𝑥</m:t>
+                                      </m:r>
+                                    </m:e>
+                                    <m:sup>
+                                      <m:r>
+                                        <a:rPr lang="en-US" sz="2400" i="1">
+                                          <a:latin typeface="Cambria Math" panose="02040503050406030204" pitchFamily="18" charset="0"/>
+                                        </a:rPr>
+                                        <m:t>′</m:t>
+                                      </m:r>
+                                    </m:sup>
+                                  </m:sSup>
+                                </m:e>
+                                <m:sup>
+                                  <m:r>
+                                    <a:rPr lang="en-US" sz="2400" i="1">
+                                      <a:latin typeface="Cambria Math" panose="02040503050406030204" pitchFamily="18" charset="0"/>
+                                    </a:rPr>
+                                    <m:t>6</m:t>
+                                  </m:r>
+                                </m:sup>
+                              </m:sSup>
+                            </m:den>
+                          </m:f>
+                        </m:e>
+                      </m:d>
+                      <m:r>
+                        <a:rPr lang="en-US" sz="2400" b="0" i="1" smtClean="0">
+                          <a:latin typeface="Cambria Math" panose="02040503050406030204" pitchFamily="18" charset="0"/>
+                        </a:rPr>
+                        <m:t>=0</m:t>
+                      </m:r>
+                    </m:oMath>
+                  </m:oMathPara>
+                </a14:m>
+                <a:endParaRPr lang="en-US" sz="2400" dirty="0"/>
+              </a:p>
+            </p:txBody>
+          </p:sp>
+        </mc:Choice>
+        <mc:Fallback>
+          <p:sp>
+            <p:nvSpPr>
+              <p:cNvPr id="5" name="TextBox 4">
+                <a:extLst>
+                  <a:ext uri="{FF2B5EF4-FFF2-40B4-BE49-F238E27FC236}">
+                    <a16:creationId xmlns:a16="http://schemas.microsoft.com/office/drawing/2014/main" id="{E72EEBB3-9BAC-4DC4-AAB6-75D9CDC4D6B9}"/>
+                  </a:ext>
+                </a:extLst>
+              </p:cNvPr>
+              <p:cNvSpPr txBox="1">
+                <a:spLocks noRot="1" noChangeAspect="1" noMove="1" noResize="1" noEditPoints="1" noAdjustHandles="1" noChangeArrowheads="1" noChangeShapeType="1" noTextEdit="1"/>
+              </p:cNvSpPr>
+              <p:nvPr/>
+            </p:nvSpPr>
+            <p:spPr>
+              <a:xfrm>
+                <a:off x="942975" y="2048305"/>
+                <a:ext cx="7258050" cy="1046890"/>
+              </a:xfrm>
+              <a:prstGeom prst="rect">
+                <a:avLst/>
+              </a:prstGeom>
+              <a:blipFill>
+                <a:blip r:embed="rId3"/>
+                <a:stretch>
+                  <a:fillRect/>
+                </a:stretch>
+              </a:blipFill>
+            </p:spPr>
+            <p:txBody>
+              <a:bodyPr/>
+              <a:lstStyle/>
+              <a:p>
+                <a:r>
+                  <a:rPr lang="en-US">
+                    <a:noFill/>
+                  </a:rPr>
+                  <a:t> </a:t>
+                </a:r>
+              </a:p>
+            </p:txBody>
+          </p:sp>
+        </mc:Fallback>
+      </mc:AlternateContent>
+      <mc:AlternateContent xmlns:mc="http://schemas.openxmlformats.org/markup-compatibility/2006">
+        <mc:Choice xmlns:a14="http://schemas.microsoft.com/office/drawing/2010/main" Requires="a14">
+          <p:sp>
+            <p:nvSpPr>
+              <p:cNvPr id="6" name="TextBox 5">
+                <a:extLst>
+                  <a:ext uri="{FF2B5EF4-FFF2-40B4-BE49-F238E27FC236}">
+                    <a16:creationId xmlns:a16="http://schemas.microsoft.com/office/drawing/2014/main" id="{0699BA8F-A4CB-41D5-889E-EC7F0F313783}"/>
+                  </a:ext>
+                </a:extLst>
+              </p:cNvPr>
+              <p:cNvSpPr txBox="1"/>
+              <p:nvPr/>
+            </p:nvSpPr>
+            <p:spPr>
+              <a:xfrm>
+                <a:off x="2844800" y="2873805"/>
+                <a:ext cx="4825450" cy="761812"/>
+              </a:xfrm>
+              <a:prstGeom prst="rect">
+                <a:avLst/>
+              </a:prstGeom>
+              <a:noFill/>
+            </p:spPr>
+            <p:txBody>
+              <a:bodyPr wrap="square" rtlCol="0">
+                <a:spAutoFit/>
+              </a:bodyPr>
+              <a:lstStyle/>
+              <a:p>
+                <a:pPr/>
+                <a14:m>
+                  <m:oMathPara xmlns:m="http://schemas.openxmlformats.org/officeDocument/2006/math">
+                    <m:oMathParaPr>
+                      <m:jc m:val="center"/>
+                    </m:oMathParaPr>
+                    <m:oMath xmlns:m="http://schemas.openxmlformats.org/officeDocument/2006/math">
+                      <m:limLow>
+                        <m:limLowPr>
+                          <m:ctrlPr>
+                            <a:rPr lang="en-US" sz="2400" i="1" smtClean="0">
+                              <a:latin typeface="Cambria Math" panose="02040503050406030204" pitchFamily="18" charset="0"/>
+                            </a:rPr>
+                          </m:ctrlPr>
+                        </m:limLowPr>
+                        <m:e>
+                          <m:groupChr>
+                            <m:groupChrPr>
+                              <m:chr m:val="⏟"/>
+                              <m:ctrlPr>
+                                <a:rPr lang="en-US" sz="2400" i="1" smtClean="0">
+                                  <a:latin typeface="Cambria Math" panose="02040503050406030204" pitchFamily="18" charset="0"/>
+                                </a:rPr>
+                              </m:ctrlPr>
+                            </m:groupChrPr>
+                            <m:e>
+                              <m:r>
+                                <a:rPr lang="en-US" sz="2400" b="0" i="1" smtClean="0">
+                                  <a:latin typeface="Cambria Math" panose="02040503050406030204" pitchFamily="18" charset="0"/>
+                                </a:rPr>
+                                <m:t>                                                             </m:t>
+                              </m:r>
+                            </m:e>
+                          </m:groupChr>
+                        </m:e>
+                        <m:lim>
+                          <m:r>
+                            <m:rPr>
+                              <m:sty m:val="p"/>
+                            </m:rPr>
+                            <a:rPr lang="en-US" sz="2400" b="0" i="0" smtClean="0">
+                              <a:latin typeface="Cambria Math" panose="02040503050406030204" pitchFamily="18" charset="0"/>
+                            </a:rPr>
+                            <m:t>Quantum</m:t>
+                          </m:r>
+                          <m:r>
+                            <a:rPr lang="en-US" sz="2400" b="0" i="0" smtClean="0">
+                              <a:latin typeface="Cambria Math" panose="02040503050406030204" pitchFamily="18" charset="0"/>
+                            </a:rPr>
+                            <m:t> </m:t>
+                          </m:r>
+                          <m:r>
+                            <m:rPr>
+                              <m:sty m:val="p"/>
+                            </m:rPr>
+                            <a:rPr lang="en-US" sz="2400" b="0" i="0" smtClean="0">
+                              <a:latin typeface="Cambria Math" panose="02040503050406030204" pitchFamily="18" charset="0"/>
+                            </a:rPr>
+                            <m:t>force</m:t>
+                          </m:r>
+                        </m:lim>
+                      </m:limLow>
+                    </m:oMath>
+                  </m:oMathPara>
+                </a14:m>
+                <a:endParaRPr lang="en-US" sz="2400" dirty="0"/>
+              </a:p>
+            </p:txBody>
+          </p:sp>
+        </mc:Choice>
+        <mc:Fallback>
+          <p:sp>
+            <p:nvSpPr>
+              <p:cNvPr id="6" name="TextBox 5">
+                <a:extLst>
+                  <a:ext uri="{FF2B5EF4-FFF2-40B4-BE49-F238E27FC236}">
+                    <a16:creationId xmlns:a16="http://schemas.microsoft.com/office/drawing/2014/main" id="{0699BA8F-A4CB-41D5-889E-EC7F0F313783}"/>
+                  </a:ext>
+                </a:extLst>
+              </p:cNvPr>
+              <p:cNvSpPr txBox="1">
+                <a:spLocks noRot="1" noChangeAspect="1" noMove="1" noResize="1" noEditPoints="1" noAdjustHandles="1" noChangeArrowheads="1" noChangeShapeType="1" noTextEdit="1"/>
+              </p:cNvSpPr>
+              <p:nvPr/>
+            </p:nvSpPr>
+            <p:spPr>
+              <a:xfrm>
+                <a:off x="2844800" y="2873805"/>
+                <a:ext cx="4825450" cy="761812"/>
+              </a:xfrm>
+              <a:prstGeom prst="rect">
+                <a:avLst/>
+              </a:prstGeom>
+              <a:blipFill>
+                <a:blip r:embed="rId4"/>
+                <a:stretch>
+                  <a:fillRect b="-6400"/>
+                </a:stretch>
+              </a:blipFill>
+            </p:spPr>
+            <p:txBody>
+              <a:bodyPr/>
+              <a:lstStyle/>
+              <a:p>
+                <a:r>
+                  <a:rPr lang="en-US">
+                    <a:noFill/>
+                  </a:rPr>
+                  <a:t> </a:t>
+                </a:r>
+              </a:p>
+            </p:txBody>
+          </p:sp>
+        </mc:Fallback>
+      </mc:AlternateContent>
     </p:spTree>
+    <p:extLst>
+      <p:ext uri="{BB962C8B-B14F-4D97-AF65-F5344CB8AC3E}">
+        <p14:creationId xmlns:p14="http://schemas.microsoft.com/office/powerpoint/2010/main" val="2065167246"/>
+      </p:ext>
+    </p:extLst>
   </p:cSld>
   <p:clrMapOvr>
     <a:masterClrMapping/>
   </p:clrMapOvr>
+  <p:timing>
+    <p:tnLst>
+      <p:par>
+        <p:cTn id="1" dur="indefinite" restart="never" nodeType="tmRoot">
+          <p:childTnLst>
+            <p:seq concurrent="1" nextAc="seek">
+              <p:cTn id="2" dur="indefinite" nodeType="mainSeq">
+                <p:childTnLst>
+                  <p:par>
+                    <p:cTn id="3" fill="hold">
+                      <p:stCondLst>
+                        <p:cond delay="indefinite"/>
+                      </p:stCondLst>
+                      <p:childTnLst>
+                        <p:par>
+                          <p:cTn id="4" fill="hold">
+                            <p:stCondLst>
+                              <p:cond delay="0"/>
+                            </p:stCondLst>
+                            <p:childTnLst>
+                              <p:par>
+                                <p:cTn id="5" presetID="1" presetClass="entr" presetSubtype="0" fill="hold" grpId="0" nodeType="clickEffect">
+                                  <p:stCondLst>
+                                    <p:cond delay="0"/>
+                                  </p:stCondLst>
+                                  <p:childTnLst>
+                                    <p:set>
+                                      <p:cBhvr>
+                                        <p:cTn id="6" dur="1" fill="hold">
+                                          <p:stCondLst>
+                                            <p:cond delay="0"/>
+                                          </p:stCondLst>
+                                        </p:cTn>
+                                        <p:tgtEl>
+                                          <p:spTgt spid="6"/>
+                                        </p:tgtEl>
+                                        <p:attrNameLst>
+                                          <p:attrName>style.visibility</p:attrName>
+                                        </p:attrNameLst>
+                                      </p:cBhvr>
+                                      <p:to>
+                                        <p:strVal val="visible"/>
+                                      </p:to>
+                                    </p:set>
+                                  </p:childTnLst>
+                                </p:cTn>
+                              </p:par>
+                            </p:childTnLst>
+                          </p:cTn>
+                        </p:par>
+                      </p:childTnLst>
+                    </p:cTn>
+                  </p:par>
+                </p:childTnLst>
+              </p:cTn>
+              <p:prevCondLst>
+                <p:cond evt="onPrev" delay="0">
+                  <p:tgtEl>
+                    <p:sldTgt/>
+                  </p:tgtEl>
+                </p:cond>
+              </p:prevCondLst>
+              <p:nextCondLst>
+                <p:cond evt="onNext" delay="0">
+                  <p:tgtEl>
+                    <p:sldTgt/>
+                  </p:tgtEl>
+                </p:cond>
+              </p:nextCondLst>
+            </p:seq>
+          </p:childTnLst>
+        </p:cTn>
+      </p:par>
+    </p:tnLst>
+    <p:bldLst>
+      <p:bldP spid="6" grpId="0"/>
+    </p:bldLst>
+  </p:timing>
 </p:sld>
 </file>
 
@@ -9486,7 +11577,7 @@
   <p:cSld>
     <p:spTree>
       <p:nvGrpSpPr>
-        <p:cNvPr id="1" name="Shape 96"/>
+        <p:cNvPr id="1" name="Shape 102"/>
         <p:cNvGrpSpPr/>
         <p:nvPr/>
       </p:nvGrpSpPr>
@@ -9500,7 +11591,7 @@
       </p:grpSpPr>
       <p:sp>
         <p:nvSpPr>
-          <p:cNvPr id="97" name="Google Shape;97;p20"/>
+          <p:cNvPr id="103" name="Google Shape;103;p21"/>
           <p:cNvSpPr txBox="1">
             <a:spLocks noGrp="1"/>
           </p:cNvSpPr>
@@ -9534,7 +11625,7 @@
             </a:pPr>
             <a:r>
               <a:rPr lang="en"/>
-              <a:t>Simulating the Poirier-Schiff equation</a:t>
+              <a:t>References</a:t>
             </a:r>
             <a:endParaRPr/>
           </a:p>
@@ -9542,7 +11633,7 @@
       </p:sp>
       <p:sp>
         <p:nvSpPr>
-          <p:cNvPr id="98" name="Google Shape;98;p20"/>
+          <p:cNvPr id="104" name="Google Shape;104;p21"/>
           <p:cNvSpPr txBox="1">
             <a:spLocks noGrp="1"/>
           </p:cNvSpPr>
@@ -9565,46 +11656,99 @@
           </a:bodyPr>
           <a:lstStyle/>
           <a:p>
-            <a:pPr marL="0" lvl="0" indent="0" algn="l" rtl="0">
-              <a:spcBef>
-                <a:spcPts val="0"/>
-              </a:spcBef>
-              <a:spcAft>
-                <a:spcPts val="0"/>
-              </a:spcAft>
+            <a:pPr marL="460375" lvl="0" indent="-460375">
+              <a:lnSpc>
+                <a:spcPct val="100000"/>
+              </a:lnSpc>
+              <a:spcBef>
+                <a:spcPts val="800"/>
+              </a:spcBef>
               <a:buNone/>
             </a:pPr>
-            <a:endParaRPr dirty="0"/>
+            <a:r>
+              <a:rPr lang="en" sz="1600" dirty="0"/>
+              <a:t>“Overview of </a:t>
+            </a:r>
+            <a:r>
+              <a:rPr lang="en-US" sz="1600" dirty="0"/>
+              <a:t>Bohmian Mechanics.”</a:t>
+            </a:r>
+            <a:r>
+              <a:rPr lang="en" sz="1600" dirty="0"/>
+              <a:t> </a:t>
+            </a:r>
+            <a:r>
+              <a:rPr lang="en-US" sz="1600" dirty="0"/>
+              <a:t>Xavier Oriols &amp; Jordi Mompart. 2013.</a:t>
+            </a:r>
           </a:p>
           <a:p>
-            <a:pPr marL="0" lvl="0" indent="0" algn="l" rtl="0">
-              <a:spcBef>
-                <a:spcPts val="1600"/>
-              </a:spcBef>
-              <a:spcAft>
-                <a:spcPts val="0"/>
-              </a:spcAft>
+            <a:pPr marL="460375" lvl="0" indent="-460375">
+              <a:lnSpc>
+                <a:spcPct val="100000"/>
+              </a:lnSpc>
+              <a:spcBef>
+                <a:spcPts val="800"/>
+              </a:spcBef>
               <a:buNone/>
             </a:pPr>
-            <a:endParaRPr dirty="0"/>
+            <a:endParaRPr sz="1600" dirty="0"/>
           </a:p>
           <a:p>
-            <a:pPr marL="0" lvl="0" indent="0" algn="ctr" rtl="0">
-              <a:spcBef>
-                <a:spcPts val="1600"/>
-              </a:spcBef>
-              <a:spcAft>
-                <a:spcPts val="1600"/>
-              </a:spcAft>
+            <a:pPr marL="460375" lvl="0" indent="-460375" algn="l" rtl="0">
+              <a:lnSpc>
+                <a:spcPct val="100000"/>
+              </a:lnSpc>
+              <a:spcBef>
+                <a:spcPts val="800"/>
+              </a:spcBef>
+              <a:spcAft>
+                <a:spcPts val="0"/>
+              </a:spcAft>
+              <a:buClr>
+                <a:schemeClr val="dk1"/>
+              </a:buClr>
+              <a:buSzPts val="1100"/>
+              <a:buFont typeface="Arial"/>
               <a:buNone/>
             </a:pPr>
             <a:r>
-              <a:rPr lang="en" dirty="0"/>
-              <a:t>Image of a Gaussian packet breaking up for no reaso</a:t>
+              <a:rPr lang="en" sz="1600" dirty="0"/>
+              <a:t>“Bohmian mechanics without pilot waves.” Bill Poirier, J. Chem. Phys. 2010.</a:t>
             </a:r>
+            <a:endParaRPr sz="1600" dirty="0"/>
+          </a:p>
+          <a:p>
+            <a:pPr marL="460375" lvl="0" indent="-460375" algn="l" rtl="0">
+              <a:lnSpc>
+                <a:spcPct val="100000"/>
+              </a:lnSpc>
+              <a:spcBef>
+                <a:spcPts val="800"/>
+              </a:spcBef>
+              <a:spcAft>
+                <a:spcPts val="0"/>
+              </a:spcAft>
+              <a:buNone/>
+            </a:pPr>
+            <a:endParaRPr lang="en" sz="1600" dirty="0"/>
+          </a:p>
+          <a:p>
+            <a:pPr marL="460375" lvl="0" indent="-460375" algn="l" rtl="0">
+              <a:lnSpc>
+                <a:spcPct val="100000"/>
+              </a:lnSpc>
+              <a:spcBef>
+                <a:spcPts val="800"/>
+              </a:spcBef>
+              <a:spcAft>
+                <a:spcPts val="0"/>
+              </a:spcAft>
+              <a:buNone/>
+            </a:pPr>
             <a:r>
-              <a:rPr lang="en-US" dirty="0"/>
-              <a:t>n</a:t>
+              <a:rPr lang="en" sz="1600" dirty="0"/>
+              <a:t>“Communication: Quantum mechanics without wavefunctions.” Jeremy Schiff &amp; Bill Poirier. J. Chem. Phys. 2012</a:t>
             </a:r>
             <a:endParaRPr dirty="0"/>
           </a:p>

--- a/presentation/Presentation.pptx
+++ b/presentation/Presentation.pptx
@@ -5,7 +5,7 @@
     <p:sldMasterId id="2147483659" r:id="rId1"/>
   </p:sldMasterIdLst>
   <p:notesMasterIdLst>
-    <p:notesMasterId r:id="rId11"/>
+    <p:notesMasterId r:id="rId12"/>
   </p:notesMasterIdLst>
   <p:sldIdLst>
     <p:sldId id="256" r:id="rId2"/>
@@ -16,7 +16,8 @@
     <p:sldId id="260" r:id="rId7"/>
     <p:sldId id="261" r:id="rId8"/>
     <p:sldId id="266" r:id="rId9"/>
-    <p:sldId id="264" r:id="rId10"/>
+    <p:sldId id="267" r:id="rId10"/>
+    <p:sldId id="264" r:id="rId11"/>
   </p:sldIdLst>
   <p:sldSz cx="9144000" cy="5143500" type="screen16x9"/>
   <p:notesSz cx="6858000" cy="9144000"/>
@@ -6367,6 +6368,196 @@
               <a:t>Mekki</a:t>
             </a:r>
             <a:endParaRPr sz="2000" dirty="0"/>
+          </a:p>
+        </p:txBody>
+      </p:sp>
+    </p:spTree>
+  </p:cSld>
+  <p:clrMapOvr>
+    <a:masterClrMapping/>
+  </p:clrMapOvr>
+</p:sld>
+</file>
+
+<file path=ppt/slides/slide10.xml><?xml version="1.0" encoding="utf-8"?>
+<p:sld xmlns:a="http://schemas.openxmlformats.org/drawingml/2006/main" xmlns:r="http://schemas.openxmlformats.org/officeDocument/2006/relationships" xmlns:p="http://schemas.openxmlformats.org/presentationml/2006/main">
+  <p:cSld>
+    <p:spTree>
+      <p:nvGrpSpPr>
+        <p:cNvPr id="1" name="Shape 102"/>
+        <p:cNvGrpSpPr/>
+        <p:nvPr/>
+      </p:nvGrpSpPr>
+      <p:grpSpPr>
+        <a:xfrm>
+          <a:off x="0" y="0"/>
+          <a:ext cx="0" cy="0"/>
+          <a:chOff x="0" y="0"/>
+          <a:chExt cx="0" cy="0"/>
+        </a:xfrm>
+      </p:grpSpPr>
+      <p:sp>
+        <p:nvSpPr>
+          <p:cNvPr id="103" name="Google Shape;103;p21"/>
+          <p:cNvSpPr txBox="1">
+            <a:spLocks noGrp="1"/>
+          </p:cNvSpPr>
+          <p:nvPr>
+            <p:ph type="title"/>
+          </p:nvPr>
+        </p:nvSpPr>
+        <p:spPr>
+          <a:xfrm>
+            <a:off x="311700" y="445025"/>
+            <a:ext cx="8520600" cy="572700"/>
+          </a:xfrm>
+          <a:prstGeom prst="rect">
+            <a:avLst/>
+          </a:prstGeom>
+        </p:spPr>
+        <p:txBody>
+          <a:bodyPr spcFirstLastPara="1" wrap="square" lIns="91425" tIns="91425" rIns="91425" bIns="91425" anchor="t" anchorCtr="0">
+            <a:noAutofit/>
+          </a:bodyPr>
+          <a:lstStyle/>
+          <a:p>
+            <a:pPr marL="0" lvl="0" indent="0" algn="l" rtl="0">
+              <a:spcBef>
+                <a:spcPts val="0"/>
+              </a:spcBef>
+              <a:spcAft>
+                <a:spcPts val="0"/>
+              </a:spcAft>
+              <a:buNone/>
+            </a:pPr>
+            <a:r>
+              <a:rPr lang="en"/>
+              <a:t>References</a:t>
+            </a:r>
+            <a:endParaRPr/>
+          </a:p>
+        </p:txBody>
+      </p:sp>
+      <p:sp>
+        <p:nvSpPr>
+          <p:cNvPr id="104" name="Google Shape;104;p21"/>
+          <p:cNvSpPr txBox="1">
+            <a:spLocks noGrp="1"/>
+          </p:cNvSpPr>
+          <p:nvPr>
+            <p:ph type="body" idx="1"/>
+          </p:nvPr>
+        </p:nvSpPr>
+        <p:spPr>
+          <a:xfrm>
+            <a:off x="311700" y="1152475"/>
+            <a:ext cx="8520600" cy="3416400"/>
+          </a:xfrm>
+          <a:prstGeom prst="rect">
+            <a:avLst/>
+          </a:prstGeom>
+        </p:spPr>
+        <p:txBody>
+          <a:bodyPr spcFirstLastPara="1" wrap="square" lIns="91425" tIns="91425" rIns="91425" bIns="91425" anchor="t" anchorCtr="0">
+            <a:noAutofit/>
+          </a:bodyPr>
+          <a:lstStyle/>
+          <a:p>
+            <a:pPr marL="460375" lvl="0" indent="-460375">
+              <a:lnSpc>
+                <a:spcPct val="100000"/>
+              </a:lnSpc>
+              <a:spcBef>
+                <a:spcPts val="800"/>
+              </a:spcBef>
+              <a:buNone/>
+            </a:pPr>
+            <a:r>
+              <a:rPr lang="en" sz="1600" dirty="0"/>
+              <a:t>“Overview of </a:t>
+            </a:r>
+            <a:r>
+              <a:rPr lang="en-US" sz="1600" dirty="0"/>
+              <a:t>Bohmian Mechanics.”</a:t>
+            </a:r>
+            <a:r>
+              <a:rPr lang="en" sz="1600" dirty="0"/>
+              <a:t> </a:t>
+            </a:r>
+            <a:r>
+              <a:rPr lang="en-US" sz="1600" dirty="0"/>
+              <a:t>Xavier Oriols &amp; Jordi Mompart. 2013.</a:t>
+            </a:r>
+          </a:p>
+          <a:p>
+            <a:pPr marL="460375" lvl="0" indent="-460375">
+              <a:lnSpc>
+                <a:spcPct val="100000"/>
+              </a:lnSpc>
+              <a:spcBef>
+                <a:spcPts val="800"/>
+              </a:spcBef>
+              <a:buNone/>
+            </a:pPr>
+            <a:endParaRPr sz="1600" dirty="0"/>
+          </a:p>
+          <a:p>
+            <a:pPr marL="460375" lvl="0" indent="-460375" algn="l" rtl="0">
+              <a:lnSpc>
+                <a:spcPct val="100000"/>
+              </a:lnSpc>
+              <a:spcBef>
+                <a:spcPts val="800"/>
+              </a:spcBef>
+              <a:spcAft>
+                <a:spcPts val="0"/>
+              </a:spcAft>
+              <a:buClr>
+                <a:schemeClr val="dk1"/>
+              </a:buClr>
+              <a:buSzPts val="1100"/>
+              <a:buFont typeface="Arial"/>
+              <a:buNone/>
+            </a:pPr>
+            <a:r>
+              <a:rPr lang="en" sz="1600" dirty="0"/>
+              <a:t>“Bohmian mechanics without pilot waves.” Bill Poirier, J. Chem. Phys. 2010.</a:t>
+            </a:r>
+            <a:endParaRPr sz="1600" dirty="0"/>
+          </a:p>
+          <a:p>
+            <a:pPr marL="460375" lvl="0" indent="-460375" algn="l" rtl="0">
+              <a:lnSpc>
+                <a:spcPct val="100000"/>
+              </a:lnSpc>
+              <a:spcBef>
+                <a:spcPts val="800"/>
+              </a:spcBef>
+              <a:spcAft>
+                <a:spcPts val="0"/>
+              </a:spcAft>
+              <a:buNone/>
+            </a:pPr>
+            <a:endParaRPr lang="en" sz="1600" dirty="0"/>
+          </a:p>
+          <a:p>
+            <a:pPr marL="460375" lvl="0" indent="-460375" algn="l" rtl="0">
+              <a:lnSpc>
+                <a:spcPct val="100000"/>
+              </a:lnSpc>
+              <a:spcBef>
+                <a:spcPts val="800"/>
+              </a:spcBef>
+              <a:spcAft>
+                <a:spcPts val="0"/>
+              </a:spcAft>
+              <a:buNone/>
+            </a:pPr>
+            <a:r>
+              <a:rPr lang="en" sz="1600" dirty="0"/>
+              <a:t>“Communication: Quantum mechanics without wavefunctions.” Jeremy Schiff &amp; Bill Poirier. J. Chem. Phys. 2012</a:t>
+            </a:r>
+            <a:endParaRPr dirty="0"/>
           </a:p>
         </p:txBody>
       </p:sp>
@@ -9130,8 +9321,8 @@
           </a:p>
         </p:txBody>
       </p:sp>
-      <mc:AlternateContent xmlns:mc="http://schemas.openxmlformats.org/markup-compatibility/2006">
-        <mc:Choice xmlns:a14="http://schemas.microsoft.com/office/drawing/2010/main" Requires="a14">
+      <mc:AlternateContent xmlns:mc="http://schemas.openxmlformats.org/markup-compatibility/2006" xmlns:a14="http://schemas.microsoft.com/office/drawing/2010/main">
+        <mc:Choice Requires="a14">
           <p:sp>
             <p:nvSpPr>
               <p:cNvPr id="5" name="TextBox 4">
@@ -9371,13 +9562,7 @@
                                     <a:rPr lang="en-US" sz="2400" b="0" i="1" smtClean="0">
                                       <a:latin typeface="Cambria Math" panose="02040503050406030204" pitchFamily="18" charset="0"/>
                                     </a:rPr>
-                                    <m:t>′</m:t>
-                                  </m:r>
-                                  <m:r>
-                                    <a:rPr lang="en-US" sz="2400" b="0" i="1" smtClean="0">
-                                      <a:latin typeface="Cambria Math" panose="02040503050406030204" pitchFamily="18" charset="0"/>
-                                    </a:rPr>
-                                    <m:t>′′</m:t>
+                                    <m:t>′′′</m:t>
                                   </m:r>
                                 </m:sup>
                               </m:sSup>
@@ -9499,13 +9684,7 @@
                                         <a:rPr lang="en-US" sz="2400" b="0" i="1" smtClean="0">
                                           <a:latin typeface="Cambria Math" panose="02040503050406030204" pitchFamily="18" charset="0"/>
                                         </a:rPr>
-                                        <m:t>′</m:t>
-                                      </m:r>
-                                      <m:r>
-                                        <a:rPr lang="en-US" sz="2400" b="0" i="1" smtClean="0">
-                                          <a:latin typeface="Cambria Math" panose="02040503050406030204" pitchFamily="18" charset="0"/>
-                                        </a:rPr>
-                                        <m:t>′</m:t>
+                                        <m:t>′′</m:t>
                                       </m:r>
                                     </m:sup>
                                   </m:sSup>
@@ -9579,7 +9758,7 @@
             </p:txBody>
           </p:sp>
         </mc:Choice>
-        <mc:Fallback>
+        <mc:Fallback xmlns="">
           <p:sp>
             <p:nvSpPr>
               <p:cNvPr id="5" name="TextBox 4">
@@ -9624,8 +9803,8 @@
           </p:sp>
         </mc:Fallback>
       </mc:AlternateContent>
-      <mc:AlternateContent xmlns:mc="http://schemas.openxmlformats.org/markup-compatibility/2006">
-        <mc:Choice xmlns:a14="http://schemas.microsoft.com/office/drawing/2010/main" Requires="a14">
+      <mc:AlternateContent xmlns:mc="http://schemas.openxmlformats.org/markup-compatibility/2006" xmlns:a14="http://schemas.microsoft.com/office/drawing/2010/main">
+        <mc:Choice Requires="a14">
           <p:sp>
             <p:nvSpPr>
               <p:cNvPr id="8" name="TextBox 7">
@@ -9707,7 +9886,7 @@
                       <m:f>
                         <m:fPr>
                           <m:ctrlPr>
-                            <a:rPr lang="en-US" sz="2400" b="0" smtClean="0">
+                            <a:rPr lang="en-US" sz="2400" b="0" i="1" smtClean="0">
                               <a:latin typeface="Cambria Math" panose="02040503050406030204" pitchFamily="18" charset="0"/>
                             </a:rPr>
                           </m:ctrlPr>
@@ -9749,7 +9928,7 @@
                           <m:begChr m:val="["/>
                           <m:endChr m:val="]"/>
                           <m:ctrlPr>
-                            <a:rPr lang="en-US" sz="2400" b="0" i="0" smtClean="0">
+                            <a:rPr lang="en-US" sz="2400" b="0" i="1" smtClean="0">
                               <a:latin typeface="Cambria Math" panose="02040503050406030204" pitchFamily="18" charset="0"/>
                             </a:rPr>
                           </m:ctrlPr>
@@ -9815,7 +9994,7 @@
                       <m:f>
                         <m:fPr>
                           <m:ctrlPr>
-                            <a:rPr lang="en-US" sz="2400">
+                            <a:rPr lang="en-US" sz="2400" i="1">
                               <a:latin typeface="Cambria Math" panose="02040503050406030204" pitchFamily="18" charset="0"/>
                             </a:rPr>
                           </m:ctrlPr>
@@ -9848,7 +10027,7 @@
                           <m:begChr m:val="["/>
                           <m:endChr m:val="]"/>
                           <m:ctrlPr>
-                            <a:rPr lang="en-US" sz="2400" b="0" i="0" smtClean="0">
+                            <a:rPr lang="en-US" sz="2400" b="0" i="1" smtClean="0">
                               <a:latin typeface="Cambria Math" panose="02040503050406030204" pitchFamily="18" charset="0"/>
                             </a:rPr>
                           </m:ctrlPr>
@@ -9921,7 +10100,7 @@
                       <m:f>
                         <m:fPr>
                           <m:ctrlPr>
-                            <a:rPr lang="en-US" sz="2400">
+                            <a:rPr lang="en-US" sz="2400" i="1">
                               <a:latin typeface="Cambria Math" panose="02040503050406030204" pitchFamily="18" charset="0"/>
                             </a:rPr>
                           </m:ctrlPr>
@@ -9930,7 +10109,7 @@
                           <m:sSup>
                             <m:sSupPr>
                               <m:ctrlPr>
-                                <a:rPr lang="en-US" sz="2400" b="0" smtClean="0">
+                                <a:rPr lang="en-US" sz="2400" b="0" i="1" smtClean="0">
                                   <a:latin typeface="Cambria Math" panose="02040503050406030204" pitchFamily="18" charset="0"/>
                                 </a:rPr>
                               </m:ctrlPr>
@@ -9969,7 +10148,7 @@
                           <m:sSup>
                             <m:sSupPr>
                               <m:ctrlPr>
-                                <a:rPr lang="en-US" sz="2400" b="0" smtClean="0">
+                                <a:rPr lang="en-US" sz="2400" b="0" i="1" smtClean="0">
                                   <a:latin typeface="Cambria Math" panose="02040503050406030204" pitchFamily="18" charset="0"/>
                                 </a:rPr>
                               </m:ctrlPr>
@@ -10001,7 +10180,7 @@
                           <m:begChr m:val="["/>
                           <m:endChr m:val="]"/>
                           <m:ctrlPr>
-                            <a:rPr lang="en-US" sz="2400" b="0" i="0" smtClean="0">
+                            <a:rPr lang="en-US" sz="2400" b="0" i="1" smtClean="0">
                               <a:latin typeface="Cambria Math" panose="02040503050406030204" pitchFamily="18" charset="0"/>
                             </a:rPr>
                           </m:ctrlPr>
@@ -10080,7 +10259,7 @@
                       <m:f>
                         <m:fPr>
                           <m:ctrlPr>
-                            <a:rPr lang="en-US" sz="2400">
+                            <a:rPr lang="en-US" sz="2400" i="1">
                               <a:latin typeface="Cambria Math" panose="02040503050406030204" pitchFamily="18" charset="0"/>
                             </a:rPr>
                           </m:ctrlPr>
@@ -10089,7 +10268,7 @@
                           <m:sSup>
                             <m:sSupPr>
                               <m:ctrlPr>
-                                <a:rPr lang="en-US" sz="2400" b="0" smtClean="0">
+                                <a:rPr lang="en-US" sz="2400" b="0" i="1" smtClean="0">
                                   <a:latin typeface="Cambria Math" panose="02040503050406030204" pitchFamily="18" charset="0"/>
                                 </a:rPr>
                               </m:ctrlPr>
@@ -10128,7 +10307,7 @@
                           <m:sSup>
                             <m:sSupPr>
                               <m:ctrlPr>
-                                <a:rPr lang="en-US" sz="2400" b="0" smtClean="0">
+                                <a:rPr lang="en-US" sz="2400" b="0" i="1" smtClean="0">
                                   <a:latin typeface="Cambria Math" panose="02040503050406030204" pitchFamily="18" charset="0"/>
                                 </a:rPr>
                               </m:ctrlPr>
@@ -10246,7 +10425,7 @@
             </p:txBody>
           </p:sp>
         </mc:Choice>
-        <mc:Fallback>
+        <mc:Fallback xmlns="">
           <p:sp>
             <p:nvSpPr>
               <p:cNvPr id="8" name="TextBox 7">
@@ -10291,8 +10470,8 @@
           </p:sp>
         </mc:Fallback>
       </mc:AlternateContent>
-      <mc:AlternateContent xmlns:mc="http://schemas.openxmlformats.org/markup-compatibility/2006">
-        <mc:Choice xmlns:a14="http://schemas.microsoft.com/office/drawing/2010/main" Requires="a14">
+      <mc:AlternateContent xmlns:mc="http://schemas.openxmlformats.org/markup-compatibility/2006" xmlns:a14="http://schemas.microsoft.com/office/drawing/2010/main">
+        <mc:Choice Requires="a14">
           <p:sp>
             <p:nvSpPr>
               <p:cNvPr id="9" name="TextBox 8">
@@ -10544,7 +10723,7 @@
             </p:txBody>
           </p:sp>
         </mc:Choice>
-        <mc:Fallback>
+        <mc:Fallback xmlns="">
           <p:sp>
             <p:nvSpPr>
               <p:cNvPr id="9" name="TextBox 8">
@@ -10804,8 +10983,8 @@
           </a:p>
         </p:txBody>
       </p:sp>
-      <mc:AlternateContent xmlns:mc="http://schemas.openxmlformats.org/markup-compatibility/2006">
-        <mc:Choice xmlns:a14="http://schemas.microsoft.com/office/drawing/2010/main" Requires="a14">
+      <mc:AlternateContent xmlns:mc="http://schemas.openxmlformats.org/markup-compatibility/2006" xmlns:a14="http://schemas.microsoft.com/office/drawing/2010/main">
+        <mc:Choice Requires="a14">
           <p:sp>
             <p:nvSpPr>
               <p:cNvPr id="5" name="TextBox 4">
@@ -11291,7 +11470,7 @@
             </p:txBody>
           </p:sp>
         </mc:Choice>
-        <mc:Fallback>
+        <mc:Fallback xmlns="">
           <p:sp>
             <p:nvSpPr>
               <p:cNvPr id="5" name="TextBox 4">
@@ -11336,8 +11515,8 @@
           </p:sp>
         </mc:Fallback>
       </mc:AlternateContent>
-      <mc:AlternateContent xmlns:mc="http://schemas.openxmlformats.org/markup-compatibility/2006">
-        <mc:Choice xmlns:a14="http://schemas.microsoft.com/office/drawing/2010/main" Requires="a14">
+      <mc:AlternateContent xmlns:mc="http://schemas.openxmlformats.org/markup-compatibility/2006" xmlns:a14="http://schemas.microsoft.com/office/drawing/2010/main">
+        <mc:Choice Requires="a14">
           <p:sp>
             <p:nvSpPr>
               <p:cNvPr id="6" name="TextBox 5">
@@ -11436,7 +11615,7 @@
             </p:txBody>
           </p:sp>
         </mc:Choice>
-        <mc:Fallback>
+        <mc:Fallback xmlns="">
           <p:sp>
             <p:nvSpPr>
               <p:cNvPr id="6" name="TextBox 5">
@@ -11577,7 +11756,7 @@
   <p:cSld>
     <p:spTree>
       <p:nvGrpSpPr>
-        <p:cNvPr id="1" name="Shape 102"/>
+        <p:cNvPr id="1" name=""/>
         <p:cNvGrpSpPr/>
         <p:nvPr/>
       </p:nvGrpSpPr>
@@ -11591,170 +11770,116 @@
       </p:grpSpPr>
       <p:sp>
         <p:nvSpPr>
-          <p:cNvPr id="103" name="Google Shape;103;p21"/>
-          <p:cNvSpPr txBox="1">
+          <p:cNvPr id="2" name="Title 1">
+            <a:extLst>
+              <a:ext uri="{FF2B5EF4-FFF2-40B4-BE49-F238E27FC236}">
+                <a16:creationId xmlns:a16="http://schemas.microsoft.com/office/drawing/2014/main" id="{D4A74168-FFD9-45C8-9087-50BDCAF05665}"/>
+              </a:ext>
+            </a:extLst>
+          </p:cNvPr>
+          <p:cNvSpPr>
             <a:spLocks noGrp="1"/>
           </p:cNvSpPr>
           <p:nvPr>
             <p:ph type="title"/>
           </p:nvPr>
         </p:nvSpPr>
-        <p:spPr>
-          <a:xfrm>
-            <a:off x="311700" y="445025"/>
-            <a:ext cx="8520600" cy="572700"/>
-          </a:xfrm>
-          <a:prstGeom prst="rect">
-            <a:avLst/>
-          </a:prstGeom>
-        </p:spPr>
+        <p:spPr/>
         <p:txBody>
-          <a:bodyPr spcFirstLastPara="1" wrap="square" lIns="91425" tIns="91425" rIns="91425" bIns="91425" anchor="t" anchorCtr="0">
-            <a:noAutofit/>
-          </a:bodyPr>
+          <a:bodyPr/>
           <a:lstStyle/>
           <a:p>
-            <a:pPr marL="0" lvl="0" indent="0" algn="l" rtl="0">
-              <a:spcBef>
-                <a:spcPts val="0"/>
-              </a:spcBef>
-              <a:spcAft>
-                <a:spcPts val="0"/>
-              </a:spcAft>
-              <a:buNone/>
-            </a:pPr>
             <a:r>
-              <a:rPr lang="en"/>
-              <a:t>References</a:t>
+              <a:rPr lang="en-US" dirty="0"/>
+              <a:t>Next Steps: Hybrid Approach</a:t>
             </a:r>
-            <a:endParaRPr/>
           </a:p>
         </p:txBody>
       </p:sp>
       <p:sp>
         <p:nvSpPr>
-          <p:cNvPr id="104" name="Google Shape;104;p21"/>
-          <p:cNvSpPr txBox="1">
-            <a:spLocks noGrp="1"/>
-          </p:cNvSpPr>
-          <p:nvPr>
-            <p:ph type="body" idx="1"/>
-          </p:nvPr>
+          <p:cNvPr id="4" name="TextBox 3">
+            <a:extLst>
+              <a:ext uri="{FF2B5EF4-FFF2-40B4-BE49-F238E27FC236}">
+                <a16:creationId xmlns:a16="http://schemas.microsoft.com/office/drawing/2014/main" id="{968DE145-09B4-4F49-9AF6-EDAB7469CD1E}"/>
+              </a:ext>
+            </a:extLst>
+          </p:cNvPr>
+          <p:cNvSpPr txBox="1"/>
+          <p:nvPr/>
         </p:nvSpPr>
         <p:spPr>
           <a:xfrm>
-            <a:off x="311700" y="1152475"/>
-            <a:ext cx="8520600" cy="3416400"/>
+            <a:off x="706582" y="1281545"/>
+            <a:ext cx="7613073" cy="2741776"/>
           </a:xfrm>
           <a:prstGeom prst="rect">
             <a:avLst/>
           </a:prstGeom>
+          <a:noFill/>
         </p:spPr>
         <p:txBody>
-          <a:bodyPr spcFirstLastPara="1" wrap="square" lIns="91425" tIns="91425" rIns="91425" bIns="91425" anchor="t" anchorCtr="0">
-            <a:noAutofit/>
+          <a:bodyPr wrap="square" rtlCol="0">
+            <a:spAutoFit/>
           </a:bodyPr>
           <a:lstStyle/>
           <a:p>
-            <a:pPr marL="460375" lvl="0" indent="-460375">
+            <a:pPr marL="285750" indent="-285750">
               <a:lnSpc>
-                <a:spcPct val="100000"/>
+                <a:spcPct val="250000"/>
               </a:lnSpc>
-              <a:spcBef>
-                <a:spcPts val="800"/>
-              </a:spcBef>
-              <a:buNone/>
+              <a:buFont typeface="Arial" panose="020B0604020202020204" pitchFamily="34" charset="0"/>
+              <a:buChar char="•"/>
             </a:pPr>
             <a:r>
-              <a:rPr lang="en" sz="1600" dirty="0"/>
-              <a:t>“Overview of </a:t>
-            </a:r>
-            <a:r>
-              <a:rPr lang="en-US" sz="1600" dirty="0"/>
-              <a:t>Bohmian Mechanics.”</a:t>
-            </a:r>
-            <a:r>
-              <a:rPr lang="en" sz="1600" dirty="0"/>
-              <a:t> </a:t>
-            </a:r>
-            <a:r>
-              <a:rPr lang="en-US" sz="1600" dirty="0"/>
-              <a:t>Xavier Oriols &amp; Jordi Mompart. 2013.</a:t>
+              <a:rPr lang="en-US" sz="1800" dirty="0"/>
+              <a:t>Use NN for initial “guesses”</a:t>
             </a:r>
           </a:p>
           <a:p>
-            <a:pPr marL="460375" lvl="0" indent="-460375">
+            <a:pPr marL="285750" indent="-285750">
               <a:lnSpc>
-                <a:spcPct val="100000"/>
+                <a:spcPct val="250000"/>
               </a:lnSpc>
-              <a:spcBef>
-                <a:spcPts val="800"/>
-              </a:spcBef>
-              <a:buNone/>
+              <a:buFont typeface="Arial" panose="020B0604020202020204" pitchFamily="34" charset="0"/>
+              <a:buChar char="•"/>
             </a:pPr>
-            <a:endParaRPr sz="1600" dirty="0"/>
+            <a:r>
+              <a:rPr lang="en-US" sz="1800" dirty="0"/>
+              <a:t>Run BVP solver to refine predictions</a:t>
+            </a:r>
           </a:p>
           <a:p>
-            <a:pPr marL="460375" lvl="0" indent="-460375" algn="l" rtl="0">
+            <a:pPr marL="285750" indent="-285750">
               <a:lnSpc>
-                <a:spcPct val="100000"/>
+                <a:spcPct val="250000"/>
               </a:lnSpc>
-              <a:spcBef>
-                <a:spcPts val="800"/>
-              </a:spcBef>
-              <a:spcAft>
-                <a:spcPts val="0"/>
-              </a:spcAft>
-              <a:buClr>
-                <a:schemeClr val="dk1"/>
-              </a:buClr>
-              <a:buSzPts val="1100"/>
-              <a:buFont typeface="Arial"/>
-              <a:buNone/>
+              <a:buFont typeface="Arial" panose="020B0604020202020204" pitchFamily="34" charset="0"/>
+              <a:buChar char="•"/>
             </a:pPr>
             <a:r>
-              <a:rPr lang="en" sz="1600" dirty="0"/>
-              <a:t>“Bohmian mechanics without pilot waves.” Bill Poirier, J. Chem. Phys. 2010.</a:t>
+              <a:rPr lang="en-US" sz="1800" b="1" dirty="0"/>
+              <a:t>Use information from both for more stability &amp; accuracy</a:t>
             </a:r>
-            <a:endParaRPr sz="1600" dirty="0"/>
           </a:p>
           <a:p>
-            <a:pPr marL="460375" lvl="0" indent="-460375" algn="l" rtl="0">
+            <a:pPr marL="285750" indent="-285750">
               <a:lnSpc>
-                <a:spcPct val="100000"/>
+                <a:spcPct val="250000"/>
               </a:lnSpc>
-              <a:spcBef>
-                <a:spcPts val="800"/>
-              </a:spcBef>
-              <a:spcAft>
-                <a:spcPts val="0"/>
-              </a:spcAft>
-              <a:buNone/>
+              <a:buFont typeface="Arial" panose="020B0604020202020204" pitchFamily="34" charset="0"/>
+              <a:buChar char="•"/>
             </a:pPr>
-            <a:endParaRPr lang="en" sz="1600" dirty="0"/>
-          </a:p>
-          <a:p>
-            <a:pPr marL="460375" lvl="0" indent="-460375" algn="l" rtl="0">
-              <a:lnSpc>
-                <a:spcPct val="100000"/>
-              </a:lnSpc>
-              <a:spcBef>
-                <a:spcPts val="800"/>
-              </a:spcBef>
-              <a:spcAft>
-                <a:spcPts val="0"/>
-              </a:spcAft>
-              <a:buNone/>
-            </a:pPr>
-            <a:r>
-              <a:rPr lang="en" sz="1600" dirty="0"/>
-              <a:t>“Communication: Quantum mechanics without wavefunctions.” Jeremy Schiff &amp; Bill Poirier. J. Chem. Phys. 2012</a:t>
-            </a:r>
-            <a:endParaRPr dirty="0"/>
+            <a:endParaRPr lang="en-US" sz="1800" dirty="0"/>
           </a:p>
         </p:txBody>
       </p:sp>
     </p:spTree>
+    <p:extLst>
+      <p:ext uri="{BB962C8B-B14F-4D97-AF65-F5344CB8AC3E}">
+        <p14:creationId xmlns:p14="http://schemas.microsoft.com/office/powerpoint/2010/main" val="3664651073"/>
+      </p:ext>
+    </p:extLst>
   </p:cSld>
   <p:clrMapOvr>
     <a:masterClrMapping/>

--- a/presentation/Presentation.pptx
+++ b/presentation/Presentation.pptx
@@ -10,10 +10,10 @@
   <p:sldIdLst>
     <p:sldId id="256" r:id="rId2"/>
     <p:sldId id="265" r:id="rId3"/>
-    <p:sldId id="257" r:id="rId4"/>
-    <p:sldId id="258" r:id="rId5"/>
-    <p:sldId id="259" r:id="rId6"/>
-    <p:sldId id="260" r:id="rId7"/>
+    <p:sldId id="260" r:id="rId4"/>
+    <p:sldId id="257" r:id="rId5"/>
+    <p:sldId id="258" r:id="rId6"/>
+    <p:sldId id="259" r:id="rId7"/>
     <p:sldId id="261" r:id="rId8"/>
     <p:sldId id="266" r:id="rId9"/>
     <p:sldId id="267" r:id="rId10"/>
@@ -817,6 +817,110 @@
   <p:cSld>
     <p:spTree>
       <p:nvGrpSpPr>
+        <p:cNvPr id="1" name="Shape 75"/>
+        <p:cNvGrpSpPr/>
+        <p:nvPr/>
+      </p:nvGrpSpPr>
+      <p:grpSpPr>
+        <a:xfrm>
+          <a:off x="0" y="0"/>
+          <a:ext cx="0" cy="0"/>
+          <a:chOff x="0" y="0"/>
+          <a:chExt cx="0" cy="0"/>
+        </a:xfrm>
+      </p:grpSpPr>
+      <p:sp>
+        <p:nvSpPr>
+          <p:cNvPr id="76" name="Google Shape;76;g36ab5a8a21138d72_16:notes"/>
+          <p:cNvSpPr>
+            <a:spLocks noGrp="1" noRot="1" noChangeAspect="1"/>
+          </p:cNvSpPr>
+          <p:nvPr>
+            <p:ph type="sldImg" idx="2"/>
+          </p:nvPr>
+        </p:nvSpPr>
+        <p:spPr>
+          <a:xfrm>
+            <a:off x="381000" y="685800"/>
+            <a:ext cx="6096000" cy="3429000"/>
+          </a:xfrm>
+          <a:custGeom>
+            <a:avLst/>
+            <a:gdLst/>
+            <a:ahLst/>
+            <a:cxnLst/>
+            <a:rect l="l" t="t" r="r" b="b"/>
+            <a:pathLst>
+              <a:path w="120000" h="120000" extrusionOk="0">
+                <a:moveTo>
+                  <a:pt x="0" y="0"/>
+                </a:moveTo>
+                <a:lnTo>
+                  <a:pt x="120000" y="0"/>
+                </a:lnTo>
+                <a:lnTo>
+                  <a:pt x="120000" y="120000"/>
+                </a:lnTo>
+                <a:lnTo>
+                  <a:pt x="0" y="120000"/>
+                </a:lnTo>
+                <a:close/>
+              </a:path>
+            </a:pathLst>
+          </a:custGeom>
+        </p:spPr>
+      </p:sp>
+      <p:sp>
+        <p:nvSpPr>
+          <p:cNvPr id="77" name="Google Shape;77;g36ab5a8a21138d72_16:notes"/>
+          <p:cNvSpPr txBox="1">
+            <a:spLocks noGrp="1"/>
+          </p:cNvSpPr>
+          <p:nvPr>
+            <p:ph type="body" idx="1"/>
+          </p:nvPr>
+        </p:nvSpPr>
+        <p:spPr>
+          <a:xfrm>
+            <a:off x="685800" y="4343400"/>
+            <a:ext cx="5486400" cy="4114800"/>
+          </a:xfrm>
+          <a:prstGeom prst="rect">
+            <a:avLst/>
+          </a:prstGeom>
+        </p:spPr>
+        <p:txBody>
+          <a:bodyPr spcFirstLastPara="1" wrap="square" lIns="91425" tIns="91425" rIns="91425" bIns="91425" anchor="t" anchorCtr="0">
+            <a:noAutofit/>
+          </a:bodyPr>
+          <a:lstStyle/>
+          <a:p>
+            <a:pPr marL="0" lvl="0" indent="0" algn="l" rtl="0">
+              <a:spcBef>
+                <a:spcPts val="0"/>
+              </a:spcBef>
+              <a:spcAft>
+                <a:spcPts val="0"/>
+              </a:spcAft>
+              <a:buNone/>
+            </a:pPr>
+            <a:endParaRPr/>
+          </a:p>
+        </p:txBody>
+      </p:sp>
+    </p:spTree>
+  </p:cSld>
+  <p:clrMapOvr>
+    <a:masterClrMapping/>
+  </p:clrMapOvr>
+</p:notes>
+</file>
+
+<file path=ppt/notesSlides/notesSlide3.xml><?xml version="1.0" encoding="utf-8"?>
+<p:notes xmlns:a="http://schemas.openxmlformats.org/drawingml/2006/main" xmlns:r="http://schemas.openxmlformats.org/officeDocument/2006/relationships" xmlns:p="http://schemas.openxmlformats.org/presentationml/2006/main" showMasterSp="0" showMasterPhAnim="0">
+  <p:cSld>
+    <p:spTree>
+      <p:nvGrpSpPr>
         <p:cNvPr id="1" name="Shape 56"/>
         <p:cNvGrpSpPr/>
         <p:nvPr/>
@@ -916,7 +1020,7 @@
 </p:notes>
 </file>
 
-<file path=ppt/notesSlides/notesSlide3.xml><?xml version="1.0" encoding="utf-8"?>
+<file path=ppt/notesSlides/notesSlide4.xml><?xml version="1.0" encoding="utf-8"?>
 <p:notes xmlns:a="http://schemas.openxmlformats.org/drawingml/2006/main" xmlns:r="http://schemas.openxmlformats.org/officeDocument/2006/relationships" xmlns:p="http://schemas.openxmlformats.org/presentationml/2006/main" showMasterSp="0" showMasterPhAnim="0">
   <p:cSld>
     <p:spTree>
@@ -1020,7 +1124,7 @@
 </p:notes>
 </file>
 
-<file path=ppt/notesSlides/notesSlide4.xml><?xml version="1.0" encoding="utf-8"?>
+<file path=ppt/notesSlides/notesSlide5.xml><?xml version="1.0" encoding="utf-8"?>
 <p:notes xmlns:a="http://schemas.openxmlformats.org/drawingml/2006/main" xmlns:r="http://schemas.openxmlformats.org/officeDocument/2006/relationships" xmlns:p="http://schemas.openxmlformats.org/presentationml/2006/main" showMasterSp="0" showMasterPhAnim="0">
   <p:cSld>
     <p:spTree>
@@ -1081,110 +1185,6 @@
       <p:sp>
         <p:nvSpPr>
           <p:cNvPr id="70" name="Google Shape;70;g36ab5a8a21138d72_10:notes"/>
-          <p:cNvSpPr txBox="1">
-            <a:spLocks noGrp="1"/>
-          </p:cNvSpPr>
-          <p:nvPr>
-            <p:ph type="body" idx="1"/>
-          </p:nvPr>
-        </p:nvSpPr>
-        <p:spPr>
-          <a:xfrm>
-            <a:off x="685800" y="4343400"/>
-            <a:ext cx="5486400" cy="4114800"/>
-          </a:xfrm>
-          <a:prstGeom prst="rect">
-            <a:avLst/>
-          </a:prstGeom>
-        </p:spPr>
-        <p:txBody>
-          <a:bodyPr spcFirstLastPara="1" wrap="square" lIns="91425" tIns="91425" rIns="91425" bIns="91425" anchor="t" anchorCtr="0">
-            <a:noAutofit/>
-          </a:bodyPr>
-          <a:lstStyle/>
-          <a:p>
-            <a:pPr marL="0" lvl="0" indent="0" algn="l" rtl="0">
-              <a:spcBef>
-                <a:spcPts val="0"/>
-              </a:spcBef>
-              <a:spcAft>
-                <a:spcPts val="0"/>
-              </a:spcAft>
-              <a:buNone/>
-            </a:pPr>
-            <a:endParaRPr/>
-          </a:p>
-        </p:txBody>
-      </p:sp>
-    </p:spTree>
-  </p:cSld>
-  <p:clrMapOvr>
-    <a:masterClrMapping/>
-  </p:clrMapOvr>
-</p:notes>
-</file>
-
-<file path=ppt/notesSlides/notesSlide5.xml><?xml version="1.0" encoding="utf-8"?>
-<p:notes xmlns:a="http://schemas.openxmlformats.org/drawingml/2006/main" xmlns:r="http://schemas.openxmlformats.org/officeDocument/2006/relationships" xmlns:p="http://schemas.openxmlformats.org/presentationml/2006/main" showMasterSp="0" showMasterPhAnim="0">
-  <p:cSld>
-    <p:spTree>
-      <p:nvGrpSpPr>
-        <p:cNvPr id="1" name="Shape 75"/>
-        <p:cNvGrpSpPr/>
-        <p:nvPr/>
-      </p:nvGrpSpPr>
-      <p:grpSpPr>
-        <a:xfrm>
-          <a:off x="0" y="0"/>
-          <a:ext cx="0" cy="0"/>
-          <a:chOff x="0" y="0"/>
-          <a:chExt cx="0" cy="0"/>
-        </a:xfrm>
-      </p:grpSpPr>
-      <p:sp>
-        <p:nvSpPr>
-          <p:cNvPr id="76" name="Google Shape;76;g36ab5a8a21138d72_16:notes"/>
-          <p:cNvSpPr>
-            <a:spLocks noGrp="1" noRot="1" noChangeAspect="1"/>
-          </p:cNvSpPr>
-          <p:nvPr>
-            <p:ph type="sldImg" idx="2"/>
-          </p:nvPr>
-        </p:nvSpPr>
-        <p:spPr>
-          <a:xfrm>
-            <a:off x="381000" y="685800"/>
-            <a:ext cx="6096000" cy="3429000"/>
-          </a:xfrm>
-          <a:custGeom>
-            <a:avLst/>
-            <a:gdLst/>
-            <a:ahLst/>
-            <a:cxnLst/>
-            <a:rect l="l" t="t" r="r" b="b"/>
-            <a:pathLst>
-              <a:path w="120000" h="120000" extrusionOk="0">
-                <a:moveTo>
-                  <a:pt x="0" y="0"/>
-                </a:moveTo>
-                <a:lnTo>
-                  <a:pt x="120000" y="0"/>
-                </a:lnTo>
-                <a:lnTo>
-                  <a:pt x="120000" y="120000"/>
-                </a:lnTo>
-                <a:lnTo>
-                  <a:pt x="0" y="120000"/>
-                </a:lnTo>
-                <a:close/>
-              </a:path>
-            </a:pathLst>
-          </a:custGeom>
-        </p:spPr>
-      </p:sp>
-      <p:sp>
-        <p:nvSpPr>
-          <p:cNvPr id="77" name="Google Shape;77;g36ab5a8a21138d72_16:notes"/>
           <p:cNvSpPr txBox="1">
             <a:spLocks noGrp="1"/>
           </p:cNvSpPr>
@@ -5561,7 +5561,7 @@
     <p:sldLayoutId id="2147483657" r:id="rId10"/>
     <p:sldLayoutId id="2147483658" r:id="rId11"/>
   </p:sldLayoutIdLst>
-  <p:hf sldNum="0" hdr="0" ftr="0" dt="0"/>
+  <p:hf hdr="0" ftr="0" dt="0"/>
   <p:txStyles>
     <p:titleStyle>
       <a:defPPr marR="0" lvl="0" algn="l" rtl="0">
@@ -6371,6 +6371,44 @@
           </a:p>
         </p:txBody>
       </p:sp>
+      <p:sp>
+        <p:nvSpPr>
+          <p:cNvPr id="5" name="Slide Number Placeholder 4">
+            <a:extLst>
+              <a:ext uri="{FF2B5EF4-FFF2-40B4-BE49-F238E27FC236}">
+                <a16:creationId xmlns:a16="http://schemas.microsoft.com/office/drawing/2014/main" id="{7A867039-A270-422F-9193-4CA50171F571}"/>
+              </a:ext>
+            </a:extLst>
+          </p:cNvPr>
+          <p:cNvSpPr>
+            <a:spLocks noGrp="1"/>
+          </p:cNvSpPr>
+          <p:nvPr>
+            <p:ph type="sldNum" idx="12"/>
+          </p:nvPr>
+        </p:nvSpPr>
+        <p:spPr/>
+        <p:txBody>
+          <a:bodyPr/>
+          <a:lstStyle/>
+          <a:p>
+            <a:pPr marL="0" lvl="0" indent="0" algn="r" rtl="0">
+              <a:spcBef>
+                <a:spcPts val="0"/>
+              </a:spcBef>
+              <a:spcAft>
+                <a:spcPts val="0"/>
+              </a:spcAft>
+              <a:buNone/>
+            </a:pPr>
+            <a:fld id="{00000000-1234-1234-1234-123412341234}" type="slidenum">
+              <a:rPr lang="en" smtClean="0"/>
+              <a:t>1</a:t>
+            </a:fld>
+            <a:endParaRPr lang="en"/>
+          </a:p>
+        </p:txBody>
+      </p:sp>
     </p:spTree>
   </p:cSld>
   <p:clrMapOvr>
@@ -6561,6 +6599,44 @@
           </a:p>
         </p:txBody>
       </p:sp>
+      <p:sp>
+        <p:nvSpPr>
+          <p:cNvPr id="3" name="Slide Number Placeholder 2">
+            <a:extLst>
+              <a:ext uri="{FF2B5EF4-FFF2-40B4-BE49-F238E27FC236}">
+                <a16:creationId xmlns:a16="http://schemas.microsoft.com/office/drawing/2014/main" id="{E78403C9-EBD6-45BF-8154-17F80AF86999}"/>
+              </a:ext>
+            </a:extLst>
+          </p:cNvPr>
+          <p:cNvSpPr>
+            <a:spLocks noGrp="1"/>
+          </p:cNvSpPr>
+          <p:nvPr>
+            <p:ph type="sldNum" idx="12"/>
+          </p:nvPr>
+        </p:nvSpPr>
+        <p:spPr/>
+        <p:txBody>
+          <a:bodyPr/>
+          <a:lstStyle/>
+          <a:p>
+            <a:pPr marL="0" lvl="0" indent="0" algn="r" rtl="0">
+              <a:spcBef>
+                <a:spcPts val="0"/>
+              </a:spcBef>
+              <a:spcAft>
+                <a:spcPts val="0"/>
+              </a:spcAft>
+              <a:buNone/>
+            </a:pPr>
+            <a:fld id="{00000000-1234-1234-1234-123412341234}" type="slidenum">
+              <a:rPr lang="en" smtClean="0"/>
+              <a:t>10</a:t>
+            </a:fld>
+            <a:endParaRPr lang="en"/>
+          </a:p>
+        </p:txBody>
+      </p:sp>
     </p:spTree>
   </p:cSld>
   <p:clrMapOvr>
@@ -6609,7 +6685,7 @@
           <a:p>
             <a:r>
               <a:rPr lang="en-US" dirty="0"/>
-              <a:t>Features of Trajectory-Based Methods</a:t>
+              <a:t>Features of Trajectory-Based Theories</a:t>
             </a:r>
           </a:p>
         </p:txBody>
@@ -6664,7 +6740,7 @@
             </a:pPr>
             <a:r>
               <a:rPr lang="en-US" sz="1800" dirty="0"/>
-              <a:t>Uncertainties from initial conditions</a:t>
+              <a:t>Particles follow certain trajectories</a:t>
             </a:r>
           </a:p>
           <a:p>
@@ -6677,7 +6753,7 @@
             </a:pPr>
             <a:r>
               <a:rPr lang="en-US" sz="1800" dirty="0"/>
-              <a:t>Same predictions as Copenhagen QM</a:t>
+              <a:t>Same predictions as standard QM</a:t>
             </a:r>
           </a:p>
           <a:p>
@@ -6686,6 +6762,44 @@
               <a:buChar char="•"/>
             </a:pPr>
             <a:endParaRPr lang="en-US" sz="1800" dirty="0"/>
+          </a:p>
+        </p:txBody>
+      </p:sp>
+      <p:sp>
+        <p:nvSpPr>
+          <p:cNvPr id="6" name="Slide Number Placeholder 5">
+            <a:extLst>
+              <a:ext uri="{FF2B5EF4-FFF2-40B4-BE49-F238E27FC236}">
+                <a16:creationId xmlns:a16="http://schemas.microsoft.com/office/drawing/2014/main" id="{2D767755-FEC3-4131-9DA0-71A3CC26E9C9}"/>
+              </a:ext>
+            </a:extLst>
+          </p:cNvPr>
+          <p:cNvSpPr>
+            <a:spLocks noGrp="1"/>
+          </p:cNvSpPr>
+          <p:nvPr>
+            <p:ph type="sldNum" idx="12"/>
+          </p:nvPr>
+        </p:nvSpPr>
+        <p:spPr/>
+        <p:txBody>
+          <a:bodyPr/>
+          <a:lstStyle/>
+          <a:p>
+            <a:pPr marL="0" lvl="0" indent="0" algn="r" rtl="0">
+              <a:spcBef>
+                <a:spcPts val="0"/>
+              </a:spcBef>
+              <a:spcAft>
+                <a:spcPts val="0"/>
+              </a:spcAft>
+              <a:buNone/>
+            </a:pPr>
+            <a:fld id="{00000000-1234-1234-1234-123412341234}" type="slidenum">
+              <a:rPr lang="en" smtClean="0"/>
+              <a:t>2</a:t>
+            </a:fld>
+            <a:endParaRPr lang="en"/>
           </a:p>
         </p:txBody>
       </p:sp>
@@ -6703,1117 +6817,6 @@
 </file>
 
 <file path=ppt/slides/slide3.xml><?xml version="1.0" encoding="utf-8"?>
-<p:sld xmlns:a="http://schemas.openxmlformats.org/drawingml/2006/main" xmlns:r="http://schemas.openxmlformats.org/officeDocument/2006/relationships" xmlns:p="http://schemas.openxmlformats.org/presentationml/2006/main">
-  <p:cSld>
-    <p:spTree>
-      <p:nvGrpSpPr>
-        <p:cNvPr id="1" name="Shape 59"/>
-        <p:cNvGrpSpPr/>
-        <p:nvPr/>
-      </p:nvGrpSpPr>
-      <p:grpSpPr>
-        <a:xfrm>
-          <a:off x="0" y="0"/>
-          <a:ext cx="0" cy="0"/>
-          <a:chOff x="0" y="0"/>
-          <a:chExt cx="0" cy="0"/>
-        </a:xfrm>
-      </p:grpSpPr>
-      <p:sp>
-        <p:nvSpPr>
-          <p:cNvPr id="60" name="Google Shape;60;p14"/>
-          <p:cNvSpPr txBox="1">
-            <a:spLocks noGrp="1"/>
-          </p:cNvSpPr>
-          <p:nvPr>
-            <p:ph type="title"/>
-          </p:nvPr>
-        </p:nvSpPr>
-        <p:spPr>
-          <a:xfrm>
-            <a:off x="311700" y="445025"/>
-            <a:ext cx="8520600" cy="572700"/>
-          </a:xfrm>
-          <a:prstGeom prst="rect">
-            <a:avLst/>
-          </a:prstGeom>
-        </p:spPr>
-        <p:txBody>
-          <a:bodyPr spcFirstLastPara="1" wrap="square" lIns="91425" tIns="91425" rIns="91425" bIns="91425" anchor="t" anchorCtr="0">
-            <a:noAutofit/>
-          </a:bodyPr>
-          <a:lstStyle/>
-          <a:p>
-            <a:pPr marL="0" lvl="0" indent="0" algn="l" rtl="0">
-              <a:spcBef>
-                <a:spcPts val="0"/>
-              </a:spcBef>
-              <a:spcAft>
-                <a:spcPts val="0"/>
-              </a:spcAft>
-              <a:buNone/>
-            </a:pPr>
-            <a:r>
-              <a:rPr lang="en" dirty="0"/>
-              <a:t>Crank-Nicolson </a:t>
-            </a:r>
-            <a:r>
-              <a:rPr lang="en-US" dirty="0"/>
-              <a:t>Method </a:t>
-            </a:r>
-            <a:r>
-              <a:rPr lang="en" dirty="0"/>
-              <a:t>for TDSE</a:t>
-            </a:r>
-            <a:endParaRPr dirty="0"/>
-          </a:p>
-        </p:txBody>
-      </p:sp>
-      <p:pic>
-        <p:nvPicPr>
-          <p:cNvPr id="4" name="barrier">
-            <a:hlinkClick r:id="" action="ppaction://media"/>
-            <a:extLst>
-              <a:ext uri="{FF2B5EF4-FFF2-40B4-BE49-F238E27FC236}">
-                <a16:creationId xmlns:a16="http://schemas.microsoft.com/office/drawing/2014/main" id="{77CB29EB-5A9E-4F1A-A143-7567395CF0B7}"/>
-              </a:ext>
-            </a:extLst>
-          </p:cNvPr>
-          <p:cNvPicPr>
-            <a:picLocks noChangeAspect="1"/>
-          </p:cNvPicPr>
-          <p:nvPr>
-            <a:videoFile r:link="rId2"/>
-            <p:extLst>
-              <p:ext uri="{DAA4B4D4-6D71-4841-9C94-3DE7FCFB9230}">
-                <p14:media xmlns:p14="http://schemas.microsoft.com/office/powerpoint/2010/main" r:embed="rId1"/>
-              </p:ext>
-            </p:extLst>
-          </p:nvPr>
-        </p:nvPicPr>
-        <p:blipFill rotWithShape="1">
-          <a:blip r:embed="rId5"/>
-          <a:srcRect l="4189" t="7268" r="8025"/>
-          <a:stretch/>
-        </p:blipFill>
-        <p:spPr>
-          <a:xfrm>
-            <a:off x="1636969" y="1125415"/>
-            <a:ext cx="4974848" cy="3941352"/>
-          </a:xfrm>
-          <a:prstGeom prst="rect">
-            <a:avLst/>
-          </a:prstGeom>
-        </p:spPr>
-      </p:pic>
-    </p:spTree>
-  </p:cSld>
-  <p:clrMapOvr>
-    <a:masterClrMapping/>
-  </p:clrMapOvr>
-  <p:timing>
-    <p:tnLst>
-      <p:par>
-        <p:cTn id="1" dur="indefinite" restart="never" nodeType="tmRoot">
-          <p:childTnLst>
-            <p:seq concurrent="1" nextAc="seek">
-              <p:cTn id="2" dur="indefinite" nodeType="mainSeq">
-                <p:childTnLst>
-                  <p:par>
-                    <p:cTn id="3" fill="hold">
-                      <p:stCondLst>
-                        <p:cond delay="indefinite"/>
-                      </p:stCondLst>
-                      <p:childTnLst>
-                        <p:par>
-                          <p:cTn id="4" fill="hold">
-                            <p:stCondLst>
-                              <p:cond delay="0"/>
-                            </p:stCondLst>
-                            <p:childTnLst>
-                              <p:par>
-                                <p:cTn id="5" presetID="1" presetClass="mediacall" presetSubtype="0" fill="hold" nodeType="clickEffect">
-                                  <p:stCondLst>
-                                    <p:cond delay="0"/>
-                                  </p:stCondLst>
-                                  <p:childTnLst>
-                                    <p:cmd type="call" cmd="playFrom(0.0)">
-                                      <p:cBhvr>
-                                        <p:cTn id="6" dur="20834" fill="hold"/>
-                                        <p:tgtEl>
-                                          <p:spTgt spid="4"/>
-                                        </p:tgtEl>
-                                      </p:cBhvr>
-                                    </p:cmd>
-                                  </p:childTnLst>
-                                </p:cTn>
-                              </p:par>
-                            </p:childTnLst>
-                          </p:cTn>
-                        </p:par>
-                      </p:childTnLst>
-                    </p:cTn>
-                  </p:par>
-                </p:childTnLst>
-              </p:cTn>
-              <p:prevCondLst>
-                <p:cond evt="onPrev" delay="0">
-                  <p:tgtEl>
-                    <p:sldTgt/>
-                  </p:tgtEl>
-                </p:cond>
-              </p:prevCondLst>
-              <p:nextCondLst>
-                <p:cond evt="onNext" delay="0">
-                  <p:tgtEl>
-                    <p:sldTgt/>
-                  </p:tgtEl>
-                </p:cond>
-              </p:nextCondLst>
-            </p:seq>
-            <p:video>
-              <p:cMediaNode vol="80000">
-                <p:cTn id="7" fill="hold" display="0">
-                  <p:stCondLst>
-                    <p:cond delay="indefinite"/>
-                  </p:stCondLst>
-                </p:cTn>
-                <p:tgtEl>
-                  <p:spTgt spid="4"/>
-                </p:tgtEl>
-              </p:cMediaNode>
-            </p:video>
-            <p:seq concurrent="1" nextAc="seek">
-              <p:cTn id="8" restart="whenNotActive" fill="hold" evtFilter="cancelBubble" nodeType="interactiveSeq">
-                <p:stCondLst>
-                  <p:cond evt="onClick" delay="0">
-                    <p:tgtEl>
-                      <p:spTgt spid="4"/>
-                    </p:tgtEl>
-                  </p:cond>
-                </p:stCondLst>
-                <p:endSync evt="end" delay="0">
-                  <p:rtn val="all"/>
-                </p:endSync>
-                <p:childTnLst>
-                  <p:par>
-                    <p:cTn id="9" fill="hold">
-                      <p:stCondLst>
-                        <p:cond delay="0"/>
-                      </p:stCondLst>
-                      <p:childTnLst>
-                        <p:par>
-                          <p:cTn id="10" fill="hold">
-                            <p:stCondLst>
-                              <p:cond delay="0"/>
-                            </p:stCondLst>
-                            <p:childTnLst>
-                              <p:par>
-                                <p:cTn id="11" presetID="2" presetClass="mediacall" presetSubtype="0" fill="hold" nodeType="clickEffect">
-                                  <p:stCondLst>
-                                    <p:cond delay="0"/>
-                                  </p:stCondLst>
-                                  <p:childTnLst>
-                                    <p:cmd type="call" cmd="togglePause">
-                                      <p:cBhvr>
-                                        <p:cTn id="12" dur="1" fill="hold"/>
-                                        <p:tgtEl>
-                                          <p:spTgt spid="4"/>
-                                        </p:tgtEl>
-                                      </p:cBhvr>
-                                    </p:cmd>
-                                  </p:childTnLst>
-                                </p:cTn>
-                              </p:par>
-                            </p:childTnLst>
-                          </p:cTn>
-                        </p:par>
-                      </p:childTnLst>
-                    </p:cTn>
-                  </p:par>
-                </p:childTnLst>
-              </p:cTn>
-              <p:nextCondLst>
-                <p:cond evt="onClick" delay="0">
-                  <p:tgtEl>
-                    <p:spTgt spid="4"/>
-                  </p:tgtEl>
-                </p:cond>
-              </p:nextCondLst>
-            </p:seq>
-          </p:childTnLst>
-        </p:cTn>
-      </p:par>
-    </p:tnLst>
-  </p:timing>
-</p:sld>
-</file>
-
-<file path=ppt/slides/slide4.xml><?xml version="1.0" encoding="utf-8"?>
-<p:sld xmlns:a="http://schemas.openxmlformats.org/drawingml/2006/main" xmlns:r="http://schemas.openxmlformats.org/officeDocument/2006/relationships" xmlns:p="http://schemas.openxmlformats.org/presentationml/2006/main">
-  <p:cSld>
-    <p:spTree>
-      <p:nvGrpSpPr>
-        <p:cNvPr id="1" name="Shape 65"/>
-        <p:cNvGrpSpPr/>
-        <p:nvPr/>
-      </p:nvGrpSpPr>
-      <p:grpSpPr>
-        <a:xfrm>
-          <a:off x="0" y="0"/>
-          <a:ext cx="0" cy="0"/>
-          <a:chOff x="0" y="0"/>
-          <a:chExt cx="0" cy="0"/>
-        </a:xfrm>
-      </p:grpSpPr>
-      <mc:AlternateContent xmlns:mc="http://schemas.openxmlformats.org/markup-compatibility/2006" xmlns:a14="http://schemas.microsoft.com/office/drawing/2010/main">
-        <mc:Choice Requires="a14">
-          <p:sp>
-            <p:nvSpPr>
-              <p:cNvPr id="66" name="Google Shape;66;p15"/>
-              <p:cNvSpPr txBox="1">
-                <a:spLocks noGrp="1"/>
-              </p:cNvSpPr>
-              <p:nvPr>
-                <p:ph type="title"/>
-              </p:nvPr>
-            </p:nvSpPr>
-            <p:spPr>
-              <a:xfrm>
-                <a:off x="311700" y="445025"/>
-                <a:ext cx="8520600" cy="572700"/>
-              </a:xfrm>
-              <a:prstGeom prst="rect">
-                <a:avLst/>
-              </a:prstGeom>
-            </p:spPr>
-            <p:txBody>
-              <a:bodyPr spcFirstLastPara="1" wrap="square" lIns="91425" tIns="91425" rIns="91425" bIns="91425" anchor="t" anchorCtr="0">
-                <a:noAutofit/>
-              </a:bodyPr>
-              <a:lstStyle/>
-              <a:p>
-                <a:pPr lvl="0"/>
-                <a:r>
-                  <a:rPr lang="en" dirty="0"/>
-                  <a:t>Extracting trajectories from </a:t>
-                </a:r>
-                <a14:m>
-                  <m:oMath xmlns:m="http://schemas.openxmlformats.org/officeDocument/2006/math">
-                    <m:r>
-                      <m:rPr>
-                        <m:sty m:val="p"/>
-                      </m:rPr>
-                      <a:rPr lang="en-US" b="0" i="0" smtClean="0">
-                        <a:latin typeface="Cambria Math" panose="02040503050406030204" pitchFamily="18" charset="0"/>
-                      </a:rPr>
-                      <m:t>Ψ</m:t>
-                    </m:r>
-                  </m:oMath>
-                </a14:m>
-                <a:endParaRPr dirty="0"/>
-              </a:p>
-            </p:txBody>
-          </p:sp>
-        </mc:Choice>
-        <mc:Fallback xmlns="">
-          <p:sp>
-            <p:nvSpPr>
-              <p:cNvPr id="66" name="Google Shape;66;p15"/>
-              <p:cNvSpPr txBox="1">
-                <a:spLocks noGrp="1" noRot="1" noChangeAspect="1" noMove="1" noResize="1" noEditPoints="1" noAdjustHandles="1" noChangeArrowheads="1" noChangeShapeType="1" noTextEdit="1"/>
-              </p:cNvSpPr>
-              <p:nvPr>
-                <p:ph type="title"/>
-              </p:nvPr>
-            </p:nvSpPr>
-            <p:spPr>
-              <a:xfrm>
-                <a:off x="311700" y="445025"/>
-                <a:ext cx="8520600" cy="572700"/>
-              </a:xfrm>
-              <a:prstGeom prst="rect">
-                <a:avLst/>
-              </a:prstGeom>
-              <a:blipFill>
-                <a:blip r:embed="rId5"/>
-                <a:stretch>
-                  <a:fillRect l="-1431" t="-3191" b="-27660"/>
-                </a:stretch>
-              </a:blipFill>
-            </p:spPr>
-            <p:txBody>
-              <a:bodyPr/>
-              <a:lstStyle/>
-              <a:p>
-                <a:r>
-                  <a:rPr lang="en-US">
-                    <a:noFill/>
-                  </a:rPr>
-                  <a:t> </a:t>
-                </a:r>
-              </a:p>
-            </p:txBody>
-          </p:sp>
-        </mc:Fallback>
-      </mc:AlternateContent>
-      <mc:AlternateContent xmlns:mc="http://schemas.openxmlformats.org/markup-compatibility/2006" xmlns:a14="http://schemas.microsoft.com/office/drawing/2010/main">
-        <mc:Choice Requires="a14">
-          <p:sp>
-            <p:nvSpPr>
-              <p:cNvPr id="3" name="TextBox 2">
-                <a:extLst>
-                  <a:ext uri="{FF2B5EF4-FFF2-40B4-BE49-F238E27FC236}">
-                    <a16:creationId xmlns:a16="http://schemas.microsoft.com/office/drawing/2014/main" id="{489E280E-FA7B-402A-AE06-C327B4E15954}"/>
-                  </a:ext>
-                </a:extLst>
-              </p:cNvPr>
-              <p:cNvSpPr txBox="1"/>
-              <p:nvPr/>
-            </p:nvSpPr>
-            <p:spPr>
-              <a:xfrm>
-                <a:off x="310115" y="1672595"/>
-                <a:ext cx="3411415" cy="328680"/>
-              </a:xfrm>
-              <a:prstGeom prst="rect">
-                <a:avLst/>
-              </a:prstGeom>
-              <a:noFill/>
-            </p:spPr>
-            <p:txBody>
-              <a:bodyPr wrap="square" lIns="0" tIns="0" rIns="0" bIns="0" rtlCol="0">
-                <a:spAutoFit/>
-              </a:bodyPr>
-              <a:lstStyle/>
-              <a:p>
-                <a:pPr/>
-                <a14:m>
-                  <m:oMathPara xmlns:m="http://schemas.openxmlformats.org/officeDocument/2006/math">
-                    <m:oMathParaPr>
-                      <m:jc m:val="centerGroup"/>
-                    </m:oMathParaPr>
-                    <m:oMath xmlns:m="http://schemas.openxmlformats.org/officeDocument/2006/math">
-                      <m:r>
-                        <m:rPr>
-                          <m:sty m:val="p"/>
-                        </m:rPr>
-                        <a:rPr lang="en-US" sz="2000" b="0" i="0" smtClean="0">
-                          <a:latin typeface="Cambria Math" panose="02040503050406030204" pitchFamily="18" charset="0"/>
-                        </a:rPr>
-                        <m:t>Ψ</m:t>
-                      </m:r>
-                      <m:d>
-                        <m:dPr>
-                          <m:ctrlPr>
-                            <a:rPr lang="en-US" sz="2000" b="0" i="1" smtClean="0">
-                              <a:latin typeface="Cambria Math" panose="02040503050406030204" pitchFamily="18" charset="0"/>
-                            </a:rPr>
-                          </m:ctrlPr>
-                        </m:dPr>
-                        <m:e>
-                          <m:r>
-                            <a:rPr lang="en-US" sz="2000" b="0" i="1" smtClean="0">
-                              <a:latin typeface="Cambria Math" panose="02040503050406030204" pitchFamily="18" charset="0"/>
-                            </a:rPr>
-                            <m:t>𝑡</m:t>
-                          </m:r>
-                          <m:r>
-                            <a:rPr lang="en-US" sz="2000" b="0" i="1" smtClean="0">
-                              <a:latin typeface="Cambria Math" panose="02040503050406030204" pitchFamily="18" charset="0"/>
-                            </a:rPr>
-                            <m:t>, </m:t>
-                          </m:r>
-                          <m:r>
-                            <a:rPr lang="en-US" sz="2000" b="0" i="1" smtClean="0">
-                              <a:latin typeface="Cambria Math" panose="02040503050406030204" pitchFamily="18" charset="0"/>
-                            </a:rPr>
-                            <m:t>𝑥</m:t>
-                          </m:r>
-                        </m:e>
-                      </m:d>
-                      <m:r>
-                        <a:rPr lang="en-US" sz="2000" b="0" i="1" smtClean="0">
-                          <a:latin typeface="Cambria Math" panose="02040503050406030204" pitchFamily="18" charset="0"/>
-                        </a:rPr>
-                        <m:t>=</m:t>
-                      </m:r>
-                      <m:r>
-                        <a:rPr lang="en-US" sz="2000" b="0" i="1" smtClean="0">
-                          <a:latin typeface="Cambria Math" panose="02040503050406030204" pitchFamily="18" charset="0"/>
-                        </a:rPr>
-                        <m:t>𝑅</m:t>
-                      </m:r>
-                      <m:d>
-                        <m:dPr>
-                          <m:ctrlPr>
-                            <a:rPr lang="en-US" sz="2000" b="0" i="1" smtClean="0">
-                              <a:latin typeface="Cambria Math" panose="02040503050406030204" pitchFamily="18" charset="0"/>
-                            </a:rPr>
-                          </m:ctrlPr>
-                        </m:dPr>
-                        <m:e>
-                          <m:r>
-                            <a:rPr lang="en-US" sz="2000" b="0" i="1" smtClean="0">
-                              <a:latin typeface="Cambria Math" panose="02040503050406030204" pitchFamily="18" charset="0"/>
-                            </a:rPr>
-                            <m:t>𝑡</m:t>
-                          </m:r>
-                          <m:r>
-                            <a:rPr lang="en-US" sz="2000" b="0" i="1" smtClean="0">
-                              <a:latin typeface="Cambria Math" panose="02040503050406030204" pitchFamily="18" charset="0"/>
-                            </a:rPr>
-                            <m:t>, </m:t>
-                          </m:r>
-                          <m:r>
-                            <a:rPr lang="en-US" sz="2000" b="0" i="1" smtClean="0">
-                              <a:latin typeface="Cambria Math" panose="02040503050406030204" pitchFamily="18" charset="0"/>
-                            </a:rPr>
-                            <m:t>𝑥</m:t>
-                          </m:r>
-                        </m:e>
-                      </m:d>
-                      <m:sSup>
-                        <m:sSupPr>
-                          <m:ctrlPr>
-                            <a:rPr lang="en-US" sz="2000" b="0" i="1" smtClean="0">
-                              <a:latin typeface="Cambria Math" panose="02040503050406030204" pitchFamily="18" charset="0"/>
-                            </a:rPr>
-                          </m:ctrlPr>
-                        </m:sSupPr>
-                        <m:e>
-                          <m:r>
-                            <a:rPr lang="en-US" sz="2000" b="0" i="1" smtClean="0">
-                              <a:latin typeface="Cambria Math" panose="02040503050406030204" pitchFamily="18" charset="0"/>
-                            </a:rPr>
-                            <m:t>𝑒</m:t>
-                          </m:r>
-                        </m:e>
-                        <m:sup>
-                          <m:f>
-                            <m:fPr>
-                              <m:type m:val="lin"/>
-                              <m:ctrlPr>
-                                <a:rPr lang="en-US" sz="2000" b="0" i="1" smtClean="0">
-                                  <a:latin typeface="Cambria Math" panose="02040503050406030204" pitchFamily="18" charset="0"/>
-                                </a:rPr>
-                              </m:ctrlPr>
-                            </m:fPr>
-                            <m:num>
-                              <m:r>
-                                <a:rPr lang="en-US" sz="2000" i="1">
-                                  <a:latin typeface="Cambria Math" panose="02040503050406030204" pitchFamily="18" charset="0"/>
-                                </a:rPr>
-                                <m:t>𝑖𝑆</m:t>
-                              </m:r>
-                              <m:d>
-                                <m:dPr>
-                                  <m:ctrlPr>
-                                    <a:rPr lang="en-US" sz="2000" i="1">
-                                      <a:latin typeface="Cambria Math" panose="02040503050406030204" pitchFamily="18" charset="0"/>
-                                    </a:rPr>
-                                  </m:ctrlPr>
-                                </m:dPr>
-                                <m:e>
-                                  <m:r>
-                                    <a:rPr lang="en-US" sz="2000" i="1">
-                                      <a:latin typeface="Cambria Math" panose="02040503050406030204" pitchFamily="18" charset="0"/>
-                                    </a:rPr>
-                                    <m:t>𝑡</m:t>
-                                  </m:r>
-                                  <m:r>
-                                    <a:rPr lang="en-US" sz="2000" i="1">
-                                      <a:latin typeface="Cambria Math" panose="02040503050406030204" pitchFamily="18" charset="0"/>
-                                    </a:rPr>
-                                    <m:t>, </m:t>
-                                  </m:r>
-                                  <m:r>
-                                    <a:rPr lang="en-US" sz="2000" i="1">
-                                      <a:latin typeface="Cambria Math" panose="02040503050406030204" pitchFamily="18" charset="0"/>
-                                    </a:rPr>
-                                    <m:t>𝑥</m:t>
-                                  </m:r>
-                                </m:e>
-                              </m:d>
-                            </m:num>
-                            <m:den>
-                              <m:r>
-                                <a:rPr lang="en-US" sz="2000" b="0" i="1" smtClean="0">
-                                  <a:latin typeface="Cambria Math" panose="02040503050406030204" pitchFamily="18" charset="0"/>
-                                </a:rPr>
-                                <m:t>ℏ</m:t>
-                              </m:r>
-                            </m:den>
-                          </m:f>
-                        </m:sup>
-                      </m:sSup>
-                    </m:oMath>
-                  </m:oMathPara>
-                </a14:m>
-                <a:endParaRPr lang="en-US" sz="2000" dirty="0"/>
-              </a:p>
-            </p:txBody>
-          </p:sp>
-        </mc:Choice>
-        <mc:Fallback xmlns="">
-          <p:sp>
-            <p:nvSpPr>
-              <p:cNvPr id="3" name="TextBox 2">
-                <a:extLst>
-                  <a:ext uri="{FF2B5EF4-FFF2-40B4-BE49-F238E27FC236}">
-                    <a16:creationId xmlns:a16="http://schemas.microsoft.com/office/drawing/2014/main" id="{489E280E-FA7B-402A-AE06-C327B4E15954}"/>
-                  </a:ext>
-                </a:extLst>
-              </p:cNvPr>
-              <p:cNvSpPr txBox="1">
-                <a:spLocks noRot="1" noChangeAspect="1" noMove="1" noResize="1" noEditPoints="1" noAdjustHandles="1" noChangeArrowheads="1" noChangeShapeType="1" noTextEdit="1"/>
-              </p:cNvSpPr>
-              <p:nvPr/>
-            </p:nvSpPr>
-            <p:spPr>
-              <a:xfrm>
-                <a:off x="310115" y="1672595"/>
-                <a:ext cx="3411415" cy="328680"/>
-              </a:xfrm>
-              <a:prstGeom prst="rect">
-                <a:avLst/>
-              </a:prstGeom>
-              <a:blipFill>
-                <a:blip r:embed="rId6"/>
-                <a:stretch>
-                  <a:fillRect t="-118519" r="-4472" b="-146296"/>
-                </a:stretch>
-              </a:blipFill>
-            </p:spPr>
-            <p:txBody>
-              <a:bodyPr/>
-              <a:lstStyle/>
-              <a:p>
-                <a:r>
-                  <a:rPr lang="en-US">
-                    <a:noFill/>
-                  </a:rPr>
-                  <a:t> </a:t>
-                </a:r>
-              </a:p>
-            </p:txBody>
-          </p:sp>
-        </mc:Fallback>
-      </mc:AlternateContent>
-      <mc:AlternateContent xmlns:mc="http://schemas.openxmlformats.org/markup-compatibility/2006" xmlns:a14="http://schemas.microsoft.com/office/drawing/2010/main">
-        <mc:Choice Requires="a14">
-          <p:sp>
-            <p:nvSpPr>
-              <p:cNvPr id="4" name="TextBox 3">
-                <a:extLst>
-                  <a:ext uri="{FF2B5EF4-FFF2-40B4-BE49-F238E27FC236}">
-                    <a16:creationId xmlns:a16="http://schemas.microsoft.com/office/drawing/2014/main" id="{3BA0D78C-234B-4824-B459-DE8C2411A5A9}"/>
-                  </a:ext>
-                </a:extLst>
-              </p:cNvPr>
-              <p:cNvSpPr txBox="1"/>
-              <p:nvPr/>
-            </p:nvSpPr>
-            <p:spPr>
-              <a:xfrm>
-                <a:off x="663955" y="2367027"/>
-                <a:ext cx="845873" cy="578235"/>
-              </a:xfrm>
-              <a:prstGeom prst="rect">
-                <a:avLst/>
-              </a:prstGeom>
-              <a:noFill/>
-            </p:spPr>
-            <p:txBody>
-              <a:bodyPr wrap="none" lIns="0" tIns="0" rIns="0" bIns="0" rtlCol="0">
-                <a:spAutoFit/>
-              </a:bodyPr>
-              <a:lstStyle/>
-              <a:p>
-                <a:pPr/>
-                <a14:m>
-                  <m:oMathPara xmlns:m="http://schemas.openxmlformats.org/officeDocument/2006/math">
-                    <m:oMathParaPr>
-                      <m:jc m:val="centerGroup"/>
-                    </m:oMathParaPr>
-                    <m:oMath xmlns:m="http://schemas.openxmlformats.org/officeDocument/2006/math">
-                      <m:r>
-                        <a:rPr lang="en-US" sz="2000" b="0" i="1" smtClean="0">
-                          <a:latin typeface="Cambria Math" panose="02040503050406030204" pitchFamily="18" charset="0"/>
-                        </a:rPr>
-                        <m:t>𝑣</m:t>
-                      </m:r>
-                      <m:r>
-                        <a:rPr lang="en-US" sz="2000" b="0" i="1" smtClean="0">
-                          <a:latin typeface="Cambria Math" panose="02040503050406030204" pitchFamily="18" charset="0"/>
-                        </a:rPr>
-                        <m:t>=</m:t>
-                      </m:r>
-                      <m:f>
-                        <m:fPr>
-                          <m:ctrlPr>
-                            <a:rPr lang="en-US" sz="2000" b="0" i="1" smtClean="0">
-                              <a:latin typeface="Cambria Math" panose="02040503050406030204" pitchFamily="18" charset="0"/>
-                            </a:rPr>
-                          </m:ctrlPr>
-                        </m:fPr>
-                        <m:num>
-                          <m:r>
-                            <m:rPr>
-                              <m:sty m:val="p"/>
-                            </m:rPr>
-                            <a:rPr lang="en-US" sz="2000" b="0" i="0" smtClean="0">
-                              <a:latin typeface="Cambria Math" panose="02040503050406030204" pitchFamily="18" charset="0"/>
-                            </a:rPr>
-                            <m:t>∇</m:t>
-                          </m:r>
-                          <m:r>
-                            <a:rPr lang="en-US" sz="2000" b="0" i="1" smtClean="0">
-                              <a:latin typeface="Cambria Math" panose="02040503050406030204" pitchFamily="18" charset="0"/>
-                            </a:rPr>
-                            <m:t>𝑆</m:t>
-                          </m:r>
-                        </m:num>
-                        <m:den>
-                          <m:r>
-                            <a:rPr lang="en-US" sz="2000" b="0" i="1" smtClean="0">
-                              <a:latin typeface="Cambria Math" panose="02040503050406030204" pitchFamily="18" charset="0"/>
-                            </a:rPr>
-                            <m:t>𝑚</m:t>
-                          </m:r>
-                        </m:den>
-                      </m:f>
-                    </m:oMath>
-                  </m:oMathPara>
-                </a14:m>
-                <a:endParaRPr lang="en-US" dirty="0"/>
-              </a:p>
-            </p:txBody>
-          </p:sp>
-        </mc:Choice>
-        <mc:Fallback xmlns="">
-          <p:sp>
-            <p:nvSpPr>
-              <p:cNvPr id="4" name="TextBox 3">
-                <a:extLst>
-                  <a:ext uri="{FF2B5EF4-FFF2-40B4-BE49-F238E27FC236}">
-                    <a16:creationId xmlns:a16="http://schemas.microsoft.com/office/drawing/2014/main" id="{3BA0D78C-234B-4824-B459-DE8C2411A5A9}"/>
-                  </a:ext>
-                </a:extLst>
-              </p:cNvPr>
-              <p:cNvSpPr txBox="1">
-                <a:spLocks noRot="1" noChangeAspect="1" noMove="1" noResize="1" noEditPoints="1" noAdjustHandles="1" noChangeArrowheads="1" noChangeShapeType="1" noTextEdit="1"/>
-              </p:cNvSpPr>
-              <p:nvPr/>
-            </p:nvSpPr>
-            <p:spPr>
-              <a:xfrm>
-                <a:off x="663955" y="2367027"/>
-                <a:ext cx="845873" cy="578235"/>
-              </a:xfrm>
-              <a:prstGeom prst="rect">
-                <a:avLst/>
-              </a:prstGeom>
-              <a:blipFill>
-                <a:blip r:embed="rId7"/>
-                <a:stretch>
-                  <a:fillRect/>
-                </a:stretch>
-              </a:blipFill>
-            </p:spPr>
-            <p:txBody>
-              <a:bodyPr/>
-              <a:lstStyle/>
-              <a:p>
-                <a:r>
-                  <a:rPr lang="en-US">
-                    <a:noFill/>
-                  </a:rPr>
-                  <a:t> </a:t>
-                </a:r>
-              </a:p>
-            </p:txBody>
-          </p:sp>
-        </mc:Fallback>
-      </mc:AlternateContent>
-      <p:pic>
-        <p:nvPicPr>
-          <p:cNvPr id="6" name="barrier-trajectories">
-            <a:hlinkClick r:id="" action="ppaction://media"/>
-            <a:extLst>
-              <a:ext uri="{FF2B5EF4-FFF2-40B4-BE49-F238E27FC236}">
-                <a16:creationId xmlns:a16="http://schemas.microsoft.com/office/drawing/2014/main" id="{9F8BD9DA-76CA-47F8-9B65-4F181ED735E4}"/>
-              </a:ext>
-            </a:extLst>
-          </p:cNvPr>
-          <p:cNvPicPr>
-            <a:picLocks noChangeAspect="1"/>
-          </p:cNvPicPr>
-          <p:nvPr>
-            <a:videoFile r:link="rId2"/>
-            <p:extLst>
-              <p:ext uri="{DAA4B4D4-6D71-4841-9C94-3DE7FCFB9230}">
-                <p14:media xmlns:p14="http://schemas.microsoft.com/office/powerpoint/2010/main" r:embed="rId1"/>
-              </p:ext>
-            </p:extLst>
-          </p:nvPr>
-        </p:nvPicPr>
-        <p:blipFill rotWithShape="1">
-          <a:blip r:embed="rId8"/>
-          <a:srcRect l="7748" t="8082" r="8034" b="3922"/>
-          <a:stretch/>
-        </p:blipFill>
-        <p:spPr>
-          <a:xfrm>
-            <a:off x="3719945" y="1017725"/>
-            <a:ext cx="5207973" cy="4081208"/>
-          </a:xfrm>
-          <a:prstGeom prst="rect">
-            <a:avLst/>
-          </a:prstGeom>
-        </p:spPr>
-      </p:pic>
-    </p:spTree>
-  </p:cSld>
-  <p:clrMapOvr>
-    <a:masterClrMapping/>
-  </p:clrMapOvr>
-  <p:timing>
-    <p:tnLst>
-      <p:par>
-        <p:cTn id="1" dur="indefinite" restart="never" nodeType="tmRoot">
-          <p:childTnLst>
-            <p:seq concurrent="1" nextAc="seek">
-              <p:cTn id="2" dur="indefinite" nodeType="mainSeq">
-                <p:childTnLst>
-                  <p:par>
-                    <p:cTn id="3" fill="hold">
-                      <p:stCondLst>
-                        <p:cond delay="indefinite"/>
-                      </p:stCondLst>
-                      <p:childTnLst>
-                        <p:par>
-                          <p:cTn id="4" fill="hold">
-                            <p:stCondLst>
-                              <p:cond delay="0"/>
-                            </p:stCondLst>
-                            <p:childTnLst>
-                              <p:par>
-                                <p:cTn id="5" presetID="1" presetClass="mediacall" presetSubtype="0" fill="hold" nodeType="clickEffect">
-                                  <p:stCondLst>
-                                    <p:cond delay="0"/>
-                                  </p:stCondLst>
-                                  <p:childTnLst>
-                                    <p:cmd type="call" cmd="playFrom(0.0)">
-                                      <p:cBhvr>
-                                        <p:cTn id="6" dur="8334" fill="hold"/>
-                                        <p:tgtEl>
-                                          <p:spTgt spid="6"/>
-                                        </p:tgtEl>
-                                      </p:cBhvr>
-                                    </p:cmd>
-                                  </p:childTnLst>
-                                </p:cTn>
-                              </p:par>
-                            </p:childTnLst>
-                          </p:cTn>
-                        </p:par>
-                      </p:childTnLst>
-                    </p:cTn>
-                  </p:par>
-                </p:childTnLst>
-              </p:cTn>
-              <p:prevCondLst>
-                <p:cond evt="onPrev" delay="0">
-                  <p:tgtEl>
-                    <p:sldTgt/>
-                  </p:tgtEl>
-                </p:cond>
-              </p:prevCondLst>
-              <p:nextCondLst>
-                <p:cond evt="onNext" delay="0">
-                  <p:tgtEl>
-                    <p:sldTgt/>
-                  </p:tgtEl>
-                </p:cond>
-              </p:nextCondLst>
-            </p:seq>
-            <p:video>
-              <p:cMediaNode vol="80000">
-                <p:cTn id="7" fill="hold" display="0">
-                  <p:stCondLst>
-                    <p:cond delay="indefinite"/>
-                  </p:stCondLst>
-                </p:cTn>
-                <p:tgtEl>
-                  <p:spTgt spid="6"/>
-                </p:tgtEl>
-              </p:cMediaNode>
-            </p:video>
-            <p:seq concurrent="1" nextAc="seek">
-              <p:cTn id="8" restart="whenNotActive" fill="hold" evtFilter="cancelBubble" nodeType="interactiveSeq">
-                <p:stCondLst>
-                  <p:cond evt="onClick" delay="0">
-                    <p:tgtEl>
-                      <p:spTgt spid="6"/>
-                    </p:tgtEl>
-                  </p:cond>
-                </p:stCondLst>
-                <p:endSync evt="end" delay="0">
-                  <p:rtn val="all"/>
-                </p:endSync>
-                <p:childTnLst>
-                  <p:par>
-                    <p:cTn id="9" fill="hold">
-                      <p:stCondLst>
-                        <p:cond delay="0"/>
-                      </p:stCondLst>
-                      <p:childTnLst>
-                        <p:par>
-                          <p:cTn id="10" fill="hold">
-                            <p:stCondLst>
-                              <p:cond delay="0"/>
-                            </p:stCondLst>
-                            <p:childTnLst>
-                              <p:par>
-                                <p:cTn id="11" presetID="2" presetClass="mediacall" presetSubtype="0" fill="hold" nodeType="clickEffect">
-                                  <p:stCondLst>
-                                    <p:cond delay="0"/>
-                                  </p:stCondLst>
-                                  <p:childTnLst>
-                                    <p:cmd type="call" cmd="togglePause">
-                                      <p:cBhvr>
-                                        <p:cTn id="12" dur="1" fill="hold"/>
-                                        <p:tgtEl>
-                                          <p:spTgt spid="6"/>
-                                        </p:tgtEl>
-                                      </p:cBhvr>
-                                    </p:cmd>
-                                  </p:childTnLst>
-                                </p:cTn>
-                              </p:par>
-                            </p:childTnLst>
-                          </p:cTn>
-                        </p:par>
-                      </p:childTnLst>
-                    </p:cTn>
-                  </p:par>
-                </p:childTnLst>
-              </p:cTn>
-              <p:nextCondLst>
-                <p:cond evt="onClick" delay="0">
-                  <p:tgtEl>
-                    <p:spTgt spid="6"/>
-                  </p:tgtEl>
-                </p:cond>
-              </p:nextCondLst>
-            </p:seq>
-          </p:childTnLst>
-        </p:cTn>
-      </p:par>
-    </p:tnLst>
-  </p:timing>
-</p:sld>
-</file>
-
-<file path=ppt/slides/slide5.xml><?xml version="1.0" encoding="utf-8"?>
-<p:sld xmlns:a="http://schemas.openxmlformats.org/drawingml/2006/main" xmlns:r="http://schemas.openxmlformats.org/officeDocument/2006/relationships" xmlns:p="http://schemas.openxmlformats.org/presentationml/2006/main">
-  <p:cSld>
-    <p:spTree>
-      <p:nvGrpSpPr>
-        <p:cNvPr id="1" name="Shape 71"/>
-        <p:cNvGrpSpPr/>
-        <p:nvPr/>
-      </p:nvGrpSpPr>
-      <p:grpSpPr>
-        <a:xfrm>
-          <a:off x="0" y="0"/>
-          <a:ext cx="0" cy="0"/>
-          <a:chOff x="0" y="0"/>
-          <a:chExt cx="0" cy="0"/>
-        </a:xfrm>
-      </p:grpSpPr>
-      <p:sp>
-        <p:nvSpPr>
-          <p:cNvPr id="72" name="Google Shape;72;p16"/>
-          <p:cNvSpPr txBox="1">
-            <a:spLocks noGrp="1"/>
-          </p:cNvSpPr>
-          <p:nvPr>
-            <p:ph type="title"/>
-          </p:nvPr>
-        </p:nvSpPr>
-        <p:spPr>
-          <a:xfrm>
-            <a:off x="311700" y="445025"/>
-            <a:ext cx="8520600" cy="572700"/>
-          </a:xfrm>
-          <a:prstGeom prst="rect">
-            <a:avLst/>
-          </a:prstGeom>
-        </p:spPr>
-        <p:txBody>
-          <a:bodyPr spcFirstLastPara="1" wrap="square" lIns="91425" tIns="91425" rIns="91425" bIns="91425" anchor="t" anchorCtr="0">
-            <a:noAutofit/>
-          </a:bodyPr>
-          <a:lstStyle/>
-          <a:p>
-            <a:pPr marL="0" lvl="0" indent="0" algn="l" rtl="0">
-              <a:spcBef>
-                <a:spcPts val="0"/>
-              </a:spcBef>
-              <a:spcAft>
-                <a:spcPts val="0"/>
-              </a:spcAft>
-              <a:buNone/>
-            </a:pPr>
-            <a:r>
-              <a:rPr lang="en" dirty="0"/>
-              <a:t>Training an AI to predict trajectories</a:t>
-            </a:r>
-            <a:endParaRPr dirty="0"/>
-          </a:p>
-        </p:txBody>
-      </p:sp>
-      <p:pic>
-        <p:nvPicPr>
-          <p:cNvPr id="14" name="Picture 13" descr="A close up of a logo&#10;&#10;Description automatically generated">
-            <a:extLst>
-              <a:ext uri="{FF2B5EF4-FFF2-40B4-BE49-F238E27FC236}">
-                <a16:creationId xmlns:a16="http://schemas.microsoft.com/office/drawing/2014/main" id="{89E157AB-36A2-4D54-ABD1-22F2AF9B5EB8}"/>
-              </a:ext>
-            </a:extLst>
-          </p:cNvPr>
-          <p:cNvPicPr>
-            <a:picLocks noChangeAspect="1"/>
-          </p:cNvPicPr>
-          <p:nvPr/>
-        </p:nvPicPr>
-        <p:blipFill rotWithShape="1">
-          <a:blip r:embed="rId3"/>
-          <a:srcRect l="6618" t="10277" r="8547" b="5306"/>
-          <a:stretch/>
-        </p:blipFill>
-        <p:spPr>
-          <a:xfrm>
-            <a:off x="4716060" y="1828800"/>
-            <a:ext cx="3983231" cy="2971275"/>
-          </a:xfrm>
-          <a:prstGeom prst="rect">
-            <a:avLst/>
-          </a:prstGeom>
-        </p:spPr>
-      </p:pic>
-      <p:pic>
-        <p:nvPicPr>
-          <p:cNvPr id="16" name="Picture 15" descr="A close up of a logo&#10;&#10;Description automatically generated">
-            <a:extLst>
-              <a:ext uri="{FF2B5EF4-FFF2-40B4-BE49-F238E27FC236}">
-                <a16:creationId xmlns:a16="http://schemas.microsoft.com/office/drawing/2014/main" id="{0CC65554-E5FA-4382-8F21-72B745CCD0B3}"/>
-              </a:ext>
-            </a:extLst>
-          </p:cNvPr>
-          <p:cNvPicPr>
-            <a:picLocks noChangeAspect="1"/>
-          </p:cNvPicPr>
-          <p:nvPr/>
-        </p:nvPicPr>
-        <p:blipFill rotWithShape="1">
-          <a:blip r:embed="rId4"/>
-          <a:srcRect l="6676" t="10277" r="7664" b="5306"/>
-          <a:stretch/>
-        </p:blipFill>
-        <p:spPr>
-          <a:xfrm>
-            <a:off x="311700" y="1828800"/>
-            <a:ext cx="4021987" cy="2971275"/>
-          </a:xfrm>
-          <a:prstGeom prst="rect">
-            <a:avLst/>
-          </a:prstGeom>
-        </p:spPr>
-      </p:pic>
-      <p:sp>
-        <p:nvSpPr>
-          <p:cNvPr id="17" name="TextBox 16">
-            <a:extLst>
-              <a:ext uri="{FF2B5EF4-FFF2-40B4-BE49-F238E27FC236}">
-                <a16:creationId xmlns:a16="http://schemas.microsoft.com/office/drawing/2014/main" id="{D5CEAA92-1BA0-41ED-8DCF-0B0DA2D3717E}"/>
-              </a:ext>
-            </a:extLst>
-          </p:cNvPr>
-          <p:cNvSpPr txBox="1"/>
-          <p:nvPr/>
-        </p:nvSpPr>
-        <p:spPr>
-          <a:xfrm>
-            <a:off x="1079500" y="1569938"/>
-            <a:ext cx="2736850" cy="338554"/>
-          </a:xfrm>
-          <a:prstGeom prst="rect">
-            <a:avLst/>
-          </a:prstGeom>
-          <a:noFill/>
-        </p:spPr>
-        <p:txBody>
-          <a:bodyPr wrap="square" rtlCol="0">
-            <a:spAutoFit/>
-          </a:bodyPr>
-          <a:lstStyle/>
-          <a:p>
-            <a:pPr algn="ctr"/>
-            <a:r>
-              <a:rPr lang="en-US" sz="1600" b="1" dirty="0"/>
-              <a:t>True trajectories</a:t>
-            </a:r>
-          </a:p>
-        </p:txBody>
-      </p:sp>
-      <p:sp>
-        <p:nvSpPr>
-          <p:cNvPr id="20" name="TextBox 19">
-            <a:extLst>
-              <a:ext uri="{FF2B5EF4-FFF2-40B4-BE49-F238E27FC236}">
-                <a16:creationId xmlns:a16="http://schemas.microsoft.com/office/drawing/2014/main" id="{880ECCE9-5D3D-4349-99BA-27E91855FCCC}"/>
-              </a:ext>
-            </a:extLst>
-          </p:cNvPr>
-          <p:cNvSpPr txBox="1"/>
-          <p:nvPr/>
-        </p:nvSpPr>
-        <p:spPr>
-          <a:xfrm>
-            <a:off x="5518150" y="1569938"/>
-            <a:ext cx="2736850" cy="338554"/>
-          </a:xfrm>
-          <a:prstGeom prst="rect">
-            <a:avLst/>
-          </a:prstGeom>
-          <a:noFill/>
-        </p:spPr>
-        <p:txBody>
-          <a:bodyPr wrap="square" rtlCol="0">
-            <a:spAutoFit/>
-          </a:bodyPr>
-          <a:lstStyle/>
-          <a:p>
-            <a:pPr algn="ctr"/>
-            <a:r>
-              <a:rPr lang="en-US" sz="1600" b="1" dirty="0"/>
-              <a:t>AI-predicted trajectories</a:t>
-            </a:r>
-          </a:p>
-        </p:txBody>
-      </p:sp>
-    </p:spTree>
-  </p:cSld>
-  <p:clrMapOvr>
-    <a:masterClrMapping/>
-  </p:clrMapOvr>
-</p:sld>
-</file>
-
-<file path=ppt/slides/slide6.xml><?xml version="1.0" encoding="utf-8"?>
 <p:sld xmlns:a="http://schemas.openxmlformats.org/drawingml/2006/main" xmlns:r="http://schemas.openxmlformats.org/officeDocument/2006/relationships" xmlns:p="http://schemas.openxmlformats.org/presentationml/2006/main">
   <p:cSld>
     <p:spTree>
@@ -8088,7 +7091,7 @@
                 <a:avLst/>
               </a:prstGeom>
               <a:blipFill>
-                <a:blip r:embed="rId3"/>
+                <a:blip r:embed="rId4"/>
                 <a:stretch>
                   <a:fillRect/>
                 </a:stretch>
@@ -8366,7 +7369,7 @@
                 <a:avLst/>
               </a:prstGeom>
               <a:blipFill>
-                <a:blip r:embed="rId4"/>
+                <a:blip r:embed="rId5"/>
                 <a:stretch>
                   <a:fillRect t="-120370" r="-4472" b="-144444"/>
                 </a:stretch>
@@ -8651,7 +7654,7 @@
                 <a:avLst/>
               </a:prstGeom>
               <a:blipFill>
-                <a:blip r:embed="rId5"/>
+                <a:blip r:embed="rId6"/>
                 <a:stretch>
                   <a:fillRect/>
                 </a:stretch>
@@ -8920,7 +7923,7 @@
                 <a:avLst/>
               </a:prstGeom>
               <a:blipFill>
-                <a:blip r:embed="rId6"/>
+                <a:blip r:embed="rId7"/>
                 <a:stretch>
                   <a:fillRect/>
                 </a:stretch>
@@ -8976,7 +7979,48 @@
           </a:p>
         </p:txBody>
       </p:sp>
+      <p:sp>
+        <p:nvSpPr>
+          <p:cNvPr id="6" name="Slide Number Placeholder 5">
+            <a:extLst>
+              <a:ext uri="{FF2B5EF4-FFF2-40B4-BE49-F238E27FC236}">
+                <a16:creationId xmlns:a16="http://schemas.microsoft.com/office/drawing/2014/main" id="{A18593B4-F2D1-45AA-96D2-4B911A72FA6D}"/>
+              </a:ext>
+            </a:extLst>
+          </p:cNvPr>
+          <p:cNvSpPr>
+            <a:spLocks noGrp="1"/>
+          </p:cNvSpPr>
+          <p:nvPr>
+            <p:ph type="sldNum" idx="12"/>
+          </p:nvPr>
+        </p:nvSpPr>
+        <p:spPr/>
+        <p:txBody>
+          <a:bodyPr/>
+          <a:lstStyle/>
+          <a:p>
+            <a:pPr marL="0" lvl="0" indent="0" algn="r" rtl="0">
+              <a:spcBef>
+                <a:spcPts val="0"/>
+              </a:spcBef>
+              <a:spcAft>
+                <a:spcPts val="0"/>
+              </a:spcAft>
+              <a:buNone/>
+            </a:pPr>
+            <a:fld id="{00000000-1234-1234-1234-123412341234}" type="slidenum">
+              <a:rPr lang="en" smtClean="0"/>
+              <a:t>3</a:t>
+            </a:fld>
+            <a:endParaRPr lang="en"/>
+          </a:p>
+        </p:txBody>
+      </p:sp>
     </p:spTree>
+    <p:custDataLst>
+      <p:tags r:id="rId1"/>
+    </p:custDataLst>
   </p:cSld>
   <p:clrMapOvr>
     <a:masterClrMapping/>
@@ -9238,6 +8282,1237 @@
 </p:sld>
 </file>
 
+<file path=ppt/slides/slide4.xml><?xml version="1.0" encoding="utf-8"?>
+<p:sld xmlns:a="http://schemas.openxmlformats.org/drawingml/2006/main" xmlns:r="http://schemas.openxmlformats.org/officeDocument/2006/relationships" xmlns:p="http://schemas.openxmlformats.org/presentationml/2006/main">
+  <p:cSld>
+    <p:spTree>
+      <p:nvGrpSpPr>
+        <p:cNvPr id="1" name="Shape 59"/>
+        <p:cNvGrpSpPr/>
+        <p:nvPr/>
+      </p:nvGrpSpPr>
+      <p:grpSpPr>
+        <a:xfrm>
+          <a:off x="0" y="0"/>
+          <a:ext cx="0" cy="0"/>
+          <a:chOff x="0" y="0"/>
+          <a:chExt cx="0" cy="0"/>
+        </a:xfrm>
+      </p:grpSpPr>
+      <p:sp>
+        <p:nvSpPr>
+          <p:cNvPr id="60" name="Google Shape;60;p14"/>
+          <p:cNvSpPr txBox="1">
+            <a:spLocks noGrp="1"/>
+          </p:cNvSpPr>
+          <p:nvPr>
+            <p:ph type="title"/>
+          </p:nvPr>
+        </p:nvSpPr>
+        <p:spPr>
+          <a:xfrm>
+            <a:off x="311700" y="445025"/>
+            <a:ext cx="8520600" cy="572700"/>
+          </a:xfrm>
+          <a:prstGeom prst="rect">
+            <a:avLst/>
+          </a:prstGeom>
+        </p:spPr>
+        <p:txBody>
+          <a:bodyPr spcFirstLastPara="1" wrap="square" lIns="91425" tIns="91425" rIns="91425" bIns="91425" anchor="t" anchorCtr="0">
+            <a:noAutofit/>
+          </a:bodyPr>
+          <a:lstStyle/>
+          <a:p>
+            <a:pPr marL="0" lvl="0" indent="0" algn="l" rtl="0">
+              <a:spcBef>
+                <a:spcPts val="0"/>
+              </a:spcBef>
+              <a:spcAft>
+                <a:spcPts val="0"/>
+              </a:spcAft>
+              <a:buNone/>
+            </a:pPr>
+            <a:r>
+              <a:rPr lang="en" dirty="0"/>
+              <a:t>Crank-Nicolson </a:t>
+            </a:r>
+            <a:r>
+              <a:rPr lang="en-US" dirty="0"/>
+              <a:t>Method </a:t>
+            </a:r>
+            <a:r>
+              <a:rPr lang="en" dirty="0"/>
+              <a:t>for TDSE</a:t>
+            </a:r>
+            <a:endParaRPr dirty="0"/>
+          </a:p>
+        </p:txBody>
+      </p:sp>
+      <p:pic>
+        <p:nvPicPr>
+          <p:cNvPr id="4" name="barrier">
+            <a:hlinkClick r:id="" action="ppaction://media"/>
+            <a:extLst>
+              <a:ext uri="{FF2B5EF4-FFF2-40B4-BE49-F238E27FC236}">
+                <a16:creationId xmlns:a16="http://schemas.microsoft.com/office/drawing/2014/main" id="{77CB29EB-5A9E-4F1A-A143-7567395CF0B7}"/>
+              </a:ext>
+            </a:extLst>
+          </p:cNvPr>
+          <p:cNvPicPr>
+            <a:picLocks noChangeAspect="1"/>
+          </p:cNvPicPr>
+          <p:nvPr>
+            <a:videoFile r:link="rId3"/>
+            <p:extLst>
+              <p:ext uri="{DAA4B4D4-6D71-4841-9C94-3DE7FCFB9230}">
+                <p14:media xmlns:p14="http://schemas.microsoft.com/office/powerpoint/2010/main" r:embed="rId2"/>
+              </p:ext>
+            </p:extLst>
+          </p:nvPr>
+        </p:nvPicPr>
+        <p:blipFill rotWithShape="1">
+          <a:blip r:embed="rId6"/>
+          <a:srcRect l="4189" t="7268" r="8025"/>
+          <a:stretch/>
+        </p:blipFill>
+        <p:spPr>
+          <a:xfrm>
+            <a:off x="1636969" y="1125415"/>
+            <a:ext cx="4974848" cy="3941352"/>
+          </a:xfrm>
+          <a:prstGeom prst="rect">
+            <a:avLst/>
+          </a:prstGeom>
+        </p:spPr>
+      </p:pic>
+      <p:sp>
+        <p:nvSpPr>
+          <p:cNvPr id="5" name="Slide Number Placeholder 4">
+            <a:extLst>
+              <a:ext uri="{FF2B5EF4-FFF2-40B4-BE49-F238E27FC236}">
+                <a16:creationId xmlns:a16="http://schemas.microsoft.com/office/drawing/2014/main" id="{055E1D58-53A6-4ED3-BFE9-42A550396E9F}"/>
+              </a:ext>
+            </a:extLst>
+          </p:cNvPr>
+          <p:cNvSpPr>
+            <a:spLocks noGrp="1"/>
+          </p:cNvSpPr>
+          <p:nvPr>
+            <p:ph type="sldNum" idx="12"/>
+          </p:nvPr>
+        </p:nvSpPr>
+        <p:spPr/>
+        <p:txBody>
+          <a:bodyPr/>
+          <a:lstStyle/>
+          <a:p>
+            <a:pPr marL="0" lvl="0" indent="0" algn="r" rtl="0">
+              <a:spcBef>
+                <a:spcPts val="0"/>
+              </a:spcBef>
+              <a:spcAft>
+                <a:spcPts val="0"/>
+              </a:spcAft>
+              <a:buNone/>
+            </a:pPr>
+            <a:fld id="{00000000-1234-1234-1234-123412341234}" type="slidenum">
+              <a:rPr lang="en" smtClean="0"/>
+              <a:t>4</a:t>
+            </a:fld>
+            <a:endParaRPr lang="en"/>
+          </a:p>
+        </p:txBody>
+      </p:sp>
+    </p:spTree>
+    <p:custDataLst>
+      <p:tags r:id="rId1"/>
+    </p:custDataLst>
+  </p:cSld>
+  <p:clrMapOvr>
+    <a:masterClrMapping/>
+  </p:clrMapOvr>
+  <p:timing>
+    <p:tnLst>
+      <p:par>
+        <p:cTn id="1" dur="indefinite" restart="never" nodeType="tmRoot">
+          <p:childTnLst>
+            <p:seq concurrent="1" nextAc="seek">
+              <p:cTn id="2" dur="indefinite" nodeType="mainSeq">
+                <p:childTnLst>
+                  <p:par>
+                    <p:cTn id="3" fill="hold">
+                      <p:stCondLst>
+                        <p:cond delay="indefinite"/>
+                      </p:stCondLst>
+                      <p:childTnLst>
+                        <p:par>
+                          <p:cTn id="4" fill="hold">
+                            <p:stCondLst>
+                              <p:cond delay="0"/>
+                            </p:stCondLst>
+                            <p:childTnLst>
+                              <p:par>
+                                <p:cTn id="5" presetID="1" presetClass="mediacall" presetSubtype="0" fill="hold" nodeType="clickEffect">
+                                  <p:stCondLst>
+                                    <p:cond delay="0"/>
+                                  </p:stCondLst>
+                                  <p:childTnLst>
+                                    <p:cmd type="call" cmd="playFrom(0.0)">
+                                      <p:cBhvr>
+                                        <p:cTn id="6" dur="20834" fill="hold"/>
+                                        <p:tgtEl>
+                                          <p:spTgt spid="4"/>
+                                        </p:tgtEl>
+                                      </p:cBhvr>
+                                    </p:cmd>
+                                  </p:childTnLst>
+                                </p:cTn>
+                              </p:par>
+                            </p:childTnLst>
+                          </p:cTn>
+                        </p:par>
+                      </p:childTnLst>
+                    </p:cTn>
+                  </p:par>
+                </p:childTnLst>
+              </p:cTn>
+              <p:prevCondLst>
+                <p:cond evt="onPrev" delay="0">
+                  <p:tgtEl>
+                    <p:sldTgt/>
+                  </p:tgtEl>
+                </p:cond>
+              </p:prevCondLst>
+              <p:nextCondLst>
+                <p:cond evt="onNext" delay="0">
+                  <p:tgtEl>
+                    <p:sldTgt/>
+                  </p:tgtEl>
+                </p:cond>
+              </p:nextCondLst>
+            </p:seq>
+            <p:video>
+              <p:cMediaNode vol="80000">
+                <p:cTn id="7" fill="hold" display="0">
+                  <p:stCondLst>
+                    <p:cond delay="indefinite"/>
+                  </p:stCondLst>
+                </p:cTn>
+                <p:tgtEl>
+                  <p:spTgt spid="4"/>
+                </p:tgtEl>
+              </p:cMediaNode>
+            </p:video>
+            <p:seq concurrent="1" nextAc="seek">
+              <p:cTn id="8" restart="whenNotActive" fill="hold" evtFilter="cancelBubble" nodeType="interactiveSeq">
+                <p:stCondLst>
+                  <p:cond evt="onClick" delay="0">
+                    <p:tgtEl>
+                      <p:spTgt spid="4"/>
+                    </p:tgtEl>
+                  </p:cond>
+                </p:stCondLst>
+                <p:endSync evt="end" delay="0">
+                  <p:rtn val="all"/>
+                </p:endSync>
+                <p:childTnLst>
+                  <p:par>
+                    <p:cTn id="9" fill="hold">
+                      <p:stCondLst>
+                        <p:cond delay="0"/>
+                      </p:stCondLst>
+                      <p:childTnLst>
+                        <p:par>
+                          <p:cTn id="10" fill="hold">
+                            <p:stCondLst>
+                              <p:cond delay="0"/>
+                            </p:stCondLst>
+                            <p:childTnLst>
+                              <p:par>
+                                <p:cTn id="11" presetID="2" presetClass="mediacall" presetSubtype="0" fill="hold" nodeType="clickEffect">
+                                  <p:stCondLst>
+                                    <p:cond delay="0"/>
+                                  </p:stCondLst>
+                                  <p:childTnLst>
+                                    <p:cmd type="call" cmd="togglePause">
+                                      <p:cBhvr>
+                                        <p:cTn id="12" dur="1" fill="hold"/>
+                                        <p:tgtEl>
+                                          <p:spTgt spid="4"/>
+                                        </p:tgtEl>
+                                      </p:cBhvr>
+                                    </p:cmd>
+                                  </p:childTnLst>
+                                </p:cTn>
+                              </p:par>
+                            </p:childTnLst>
+                          </p:cTn>
+                        </p:par>
+                      </p:childTnLst>
+                    </p:cTn>
+                  </p:par>
+                </p:childTnLst>
+              </p:cTn>
+              <p:nextCondLst>
+                <p:cond evt="onClick" delay="0">
+                  <p:tgtEl>
+                    <p:spTgt spid="4"/>
+                  </p:tgtEl>
+                </p:cond>
+              </p:nextCondLst>
+            </p:seq>
+          </p:childTnLst>
+        </p:cTn>
+      </p:par>
+    </p:tnLst>
+  </p:timing>
+</p:sld>
+</file>
+
+<file path=ppt/slides/slide5.xml><?xml version="1.0" encoding="utf-8"?>
+<p:sld xmlns:a="http://schemas.openxmlformats.org/drawingml/2006/main" xmlns:r="http://schemas.openxmlformats.org/officeDocument/2006/relationships" xmlns:p="http://schemas.openxmlformats.org/presentationml/2006/main">
+  <p:cSld>
+    <p:spTree>
+      <p:nvGrpSpPr>
+        <p:cNvPr id="1" name="Shape 65"/>
+        <p:cNvGrpSpPr/>
+        <p:nvPr/>
+      </p:nvGrpSpPr>
+      <p:grpSpPr>
+        <a:xfrm>
+          <a:off x="0" y="0"/>
+          <a:ext cx="0" cy="0"/>
+          <a:chOff x="0" y="0"/>
+          <a:chExt cx="0" cy="0"/>
+        </a:xfrm>
+      </p:grpSpPr>
+      <mc:AlternateContent xmlns:mc="http://schemas.openxmlformats.org/markup-compatibility/2006" xmlns:a14="http://schemas.microsoft.com/office/drawing/2010/main">
+        <mc:Choice Requires="a14">
+          <p:sp>
+            <p:nvSpPr>
+              <p:cNvPr id="66" name="Google Shape;66;p15"/>
+              <p:cNvSpPr txBox="1">
+                <a:spLocks noGrp="1"/>
+              </p:cNvSpPr>
+              <p:nvPr>
+                <p:ph type="title"/>
+              </p:nvPr>
+            </p:nvSpPr>
+            <p:spPr>
+              <a:xfrm>
+                <a:off x="311700" y="445025"/>
+                <a:ext cx="8520600" cy="572700"/>
+              </a:xfrm>
+              <a:prstGeom prst="rect">
+                <a:avLst/>
+              </a:prstGeom>
+            </p:spPr>
+            <p:txBody>
+              <a:bodyPr spcFirstLastPara="1" wrap="square" lIns="91425" tIns="91425" rIns="91425" bIns="91425" anchor="t" anchorCtr="0">
+                <a:noAutofit/>
+              </a:bodyPr>
+              <a:lstStyle/>
+              <a:p>
+                <a:pPr lvl="0"/>
+                <a:r>
+                  <a:rPr lang="en" dirty="0"/>
+                  <a:t>Extracting trajectories from </a:t>
+                </a:r>
+                <a14:m>
+                  <m:oMath xmlns:m="http://schemas.openxmlformats.org/officeDocument/2006/math">
+                    <m:r>
+                      <m:rPr>
+                        <m:sty m:val="p"/>
+                      </m:rPr>
+                      <a:rPr lang="en-US" b="0" i="0" smtClean="0">
+                        <a:latin typeface="Cambria Math" panose="02040503050406030204" pitchFamily="18" charset="0"/>
+                      </a:rPr>
+                      <m:t>Ψ</m:t>
+                    </m:r>
+                  </m:oMath>
+                </a14:m>
+                <a:endParaRPr dirty="0"/>
+              </a:p>
+            </p:txBody>
+          </p:sp>
+        </mc:Choice>
+        <mc:Fallback xmlns="">
+          <p:sp>
+            <p:nvSpPr>
+              <p:cNvPr id="66" name="Google Shape;66;p15"/>
+              <p:cNvSpPr txBox="1">
+                <a:spLocks noGrp="1" noRot="1" noChangeAspect="1" noMove="1" noResize="1" noEditPoints="1" noAdjustHandles="1" noChangeArrowheads="1" noChangeShapeType="1" noTextEdit="1"/>
+              </p:cNvSpPr>
+              <p:nvPr>
+                <p:ph type="title"/>
+              </p:nvPr>
+            </p:nvSpPr>
+            <p:spPr>
+              <a:xfrm>
+                <a:off x="311700" y="445025"/>
+                <a:ext cx="8520600" cy="572700"/>
+              </a:xfrm>
+              <a:prstGeom prst="rect">
+                <a:avLst/>
+              </a:prstGeom>
+              <a:blipFill>
+                <a:blip r:embed="rId6"/>
+                <a:stretch>
+                  <a:fillRect l="-1431" t="-3191" b="-27660"/>
+                </a:stretch>
+              </a:blipFill>
+            </p:spPr>
+            <p:txBody>
+              <a:bodyPr/>
+              <a:lstStyle/>
+              <a:p>
+                <a:r>
+                  <a:rPr lang="en-US">
+                    <a:noFill/>
+                  </a:rPr>
+                  <a:t> </a:t>
+                </a:r>
+              </a:p>
+            </p:txBody>
+          </p:sp>
+        </mc:Fallback>
+      </mc:AlternateContent>
+      <mc:AlternateContent xmlns:mc="http://schemas.openxmlformats.org/markup-compatibility/2006">
+        <mc:Choice xmlns:a14="http://schemas.microsoft.com/office/drawing/2010/main" Requires="a14">
+          <p:sp>
+            <p:nvSpPr>
+              <p:cNvPr id="3" name="TextBox 2">
+                <a:extLst>
+                  <a:ext uri="{FF2B5EF4-FFF2-40B4-BE49-F238E27FC236}">
+                    <a16:creationId xmlns:a16="http://schemas.microsoft.com/office/drawing/2014/main" id="{489E280E-FA7B-402A-AE06-C327B4E15954}"/>
+                  </a:ext>
+                </a:extLst>
+              </p:cNvPr>
+              <p:cNvSpPr txBox="1"/>
+              <p:nvPr/>
+            </p:nvSpPr>
+            <p:spPr>
+              <a:xfrm>
+                <a:off x="310115" y="1831922"/>
+                <a:ext cx="3411415" cy="328680"/>
+              </a:xfrm>
+              <a:prstGeom prst="rect">
+                <a:avLst/>
+              </a:prstGeom>
+              <a:noFill/>
+            </p:spPr>
+            <p:txBody>
+              <a:bodyPr wrap="square" lIns="0" tIns="0" rIns="0" bIns="0" rtlCol="0">
+                <a:spAutoFit/>
+              </a:bodyPr>
+              <a:lstStyle/>
+              <a:p>
+                <a:pPr/>
+                <a14:m>
+                  <m:oMathPara xmlns:m="http://schemas.openxmlformats.org/officeDocument/2006/math">
+                    <m:oMathParaPr>
+                      <m:jc m:val="centerGroup"/>
+                    </m:oMathParaPr>
+                    <m:oMath xmlns:m="http://schemas.openxmlformats.org/officeDocument/2006/math">
+                      <m:r>
+                        <m:rPr>
+                          <m:sty m:val="p"/>
+                        </m:rPr>
+                        <a:rPr lang="en-US" sz="2000" b="0" i="0" smtClean="0">
+                          <a:latin typeface="Cambria Math" panose="02040503050406030204" pitchFamily="18" charset="0"/>
+                        </a:rPr>
+                        <m:t>Ψ</m:t>
+                      </m:r>
+                      <m:d>
+                        <m:dPr>
+                          <m:ctrlPr>
+                            <a:rPr lang="en-US" sz="2000" b="0" i="1" smtClean="0">
+                              <a:latin typeface="Cambria Math" panose="02040503050406030204" pitchFamily="18" charset="0"/>
+                            </a:rPr>
+                          </m:ctrlPr>
+                        </m:dPr>
+                        <m:e>
+                          <m:r>
+                            <a:rPr lang="en-US" sz="2000" b="0" i="1" smtClean="0">
+                              <a:latin typeface="Cambria Math" panose="02040503050406030204" pitchFamily="18" charset="0"/>
+                            </a:rPr>
+                            <m:t>𝑡</m:t>
+                          </m:r>
+                          <m:r>
+                            <a:rPr lang="en-US" sz="2000" b="0" i="1" smtClean="0">
+                              <a:latin typeface="Cambria Math" panose="02040503050406030204" pitchFamily="18" charset="0"/>
+                            </a:rPr>
+                            <m:t>, </m:t>
+                          </m:r>
+                          <m:r>
+                            <a:rPr lang="en-US" sz="2000" b="0" i="1" smtClean="0">
+                              <a:latin typeface="Cambria Math" panose="02040503050406030204" pitchFamily="18" charset="0"/>
+                            </a:rPr>
+                            <m:t>𝑥</m:t>
+                          </m:r>
+                        </m:e>
+                      </m:d>
+                      <m:r>
+                        <a:rPr lang="en-US" sz="2000" b="0" i="1" smtClean="0">
+                          <a:latin typeface="Cambria Math" panose="02040503050406030204" pitchFamily="18" charset="0"/>
+                        </a:rPr>
+                        <m:t>=</m:t>
+                      </m:r>
+                      <m:r>
+                        <a:rPr lang="en-US" sz="2000" b="0" i="1" smtClean="0">
+                          <a:latin typeface="Cambria Math" panose="02040503050406030204" pitchFamily="18" charset="0"/>
+                        </a:rPr>
+                        <m:t>𝑅</m:t>
+                      </m:r>
+                      <m:d>
+                        <m:dPr>
+                          <m:ctrlPr>
+                            <a:rPr lang="en-US" sz="2000" b="0" i="1" smtClean="0">
+                              <a:latin typeface="Cambria Math" panose="02040503050406030204" pitchFamily="18" charset="0"/>
+                            </a:rPr>
+                          </m:ctrlPr>
+                        </m:dPr>
+                        <m:e>
+                          <m:r>
+                            <a:rPr lang="en-US" sz="2000" b="0" i="1" smtClean="0">
+                              <a:latin typeface="Cambria Math" panose="02040503050406030204" pitchFamily="18" charset="0"/>
+                            </a:rPr>
+                            <m:t>𝑡</m:t>
+                          </m:r>
+                          <m:r>
+                            <a:rPr lang="en-US" sz="2000" b="0" i="1" smtClean="0">
+                              <a:latin typeface="Cambria Math" panose="02040503050406030204" pitchFamily="18" charset="0"/>
+                            </a:rPr>
+                            <m:t>, </m:t>
+                          </m:r>
+                          <m:r>
+                            <a:rPr lang="en-US" sz="2000" b="0" i="1" smtClean="0">
+                              <a:latin typeface="Cambria Math" panose="02040503050406030204" pitchFamily="18" charset="0"/>
+                            </a:rPr>
+                            <m:t>𝑥</m:t>
+                          </m:r>
+                        </m:e>
+                      </m:d>
+                      <m:sSup>
+                        <m:sSupPr>
+                          <m:ctrlPr>
+                            <a:rPr lang="en-US" sz="2000" b="0" i="1" smtClean="0">
+                              <a:latin typeface="Cambria Math" panose="02040503050406030204" pitchFamily="18" charset="0"/>
+                            </a:rPr>
+                          </m:ctrlPr>
+                        </m:sSupPr>
+                        <m:e>
+                          <m:r>
+                            <a:rPr lang="en-US" sz="2000" b="0" i="1" smtClean="0">
+                              <a:latin typeface="Cambria Math" panose="02040503050406030204" pitchFamily="18" charset="0"/>
+                            </a:rPr>
+                            <m:t>𝑒</m:t>
+                          </m:r>
+                        </m:e>
+                        <m:sup>
+                          <m:f>
+                            <m:fPr>
+                              <m:type m:val="lin"/>
+                              <m:ctrlPr>
+                                <a:rPr lang="en-US" sz="2000" b="0" i="1" smtClean="0">
+                                  <a:latin typeface="Cambria Math" panose="02040503050406030204" pitchFamily="18" charset="0"/>
+                                </a:rPr>
+                              </m:ctrlPr>
+                            </m:fPr>
+                            <m:num>
+                              <m:r>
+                                <a:rPr lang="en-US" sz="2000" i="1">
+                                  <a:latin typeface="Cambria Math" panose="02040503050406030204" pitchFamily="18" charset="0"/>
+                                </a:rPr>
+                                <m:t>𝑖𝑆</m:t>
+                              </m:r>
+                              <m:d>
+                                <m:dPr>
+                                  <m:ctrlPr>
+                                    <a:rPr lang="en-US" sz="2000" i="1">
+                                      <a:latin typeface="Cambria Math" panose="02040503050406030204" pitchFamily="18" charset="0"/>
+                                    </a:rPr>
+                                  </m:ctrlPr>
+                                </m:dPr>
+                                <m:e>
+                                  <m:r>
+                                    <a:rPr lang="en-US" sz="2000" i="1">
+                                      <a:latin typeface="Cambria Math" panose="02040503050406030204" pitchFamily="18" charset="0"/>
+                                    </a:rPr>
+                                    <m:t>𝑡</m:t>
+                                  </m:r>
+                                  <m:r>
+                                    <a:rPr lang="en-US" sz="2000" i="1">
+                                      <a:latin typeface="Cambria Math" panose="02040503050406030204" pitchFamily="18" charset="0"/>
+                                    </a:rPr>
+                                    <m:t>, </m:t>
+                                  </m:r>
+                                  <m:r>
+                                    <a:rPr lang="en-US" sz="2000" i="1">
+                                      <a:latin typeface="Cambria Math" panose="02040503050406030204" pitchFamily="18" charset="0"/>
+                                    </a:rPr>
+                                    <m:t>𝑥</m:t>
+                                  </m:r>
+                                </m:e>
+                              </m:d>
+                            </m:num>
+                            <m:den>
+                              <m:r>
+                                <a:rPr lang="en-US" sz="2000" b="0" i="1" smtClean="0">
+                                  <a:latin typeface="Cambria Math" panose="02040503050406030204" pitchFamily="18" charset="0"/>
+                                </a:rPr>
+                                <m:t>ℏ</m:t>
+                              </m:r>
+                            </m:den>
+                          </m:f>
+                        </m:sup>
+                      </m:sSup>
+                    </m:oMath>
+                  </m:oMathPara>
+                </a14:m>
+                <a:endParaRPr lang="en-US" sz="2000" dirty="0"/>
+              </a:p>
+            </p:txBody>
+          </p:sp>
+        </mc:Choice>
+        <mc:Fallback>
+          <p:sp>
+            <p:nvSpPr>
+              <p:cNvPr id="3" name="TextBox 2">
+                <a:extLst>
+                  <a:ext uri="{FF2B5EF4-FFF2-40B4-BE49-F238E27FC236}">
+                    <a16:creationId xmlns:a16="http://schemas.microsoft.com/office/drawing/2014/main" id="{489E280E-FA7B-402A-AE06-C327B4E15954}"/>
+                  </a:ext>
+                </a:extLst>
+              </p:cNvPr>
+              <p:cNvSpPr txBox="1">
+                <a:spLocks noRot="1" noChangeAspect="1" noMove="1" noResize="1" noEditPoints="1" noAdjustHandles="1" noChangeArrowheads="1" noChangeShapeType="1" noTextEdit="1"/>
+              </p:cNvSpPr>
+              <p:nvPr/>
+            </p:nvSpPr>
+            <p:spPr>
+              <a:xfrm>
+                <a:off x="310115" y="1831922"/>
+                <a:ext cx="3411415" cy="328680"/>
+              </a:xfrm>
+              <a:prstGeom prst="rect">
+                <a:avLst/>
+              </a:prstGeom>
+              <a:blipFill>
+                <a:blip r:embed="rId7"/>
+                <a:stretch>
+                  <a:fillRect t="-122642" r="-4472" b="-149057"/>
+                </a:stretch>
+              </a:blipFill>
+            </p:spPr>
+            <p:txBody>
+              <a:bodyPr/>
+              <a:lstStyle/>
+              <a:p>
+                <a:r>
+                  <a:rPr lang="en-US">
+                    <a:noFill/>
+                  </a:rPr>
+                  <a:t> </a:t>
+                </a:r>
+              </a:p>
+            </p:txBody>
+          </p:sp>
+        </mc:Fallback>
+      </mc:AlternateContent>
+      <mc:AlternateContent xmlns:mc="http://schemas.openxmlformats.org/markup-compatibility/2006">
+        <mc:Choice xmlns:a14="http://schemas.microsoft.com/office/drawing/2010/main" Requires="a14">
+          <p:sp>
+            <p:nvSpPr>
+              <p:cNvPr id="4" name="TextBox 3">
+                <a:extLst>
+                  <a:ext uri="{FF2B5EF4-FFF2-40B4-BE49-F238E27FC236}">
+                    <a16:creationId xmlns:a16="http://schemas.microsoft.com/office/drawing/2014/main" id="{3BA0D78C-234B-4824-B459-DE8C2411A5A9}"/>
+                  </a:ext>
+                </a:extLst>
+              </p:cNvPr>
+              <p:cNvSpPr txBox="1"/>
+              <p:nvPr/>
+            </p:nvSpPr>
+            <p:spPr>
+              <a:xfrm>
+                <a:off x="1592094" y="2762415"/>
+                <a:ext cx="845873" cy="578235"/>
+              </a:xfrm>
+              <a:prstGeom prst="rect">
+                <a:avLst/>
+              </a:prstGeom>
+              <a:noFill/>
+            </p:spPr>
+            <p:txBody>
+              <a:bodyPr wrap="none" lIns="0" tIns="0" rIns="0" bIns="0" rtlCol="0">
+                <a:spAutoFit/>
+              </a:bodyPr>
+              <a:lstStyle/>
+              <a:p>
+                <a:pPr/>
+                <a14:m>
+                  <m:oMathPara xmlns:m="http://schemas.openxmlformats.org/officeDocument/2006/math">
+                    <m:oMathParaPr>
+                      <m:jc m:val="center"/>
+                    </m:oMathParaPr>
+                    <m:oMath xmlns:m="http://schemas.openxmlformats.org/officeDocument/2006/math">
+                      <m:r>
+                        <a:rPr lang="en-US" sz="2000" b="0" i="1" smtClean="0">
+                          <a:latin typeface="Cambria Math" panose="02040503050406030204" pitchFamily="18" charset="0"/>
+                        </a:rPr>
+                        <m:t>𝑣</m:t>
+                      </m:r>
+                      <m:r>
+                        <a:rPr lang="en-US" sz="2000" b="0" i="1" smtClean="0">
+                          <a:latin typeface="Cambria Math" panose="02040503050406030204" pitchFamily="18" charset="0"/>
+                        </a:rPr>
+                        <m:t>=</m:t>
+                      </m:r>
+                      <m:f>
+                        <m:fPr>
+                          <m:ctrlPr>
+                            <a:rPr lang="en-US" sz="2000" b="0" i="1" smtClean="0">
+                              <a:latin typeface="Cambria Math" panose="02040503050406030204" pitchFamily="18" charset="0"/>
+                            </a:rPr>
+                          </m:ctrlPr>
+                        </m:fPr>
+                        <m:num>
+                          <m:r>
+                            <m:rPr>
+                              <m:sty m:val="p"/>
+                            </m:rPr>
+                            <a:rPr lang="en-US" sz="2000" b="0" i="0" smtClean="0">
+                              <a:latin typeface="Cambria Math" panose="02040503050406030204" pitchFamily="18" charset="0"/>
+                            </a:rPr>
+                            <m:t>∇</m:t>
+                          </m:r>
+                          <m:r>
+                            <a:rPr lang="en-US" sz="2000" b="0" i="1" smtClean="0">
+                              <a:latin typeface="Cambria Math" panose="02040503050406030204" pitchFamily="18" charset="0"/>
+                            </a:rPr>
+                            <m:t>𝑆</m:t>
+                          </m:r>
+                        </m:num>
+                        <m:den>
+                          <m:r>
+                            <a:rPr lang="en-US" sz="2000" b="0" i="1" smtClean="0">
+                              <a:latin typeface="Cambria Math" panose="02040503050406030204" pitchFamily="18" charset="0"/>
+                            </a:rPr>
+                            <m:t>𝑚</m:t>
+                          </m:r>
+                        </m:den>
+                      </m:f>
+                    </m:oMath>
+                  </m:oMathPara>
+                </a14:m>
+                <a:endParaRPr lang="en-US" dirty="0"/>
+              </a:p>
+            </p:txBody>
+          </p:sp>
+        </mc:Choice>
+        <mc:Fallback>
+          <p:sp>
+            <p:nvSpPr>
+              <p:cNvPr id="4" name="TextBox 3">
+                <a:extLst>
+                  <a:ext uri="{FF2B5EF4-FFF2-40B4-BE49-F238E27FC236}">
+                    <a16:creationId xmlns:a16="http://schemas.microsoft.com/office/drawing/2014/main" id="{3BA0D78C-234B-4824-B459-DE8C2411A5A9}"/>
+                  </a:ext>
+                </a:extLst>
+              </p:cNvPr>
+              <p:cNvSpPr txBox="1">
+                <a:spLocks noRot="1" noChangeAspect="1" noMove="1" noResize="1" noEditPoints="1" noAdjustHandles="1" noChangeArrowheads="1" noChangeShapeType="1" noTextEdit="1"/>
+              </p:cNvSpPr>
+              <p:nvPr/>
+            </p:nvSpPr>
+            <p:spPr>
+              <a:xfrm>
+                <a:off x="1592094" y="2762415"/>
+                <a:ext cx="845873" cy="578235"/>
+              </a:xfrm>
+              <a:prstGeom prst="rect">
+                <a:avLst/>
+              </a:prstGeom>
+              <a:blipFill>
+                <a:blip r:embed="rId8"/>
+                <a:stretch>
+                  <a:fillRect/>
+                </a:stretch>
+              </a:blipFill>
+            </p:spPr>
+            <p:txBody>
+              <a:bodyPr/>
+              <a:lstStyle/>
+              <a:p>
+                <a:r>
+                  <a:rPr lang="en-US">
+                    <a:noFill/>
+                  </a:rPr>
+                  <a:t> </a:t>
+                </a:r>
+              </a:p>
+            </p:txBody>
+          </p:sp>
+        </mc:Fallback>
+      </mc:AlternateContent>
+      <p:pic>
+        <p:nvPicPr>
+          <p:cNvPr id="6" name="barrier-trajectories">
+            <a:hlinkClick r:id="" action="ppaction://media"/>
+            <a:extLst>
+              <a:ext uri="{FF2B5EF4-FFF2-40B4-BE49-F238E27FC236}">
+                <a16:creationId xmlns:a16="http://schemas.microsoft.com/office/drawing/2014/main" id="{9F8BD9DA-76CA-47F8-9B65-4F181ED735E4}"/>
+              </a:ext>
+            </a:extLst>
+          </p:cNvPr>
+          <p:cNvPicPr>
+            <a:picLocks noChangeAspect="1"/>
+          </p:cNvPicPr>
+          <p:nvPr>
+            <a:videoFile r:link="rId3"/>
+            <p:extLst>
+              <p:ext uri="{DAA4B4D4-6D71-4841-9C94-3DE7FCFB9230}">
+                <p14:media xmlns:p14="http://schemas.microsoft.com/office/powerpoint/2010/main" r:embed="rId2"/>
+              </p:ext>
+            </p:extLst>
+          </p:nvPr>
+        </p:nvPicPr>
+        <p:blipFill rotWithShape="1">
+          <a:blip r:embed="rId9"/>
+          <a:srcRect l="7748" t="8082" r="8034" b="3922"/>
+          <a:stretch/>
+        </p:blipFill>
+        <p:spPr>
+          <a:xfrm>
+            <a:off x="3719945" y="1017725"/>
+            <a:ext cx="5207973" cy="4081208"/>
+          </a:xfrm>
+          <a:prstGeom prst="rect">
+            <a:avLst/>
+          </a:prstGeom>
+        </p:spPr>
+      </p:pic>
+      <p:sp>
+        <p:nvSpPr>
+          <p:cNvPr id="7" name="Slide Number Placeholder 6">
+            <a:extLst>
+              <a:ext uri="{FF2B5EF4-FFF2-40B4-BE49-F238E27FC236}">
+                <a16:creationId xmlns:a16="http://schemas.microsoft.com/office/drawing/2014/main" id="{0C99B951-2C32-4B67-BC59-D937E462D9F1}"/>
+              </a:ext>
+            </a:extLst>
+          </p:cNvPr>
+          <p:cNvSpPr>
+            <a:spLocks noGrp="1"/>
+          </p:cNvSpPr>
+          <p:nvPr>
+            <p:ph type="sldNum" idx="12"/>
+          </p:nvPr>
+        </p:nvSpPr>
+        <p:spPr/>
+        <p:txBody>
+          <a:bodyPr/>
+          <a:lstStyle/>
+          <a:p>
+            <a:pPr marL="0" lvl="0" indent="0" algn="r" rtl="0">
+              <a:spcBef>
+                <a:spcPts val="0"/>
+              </a:spcBef>
+              <a:spcAft>
+                <a:spcPts val="0"/>
+              </a:spcAft>
+              <a:buNone/>
+            </a:pPr>
+            <a:fld id="{00000000-1234-1234-1234-123412341234}" type="slidenum">
+              <a:rPr lang="en" smtClean="0"/>
+              <a:t>5</a:t>
+            </a:fld>
+            <a:endParaRPr lang="en"/>
+          </a:p>
+        </p:txBody>
+      </p:sp>
+    </p:spTree>
+    <p:custDataLst>
+      <p:tags r:id="rId1"/>
+    </p:custDataLst>
+  </p:cSld>
+  <p:clrMapOvr>
+    <a:masterClrMapping/>
+  </p:clrMapOvr>
+  <p:timing>
+    <p:tnLst>
+      <p:par>
+        <p:cTn id="1" dur="indefinite" restart="never" nodeType="tmRoot">
+          <p:childTnLst>
+            <p:seq concurrent="1" nextAc="seek">
+              <p:cTn id="2" dur="indefinite" nodeType="mainSeq">
+                <p:childTnLst>
+                  <p:par>
+                    <p:cTn id="3" fill="hold">
+                      <p:stCondLst>
+                        <p:cond delay="indefinite"/>
+                      </p:stCondLst>
+                      <p:childTnLst>
+                        <p:par>
+                          <p:cTn id="4" fill="hold">
+                            <p:stCondLst>
+                              <p:cond delay="0"/>
+                            </p:stCondLst>
+                            <p:childTnLst>
+                              <p:par>
+                                <p:cTn id="5" presetID="1" presetClass="mediacall" presetSubtype="0" fill="hold" nodeType="clickEffect">
+                                  <p:stCondLst>
+                                    <p:cond delay="0"/>
+                                  </p:stCondLst>
+                                  <p:childTnLst>
+                                    <p:cmd type="call" cmd="playFrom(0.0)">
+                                      <p:cBhvr>
+                                        <p:cTn id="6" dur="8334" fill="hold"/>
+                                        <p:tgtEl>
+                                          <p:spTgt spid="6"/>
+                                        </p:tgtEl>
+                                      </p:cBhvr>
+                                    </p:cmd>
+                                  </p:childTnLst>
+                                </p:cTn>
+                              </p:par>
+                            </p:childTnLst>
+                          </p:cTn>
+                        </p:par>
+                      </p:childTnLst>
+                    </p:cTn>
+                  </p:par>
+                </p:childTnLst>
+              </p:cTn>
+              <p:prevCondLst>
+                <p:cond evt="onPrev" delay="0">
+                  <p:tgtEl>
+                    <p:sldTgt/>
+                  </p:tgtEl>
+                </p:cond>
+              </p:prevCondLst>
+              <p:nextCondLst>
+                <p:cond evt="onNext" delay="0">
+                  <p:tgtEl>
+                    <p:sldTgt/>
+                  </p:tgtEl>
+                </p:cond>
+              </p:nextCondLst>
+            </p:seq>
+            <p:video>
+              <p:cMediaNode vol="80000">
+                <p:cTn id="7" fill="hold" display="0">
+                  <p:stCondLst>
+                    <p:cond delay="indefinite"/>
+                  </p:stCondLst>
+                </p:cTn>
+                <p:tgtEl>
+                  <p:spTgt spid="6"/>
+                </p:tgtEl>
+              </p:cMediaNode>
+            </p:video>
+            <p:seq concurrent="1" nextAc="seek">
+              <p:cTn id="8" restart="whenNotActive" fill="hold" evtFilter="cancelBubble" nodeType="interactiveSeq">
+                <p:stCondLst>
+                  <p:cond evt="onClick" delay="0">
+                    <p:tgtEl>
+                      <p:spTgt spid="6"/>
+                    </p:tgtEl>
+                  </p:cond>
+                </p:stCondLst>
+                <p:endSync evt="end" delay="0">
+                  <p:rtn val="all"/>
+                </p:endSync>
+                <p:childTnLst>
+                  <p:par>
+                    <p:cTn id="9" fill="hold">
+                      <p:stCondLst>
+                        <p:cond delay="0"/>
+                      </p:stCondLst>
+                      <p:childTnLst>
+                        <p:par>
+                          <p:cTn id="10" fill="hold">
+                            <p:stCondLst>
+                              <p:cond delay="0"/>
+                            </p:stCondLst>
+                            <p:childTnLst>
+                              <p:par>
+                                <p:cTn id="11" presetID="2" presetClass="mediacall" presetSubtype="0" fill="hold" nodeType="clickEffect">
+                                  <p:stCondLst>
+                                    <p:cond delay="0"/>
+                                  </p:stCondLst>
+                                  <p:childTnLst>
+                                    <p:cmd type="call" cmd="togglePause">
+                                      <p:cBhvr>
+                                        <p:cTn id="12" dur="1" fill="hold"/>
+                                        <p:tgtEl>
+                                          <p:spTgt spid="6"/>
+                                        </p:tgtEl>
+                                      </p:cBhvr>
+                                    </p:cmd>
+                                  </p:childTnLst>
+                                </p:cTn>
+                              </p:par>
+                            </p:childTnLst>
+                          </p:cTn>
+                        </p:par>
+                      </p:childTnLst>
+                    </p:cTn>
+                  </p:par>
+                </p:childTnLst>
+              </p:cTn>
+              <p:nextCondLst>
+                <p:cond evt="onClick" delay="0">
+                  <p:tgtEl>
+                    <p:spTgt spid="6"/>
+                  </p:tgtEl>
+                </p:cond>
+              </p:nextCondLst>
+            </p:seq>
+          </p:childTnLst>
+        </p:cTn>
+      </p:par>
+    </p:tnLst>
+  </p:timing>
+</p:sld>
+</file>
+
+<file path=ppt/slides/slide6.xml><?xml version="1.0" encoding="utf-8"?>
+<p:sld xmlns:a="http://schemas.openxmlformats.org/drawingml/2006/main" xmlns:r="http://schemas.openxmlformats.org/officeDocument/2006/relationships" xmlns:p="http://schemas.openxmlformats.org/presentationml/2006/main">
+  <p:cSld>
+    <p:spTree>
+      <p:nvGrpSpPr>
+        <p:cNvPr id="1" name="Shape 71"/>
+        <p:cNvGrpSpPr/>
+        <p:nvPr/>
+      </p:nvGrpSpPr>
+      <p:grpSpPr>
+        <a:xfrm>
+          <a:off x="0" y="0"/>
+          <a:ext cx="0" cy="0"/>
+          <a:chOff x="0" y="0"/>
+          <a:chExt cx="0" cy="0"/>
+        </a:xfrm>
+      </p:grpSpPr>
+      <p:sp>
+        <p:nvSpPr>
+          <p:cNvPr id="72" name="Google Shape;72;p16"/>
+          <p:cNvSpPr txBox="1">
+            <a:spLocks noGrp="1"/>
+          </p:cNvSpPr>
+          <p:nvPr>
+            <p:ph type="title"/>
+          </p:nvPr>
+        </p:nvSpPr>
+        <p:spPr>
+          <a:xfrm>
+            <a:off x="311700" y="445025"/>
+            <a:ext cx="8520600" cy="572700"/>
+          </a:xfrm>
+          <a:prstGeom prst="rect">
+            <a:avLst/>
+          </a:prstGeom>
+        </p:spPr>
+        <p:txBody>
+          <a:bodyPr spcFirstLastPara="1" wrap="square" lIns="91425" tIns="91425" rIns="91425" bIns="91425" anchor="t" anchorCtr="0">
+            <a:noAutofit/>
+          </a:bodyPr>
+          <a:lstStyle/>
+          <a:p>
+            <a:pPr marL="0" lvl="0" indent="0" algn="l" rtl="0">
+              <a:spcBef>
+                <a:spcPts val="0"/>
+              </a:spcBef>
+              <a:spcAft>
+                <a:spcPts val="0"/>
+              </a:spcAft>
+              <a:buNone/>
+            </a:pPr>
+            <a:r>
+              <a:rPr lang="en" dirty="0"/>
+              <a:t>Training an AI to predict trajectories</a:t>
+            </a:r>
+            <a:endParaRPr dirty="0"/>
+          </a:p>
+        </p:txBody>
+      </p:sp>
+      <p:pic>
+        <p:nvPicPr>
+          <p:cNvPr id="14" name="Picture 13" descr="A close up of a logo&#10;&#10;Description automatically generated">
+            <a:extLst>
+              <a:ext uri="{FF2B5EF4-FFF2-40B4-BE49-F238E27FC236}">
+                <a16:creationId xmlns:a16="http://schemas.microsoft.com/office/drawing/2014/main" id="{89E157AB-36A2-4D54-ABD1-22F2AF9B5EB8}"/>
+              </a:ext>
+            </a:extLst>
+          </p:cNvPr>
+          <p:cNvPicPr>
+            <a:picLocks noChangeAspect="1"/>
+          </p:cNvPicPr>
+          <p:nvPr/>
+        </p:nvPicPr>
+        <p:blipFill rotWithShape="1">
+          <a:blip r:embed="rId3"/>
+          <a:srcRect l="6618" t="10277" r="8547" b="5306"/>
+          <a:stretch/>
+        </p:blipFill>
+        <p:spPr>
+          <a:xfrm>
+            <a:off x="4716060" y="1828800"/>
+            <a:ext cx="3983231" cy="2971275"/>
+          </a:xfrm>
+          <a:prstGeom prst="rect">
+            <a:avLst/>
+          </a:prstGeom>
+        </p:spPr>
+      </p:pic>
+      <p:pic>
+        <p:nvPicPr>
+          <p:cNvPr id="16" name="Picture 15" descr="A close up of a logo&#10;&#10;Description automatically generated">
+            <a:extLst>
+              <a:ext uri="{FF2B5EF4-FFF2-40B4-BE49-F238E27FC236}">
+                <a16:creationId xmlns:a16="http://schemas.microsoft.com/office/drawing/2014/main" id="{0CC65554-E5FA-4382-8F21-72B745CCD0B3}"/>
+              </a:ext>
+            </a:extLst>
+          </p:cNvPr>
+          <p:cNvPicPr>
+            <a:picLocks noChangeAspect="1"/>
+          </p:cNvPicPr>
+          <p:nvPr/>
+        </p:nvPicPr>
+        <p:blipFill rotWithShape="1">
+          <a:blip r:embed="rId4"/>
+          <a:srcRect l="6676" t="10277" r="7664" b="5306"/>
+          <a:stretch/>
+        </p:blipFill>
+        <p:spPr>
+          <a:xfrm>
+            <a:off x="311700" y="1828800"/>
+            <a:ext cx="4021987" cy="2971275"/>
+          </a:xfrm>
+          <a:prstGeom prst="rect">
+            <a:avLst/>
+          </a:prstGeom>
+        </p:spPr>
+      </p:pic>
+      <p:sp>
+        <p:nvSpPr>
+          <p:cNvPr id="17" name="TextBox 16">
+            <a:extLst>
+              <a:ext uri="{FF2B5EF4-FFF2-40B4-BE49-F238E27FC236}">
+                <a16:creationId xmlns:a16="http://schemas.microsoft.com/office/drawing/2014/main" id="{D5CEAA92-1BA0-41ED-8DCF-0B0DA2D3717E}"/>
+              </a:ext>
+            </a:extLst>
+          </p:cNvPr>
+          <p:cNvSpPr txBox="1"/>
+          <p:nvPr/>
+        </p:nvSpPr>
+        <p:spPr>
+          <a:xfrm>
+            <a:off x="1079500" y="1569938"/>
+            <a:ext cx="2736850" cy="338554"/>
+          </a:xfrm>
+          <a:prstGeom prst="rect">
+            <a:avLst/>
+          </a:prstGeom>
+          <a:noFill/>
+        </p:spPr>
+        <p:txBody>
+          <a:bodyPr wrap="square" rtlCol="0">
+            <a:spAutoFit/>
+          </a:bodyPr>
+          <a:lstStyle/>
+          <a:p>
+            <a:pPr algn="ctr"/>
+            <a:r>
+              <a:rPr lang="en-US" sz="1600" b="1" dirty="0"/>
+              <a:t>True trajectories</a:t>
+            </a:r>
+          </a:p>
+        </p:txBody>
+      </p:sp>
+      <p:sp>
+        <p:nvSpPr>
+          <p:cNvPr id="20" name="TextBox 19">
+            <a:extLst>
+              <a:ext uri="{FF2B5EF4-FFF2-40B4-BE49-F238E27FC236}">
+                <a16:creationId xmlns:a16="http://schemas.microsoft.com/office/drawing/2014/main" id="{880ECCE9-5D3D-4349-99BA-27E91855FCCC}"/>
+              </a:ext>
+            </a:extLst>
+          </p:cNvPr>
+          <p:cNvSpPr txBox="1"/>
+          <p:nvPr/>
+        </p:nvSpPr>
+        <p:spPr>
+          <a:xfrm>
+            <a:off x="5518150" y="1569938"/>
+            <a:ext cx="2736850" cy="338554"/>
+          </a:xfrm>
+          <a:prstGeom prst="rect">
+            <a:avLst/>
+          </a:prstGeom>
+          <a:noFill/>
+        </p:spPr>
+        <p:txBody>
+          <a:bodyPr wrap="square" rtlCol="0">
+            <a:spAutoFit/>
+          </a:bodyPr>
+          <a:lstStyle/>
+          <a:p>
+            <a:pPr algn="ctr"/>
+            <a:r>
+              <a:rPr lang="en-US" sz="1600" b="1" dirty="0"/>
+              <a:t>AI-predicted trajectories</a:t>
+            </a:r>
+          </a:p>
+        </p:txBody>
+      </p:sp>
+      <p:sp>
+        <p:nvSpPr>
+          <p:cNvPr id="4" name="Slide Number Placeholder 3">
+            <a:extLst>
+              <a:ext uri="{FF2B5EF4-FFF2-40B4-BE49-F238E27FC236}">
+                <a16:creationId xmlns:a16="http://schemas.microsoft.com/office/drawing/2014/main" id="{1E217FC2-AC7D-42A9-A30D-7E6111B03E66}"/>
+              </a:ext>
+            </a:extLst>
+          </p:cNvPr>
+          <p:cNvSpPr>
+            <a:spLocks noGrp="1"/>
+          </p:cNvSpPr>
+          <p:nvPr>
+            <p:ph type="sldNum" idx="12"/>
+          </p:nvPr>
+        </p:nvSpPr>
+        <p:spPr/>
+        <p:txBody>
+          <a:bodyPr/>
+          <a:lstStyle/>
+          <a:p>
+            <a:pPr marL="0" lvl="0" indent="0" algn="r" rtl="0">
+              <a:spcBef>
+                <a:spcPts val="0"/>
+              </a:spcBef>
+              <a:spcAft>
+                <a:spcPts val="0"/>
+              </a:spcAft>
+              <a:buNone/>
+            </a:pPr>
+            <a:fld id="{00000000-1234-1234-1234-123412341234}" type="slidenum">
+              <a:rPr lang="en" smtClean="0"/>
+              <a:t>6</a:t>
+            </a:fld>
+            <a:endParaRPr lang="en"/>
+          </a:p>
+        </p:txBody>
+      </p:sp>
+    </p:spTree>
+  </p:cSld>
+  <p:clrMapOvr>
+    <a:masterClrMapping/>
+  </p:clrMapOvr>
+</p:sld>
+</file>
+
 <file path=ppt/slides/slide7.xml><?xml version="1.0" encoding="utf-8"?>
 <p:sld xmlns:a="http://schemas.openxmlformats.org/drawingml/2006/main" xmlns:r="http://schemas.openxmlformats.org/officeDocument/2006/relationships" xmlns:p="http://schemas.openxmlformats.org/presentationml/2006/main">
   <p:cSld>
@@ -9321,8 +9596,8 @@
           </a:p>
         </p:txBody>
       </p:sp>
-      <mc:AlternateContent xmlns:mc="http://schemas.openxmlformats.org/markup-compatibility/2006" xmlns:a14="http://schemas.microsoft.com/office/drawing/2010/main">
-        <mc:Choice Requires="a14">
+      <mc:AlternateContent xmlns:mc="http://schemas.openxmlformats.org/markup-compatibility/2006">
+        <mc:Choice xmlns:a14="http://schemas.microsoft.com/office/drawing/2010/main" Requires="a14">
           <p:sp>
             <p:nvSpPr>
               <p:cNvPr id="5" name="TextBox 4">
@@ -9337,7 +9612,7 @@
             </p:nvSpPr>
             <p:spPr>
               <a:xfrm>
-                <a:off x="793173" y="2173376"/>
+                <a:off x="793173" y="2151928"/>
                 <a:ext cx="7557654" cy="1046890"/>
               </a:xfrm>
               <a:prstGeom prst="rect">
@@ -9758,7 +10033,7 @@
             </p:txBody>
           </p:sp>
         </mc:Choice>
-        <mc:Fallback xmlns="">
+        <mc:Fallback>
           <p:sp>
             <p:nvSpPr>
               <p:cNvPr id="5" name="TextBox 4">
@@ -9775,14 +10050,14 @@
             </p:nvSpPr>
             <p:spPr>
               <a:xfrm>
-                <a:off x="793173" y="2173376"/>
+                <a:off x="793173" y="2151928"/>
                 <a:ext cx="7557654" cy="1046890"/>
               </a:xfrm>
               <a:prstGeom prst="rect">
                 <a:avLst/>
               </a:prstGeom>
               <a:blipFill>
-                <a:blip r:embed="rId3"/>
+                <a:blip r:embed="rId4"/>
                 <a:stretch>
                   <a:fillRect/>
                 </a:stretch>
@@ -10449,7 +10724,7 @@
                 <a:avLst/>
               </a:prstGeom>
               <a:blipFill>
-                <a:blip r:embed="rId4"/>
+                <a:blip r:embed="rId5"/>
                 <a:stretch>
                   <a:fillRect/>
                 </a:stretch>
@@ -10747,7 +11022,7 @@
                 <a:avLst/>
               </a:prstGeom>
               <a:blipFill>
-                <a:blip r:embed="rId5"/>
+                <a:blip r:embed="rId6"/>
                 <a:stretch>
                   <a:fillRect l="-898" b="-6742"/>
                 </a:stretch>
@@ -10768,7 +11043,48 @@
           </p:sp>
         </mc:Fallback>
       </mc:AlternateContent>
+      <p:sp>
+        <p:nvSpPr>
+          <p:cNvPr id="4" name="Slide Number Placeholder 3">
+            <a:extLst>
+              <a:ext uri="{FF2B5EF4-FFF2-40B4-BE49-F238E27FC236}">
+                <a16:creationId xmlns:a16="http://schemas.microsoft.com/office/drawing/2014/main" id="{55A282AD-2E14-404C-B19F-E639C12BA714}"/>
+              </a:ext>
+            </a:extLst>
+          </p:cNvPr>
+          <p:cNvSpPr>
+            <a:spLocks noGrp="1"/>
+          </p:cNvSpPr>
+          <p:nvPr>
+            <p:ph type="sldNum" idx="12"/>
+          </p:nvPr>
+        </p:nvSpPr>
+        <p:spPr/>
+        <p:txBody>
+          <a:bodyPr/>
+          <a:lstStyle/>
+          <a:p>
+            <a:pPr marL="0" lvl="0" indent="0" algn="r" rtl="0">
+              <a:spcBef>
+                <a:spcPts val="0"/>
+              </a:spcBef>
+              <a:spcAft>
+                <a:spcPts val="0"/>
+              </a:spcAft>
+              <a:buNone/>
+            </a:pPr>
+            <a:fld id="{00000000-1234-1234-1234-123412341234}" type="slidenum">
+              <a:rPr lang="en" smtClean="0"/>
+              <a:t>7</a:t>
+            </a:fld>
+            <a:endParaRPr lang="en"/>
+          </a:p>
+        </p:txBody>
+      </p:sp>
     </p:spTree>
+    <p:custDataLst>
+      <p:tags r:id="rId1"/>
+    </p:custDataLst>
   </p:cSld>
   <p:clrMapOvr>
     <a:masterClrMapping/>
@@ -11494,7 +11810,7 @@
                 <a:avLst/>
               </a:prstGeom>
               <a:blipFill>
-                <a:blip r:embed="rId3"/>
+                <a:blip r:embed="rId4"/>
                 <a:stretch>
                   <a:fillRect/>
                 </a:stretch>
@@ -11639,7 +11955,7 @@
                 <a:avLst/>
               </a:prstGeom>
               <a:blipFill>
-                <a:blip r:embed="rId4"/>
+                <a:blip r:embed="rId5"/>
                 <a:stretch>
                   <a:fillRect b="-6400"/>
                 </a:stretch>
@@ -11660,7 +11976,48 @@
           </p:sp>
         </mc:Fallback>
       </mc:AlternateContent>
+      <p:sp>
+        <p:nvSpPr>
+          <p:cNvPr id="3" name="Slide Number Placeholder 2">
+            <a:extLst>
+              <a:ext uri="{FF2B5EF4-FFF2-40B4-BE49-F238E27FC236}">
+                <a16:creationId xmlns:a16="http://schemas.microsoft.com/office/drawing/2014/main" id="{79A6E6D1-130E-4663-9317-5E3D54D41E98}"/>
+              </a:ext>
+            </a:extLst>
+          </p:cNvPr>
+          <p:cNvSpPr>
+            <a:spLocks noGrp="1"/>
+          </p:cNvSpPr>
+          <p:nvPr>
+            <p:ph type="sldNum" idx="12"/>
+          </p:nvPr>
+        </p:nvSpPr>
+        <p:spPr/>
+        <p:txBody>
+          <a:bodyPr/>
+          <a:lstStyle/>
+          <a:p>
+            <a:pPr marL="0" lvl="0" indent="0" algn="r" rtl="0">
+              <a:spcBef>
+                <a:spcPts val="0"/>
+              </a:spcBef>
+              <a:spcAft>
+                <a:spcPts val="0"/>
+              </a:spcAft>
+              <a:buNone/>
+            </a:pPr>
+            <a:fld id="{00000000-1234-1234-1234-123412341234}" type="slidenum">
+              <a:rPr lang="en" smtClean="0"/>
+              <a:t>8</a:t>
+            </a:fld>
+            <a:endParaRPr lang="en"/>
+          </a:p>
+        </p:txBody>
+      </p:sp>
     </p:spTree>
+    <p:custDataLst>
+      <p:tags r:id="rId1"/>
+    </p:custDataLst>
     <p:extLst>
       <p:ext uri="{BB962C8B-B14F-4D97-AF65-F5344CB8AC3E}">
         <p14:creationId xmlns:p14="http://schemas.microsoft.com/office/powerpoint/2010/main" val="2065167246"/>
@@ -11859,7 +12216,7 @@
             </a:pPr>
             <a:r>
               <a:rPr lang="en-US" sz="1800" b="1" dirty="0"/>
-              <a:t>Use information from both for more stability &amp; accuracy</a:t>
+              <a:t>Use both for stability &amp; accuracy</a:t>
             </a:r>
           </a:p>
           <a:p>
@@ -11874,6 +12231,44 @@
           </a:p>
         </p:txBody>
       </p:sp>
+      <p:sp>
+        <p:nvSpPr>
+          <p:cNvPr id="5" name="Slide Number Placeholder 4">
+            <a:extLst>
+              <a:ext uri="{FF2B5EF4-FFF2-40B4-BE49-F238E27FC236}">
+                <a16:creationId xmlns:a16="http://schemas.microsoft.com/office/drawing/2014/main" id="{57FEFDB9-B3DF-4F07-A8E1-136A715266BD}"/>
+              </a:ext>
+            </a:extLst>
+          </p:cNvPr>
+          <p:cNvSpPr>
+            <a:spLocks noGrp="1"/>
+          </p:cNvSpPr>
+          <p:nvPr>
+            <p:ph type="sldNum" idx="12"/>
+          </p:nvPr>
+        </p:nvSpPr>
+        <p:spPr/>
+        <p:txBody>
+          <a:bodyPr/>
+          <a:lstStyle/>
+          <a:p>
+            <a:pPr marL="0" lvl="0" indent="0" algn="r" rtl="0">
+              <a:spcBef>
+                <a:spcPts val="0"/>
+              </a:spcBef>
+              <a:spcAft>
+                <a:spcPts val="0"/>
+              </a:spcAft>
+              <a:buNone/>
+            </a:pPr>
+            <a:fld id="{00000000-1234-1234-1234-123412341234}" type="slidenum">
+              <a:rPr lang="en" smtClean="0"/>
+              <a:t>9</a:t>
+            </a:fld>
+            <a:endParaRPr lang="en"/>
+          </a:p>
+        </p:txBody>
+      </p:sp>
     </p:spTree>
     <p:extLst>
       <p:ext uri="{BB962C8B-B14F-4D97-AF65-F5344CB8AC3E}">
@@ -11885,6 +12280,36 @@
     <a:masterClrMapping/>
   </p:clrMapOvr>
 </p:sld>
+</file>
+
+<file path=ppt/tags/tag1.xml><?xml version="1.0" encoding="utf-8"?>
+<p:tagLst xmlns:a="http://schemas.openxmlformats.org/drawingml/2006/main" xmlns:r="http://schemas.openxmlformats.org/officeDocument/2006/relationships" xmlns:p="http://schemas.openxmlformats.org/presentationml/2006/main">
+  <p:tag name="TIMING" val="|22.4|9|17"/>
+</p:tagLst>
+</file>
+
+<file path=ppt/tags/tag2.xml><?xml version="1.0" encoding="utf-8"?>
+<p:tagLst xmlns:a="http://schemas.openxmlformats.org/drawingml/2006/main" xmlns:r="http://schemas.openxmlformats.org/officeDocument/2006/relationships" xmlns:p="http://schemas.openxmlformats.org/presentationml/2006/main">
+  <p:tag name="TIMING" val="|9.2"/>
+</p:tagLst>
+</file>
+
+<file path=ppt/tags/tag3.xml><?xml version="1.0" encoding="utf-8"?>
+<p:tagLst xmlns:a="http://schemas.openxmlformats.org/drawingml/2006/main" xmlns:r="http://schemas.openxmlformats.org/officeDocument/2006/relationships" xmlns:p="http://schemas.openxmlformats.org/presentationml/2006/main">
+  <p:tag name="TIMING" val="|25.3"/>
+</p:tagLst>
+</file>
+
+<file path=ppt/tags/tag4.xml><?xml version="1.0" encoding="utf-8"?>
+<p:tagLst xmlns:a="http://schemas.openxmlformats.org/drawingml/2006/main" xmlns:r="http://schemas.openxmlformats.org/officeDocument/2006/relationships" xmlns:p="http://schemas.openxmlformats.org/presentationml/2006/main">
+  <p:tag name="TIMING" val="|63.7|23.3"/>
+</p:tagLst>
+</file>
+
+<file path=ppt/tags/tag5.xml><?xml version="1.0" encoding="utf-8"?>
+<p:tagLst xmlns:a="http://schemas.openxmlformats.org/drawingml/2006/main" xmlns:r="http://schemas.openxmlformats.org/officeDocument/2006/relationships" xmlns:p="http://schemas.openxmlformats.org/presentationml/2006/main">
+  <p:tag name="TIMING" val="|27.8"/>
+</p:tagLst>
 </file>
 
 <file path=ppt/theme/theme1.xml><?xml version="1.0" encoding="utf-8"?>
